--- a/docs/slides/AssemblAR-Design.pptx
+++ b/docs/slides/AssemblAR-Design.pptx
@@ -6,8 +6,16 @@
   </p:sldMasterIdLst>
   <p:sldIdLst>
     <p:sldId id="256" r:id="rId2"/>
-    <p:sldId id="257" r:id="rId3"/>
-    <p:sldId id="264" r:id="rId4"/>
+    <p:sldId id="265" r:id="rId3"/>
+    <p:sldId id="272" r:id="rId4"/>
+    <p:sldId id="257" r:id="rId5"/>
+    <p:sldId id="266" r:id="rId6"/>
+    <p:sldId id="267" r:id="rId7"/>
+    <p:sldId id="268" r:id="rId8"/>
+    <p:sldId id="269" r:id="rId9"/>
+    <p:sldId id="270" r:id="rId10"/>
+    <p:sldId id="271" r:id="rId11"/>
+    <p:sldId id="264" r:id="rId12"/>
   </p:sldIdLst>
   <p:sldSz cx="12192000" cy="6858000"/>
   <p:notesSz cx="6858000" cy="9144000"/>
@@ -3416,6 +3424,1935 @@
 </p:sld>
 </file>
 
+<file path=ppt/slides/slide10.xml><?xml version="1.0" encoding="utf-8"?>
+<p:sld xmlns:a="http://schemas.openxmlformats.org/drawingml/2006/main" xmlns:r="http://schemas.openxmlformats.org/officeDocument/2006/relationships" xmlns:p="http://schemas.openxmlformats.org/presentationml/2006/main">
+  <p:cSld>
+    <p:spTree>
+      <p:nvGrpSpPr>
+        <p:cNvPr id="1" name=""/>
+        <p:cNvGrpSpPr/>
+        <p:nvPr/>
+      </p:nvGrpSpPr>
+      <p:grpSpPr>
+        <a:xfrm>
+          <a:off x="0" y="0"/>
+          <a:ext cx="0" cy="0"/>
+          <a:chOff x="0" y="0"/>
+          <a:chExt cx="0" cy="0"/>
+        </a:xfrm>
+      </p:grpSpPr>
+      <p:sp>
+        <p:nvSpPr>
+          <p:cNvPr id="2" name="Title 1">
+            <a:extLst>
+              <a:ext uri="{FF2B5EF4-FFF2-40B4-BE49-F238E27FC236}">
+                <a16:creationId xmlns:a16="http://schemas.microsoft.com/office/drawing/2014/main" id="{6F51C63A-8027-F7EB-54B8-A4D619EF90D4}"/>
+              </a:ext>
+            </a:extLst>
+          </p:cNvPr>
+          <p:cNvSpPr>
+            <a:spLocks noGrp="1"/>
+          </p:cNvSpPr>
+          <p:nvPr>
+            <p:ph type="title"/>
+          </p:nvPr>
+        </p:nvSpPr>
+        <p:spPr>
+          <a:xfrm>
+            <a:off x="838200" y="260350"/>
+            <a:ext cx="10515600" cy="1325563"/>
+          </a:xfrm>
+        </p:spPr>
+        <p:txBody>
+          <a:bodyPr/>
+          <a:lstStyle/>
+          <a:p>
+            <a:r>
+              <a:rPr lang="en-US" dirty="0"/>
+              <a:t>Workflow</a:t>
+            </a:r>
+          </a:p>
+        </p:txBody>
+      </p:sp>
+      <p:sp>
+        <p:nvSpPr>
+          <p:cNvPr id="4" name="Rectangle: Rounded Corners 3">
+            <a:extLst>
+              <a:ext uri="{FF2B5EF4-FFF2-40B4-BE49-F238E27FC236}">
+                <a16:creationId xmlns:a16="http://schemas.microsoft.com/office/drawing/2014/main" id="{1459E940-D951-6F23-86F1-72EB0C9732B5}"/>
+              </a:ext>
+            </a:extLst>
+          </p:cNvPr>
+          <p:cNvSpPr/>
+          <p:nvPr/>
+        </p:nvSpPr>
+        <p:spPr>
+          <a:xfrm>
+            <a:off x="695325" y="1252538"/>
+            <a:ext cx="2085975" cy="709612"/>
+          </a:xfrm>
+          <a:prstGeom prst="roundRect">
+            <a:avLst/>
+          </a:prstGeom>
+          <a:solidFill>
+            <a:schemeClr val="tx2">
+              <a:lumMod val="50000"/>
+              <a:lumOff val="50000"/>
+            </a:schemeClr>
+          </a:solidFill>
+          <a:ln>
+            <a:solidFill>
+              <a:schemeClr val="tx1"/>
+            </a:solidFill>
+          </a:ln>
+        </p:spPr>
+        <p:style>
+          <a:lnRef idx="2">
+            <a:schemeClr val="accent1">
+              <a:shade val="15000"/>
+            </a:schemeClr>
+          </a:lnRef>
+          <a:fillRef idx="1">
+            <a:schemeClr val="accent1"/>
+          </a:fillRef>
+          <a:effectRef idx="0">
+            <a:schemeClr val="accent1"/>
+          </a:effectRef>
+          <a:fontRef idx="minor">
+            <a:schemeClr val="lt1"/>
+          </a:fontRef>
+        </p:style>
+        <p:txBody>
+          <a:bodyPr rtlCol="0" anchor="ctr"/>
+          <a:lstStyle/>
+          <a:p>
+            <a:pPr algn="ctr"/>
+            <a:r>
+              <a:rPr lang="en-US" dirty="0"/>
+              <a:t>Client</a:t>
+            </a:r>
+          </a:p>
+        </p:txBody>
+      </p:sp>
+      <p:sp>
+        <p:nvSpPr>
+          <p:cNvPr id="5" name="Rectangle: Rounded Corners 4">
+            <a:extLst>
+              <a:ext uri="{FF2B5EF4-FFF2-40B4-BE49-F238E27FC236}">
+                <a16:creationId xmlns:a16="http://schemas.microsoft.com/office/drawing/2014/main" id="{BBC90BE3-C983-4C3A-9787-DD411138C69A}"/>
+              </a:ext>
+            </a:extLst>
+          </p:cNvPr>
+          <p:cNvSpPr/>
+          <p:nvPr/>
+        </p:nvSpPr>
+        <p:spPr>
+          <a:xfrm>
+            <a:off x="2876550" y="1252538"/>
+            <a:ext cx="2085975" cy="709612"/>
+          </a:xfrm>
+          <a:prstGeom prst="roundRect">
+            <a:avLst/>
+          </a:prstGeom>
+          <a:solidFill>
+            <a:schemeClr val="tx2">
+              <a:lumMod val="50000"/>
+              <a:lumOff val="50000"/>
+            </a:schemeClr>
+          </a:solidFill>
+          <a:ln>
+            <a:solidFill>
+              <a:schemeClr val="tx1"/>
+            </a:solidFill>
+          </a:ln>
+        </p:spPr>
+        <p:style>
+          <a:lnRef idx="2">
+            <a:schemeClr val="accent1">
+              <a:shade val="15000"/>
+            </a:schemeClr>
+          </a:lnRef>
+          <a:fillRef idx="1">
+            <a:schemeClr val="accent1"/>
+          </a:fillRef>
+          <a:effectRef idx="0">
+            <a:schemeClr val="accent1"/>
+          </a:effectRef>
+          <a:fontRef idx="minor">
+            <a:schemeClr val="lt1"/>
+          </a:fontRef>
+        </p:style>
+        <p:txBody>
+          <a:bodyPr rtlCol="0" anchor="ctr"/>
+          <a:lstStyle/>
+          <a:p>
+            <a:pPr algn="ctr"/>
+            <a:r>
+              <a:rPr lang="en-US" dirty="0" err="1"/>
+              <a:t>AssemblAR</a:t>
+            </a:r>
+            <a:r>
+              <a:rPr lang="en-US" dirty="0"/>
+              <a:t> Server</a:t>
+            </a:r>
+          </a:p>
+          <a:p>
+            <a:pPr algn="ctr"/>
+            <a:r>
+              <a:rPr lang="en-US" dirty="0"/>
+              <a:t>(</a:t>
+            </a:r>
+            <a:r>
+              <a:rPr lang="en-US" dirty="0" err="1"/>
+              <a:t>PlayCanvas</a:t>
+            </a:r>
+            <a:r>
+              <a:rPr lang="en-US" dirty="0"/>
+              <a:t>)</a:t>
+            </a:r>
+          </a:p>
+        </p:txBody>
+      </p:sp>
+      <p:sp>
+        <p:nvSpPr>
+          <p:cNvPr id="6" name="Rectangle: Rounded Corners 5">
+            <a:extLst>
+              <a:ext uri="{FF2B5EF4-FFF2-40B4-BE49-F238E27FC236}">
+                <a16:creationId xmlns:a16="http://schemas.microsoft.com/office/drawing/2014/main" id="{B02A6D0F-4E39-AA33-F6E1-E2A58BCCBC23}"/>
+              </a:ext>
+            </a:extLst>
+          </p:cNvPr>
+          <p:cNvSpPr/>
+          <p:nvPr/>
+        </p:nvSpPr>
+        <p:spPr>
+          <a:xfrm>
+            <a:off x="5057775" y="1252538"/>
+            <a:ext cx="2085975" cy="709612"/>
+          </a:xfrm>
+          <a:prstGeom prst="roundRect">
+            <a:avLst/>
+          </a:prstGeom>
+          <a:solidFill>
+            <a:schemeClr val="tx2">
+              <a:lumMod val="50000"/>
+              <a:lumOff val="50000"/>
+            </a:schemeClr>
+          </a:solidFill>
+          <a:ln>
+            <a:solidFill>
+              <a:schemeClr val="tx1"/>
+            </a:solidFill>
+          </a:ln>
+        </p:spPr>
+        <p:style>
+          <a:lnRef idx="2">
+            <a:schemeClr val="accent1">
+              <a:shade val="15000"/>
+            </a:schemeClr>
+          </a:lnRef>
+          <a:fillRef idx="1">
+            <a:schemeClr val="accent1"/>
+          </a:fillRef>
+          <a:effectRef idx="0">
+            <a:schemeClr val="accent1"/>
+          </a:effectRef>
+          <a:fontRef idx="minor">
+            <a:schemeClr val="lt1"/>
+          </a:fontRef>
+        </p:style>
+        <p:txBody>
+          <a:bodyPr rtlCol="0" anchor="ctr"/>
+          <a:lstStyle/>
+          <a:p>
+            <a:pPr algn="ctr"/>
+            <a:r>
+              <a:rPr lang="en-US" dirty="0" err="1"/>
+              <a:t>AssemblAR</a:t>
+            </a:r>
+            <a:r>
+              <a:rPr lang="en-US" dirty="0"/>
+              <a:t> Server</a:t>
+            </a:r>
+          </a:p>
+          <a:p>
+            <a:pPr algn="ctr"/>
+            <a:r>
+              <a:rPr lang="en-US" dirty="0"/>
+              <a:t>(Django)</a:t>
+            </a:r>
+          </a:p>
+        </p:txBody>
+      </p:sp>
+      <p:sp>
+        <p:nvSpPr>
+          <p:cNvPr id="7" name="Rectangle: Rounded Corners 6">
+            <a:extLst>
+              <a:ext uri="{FF2B5EF4-FFF2-40B4-BE49-F238E27FC236}">
+                <a16:creationId xmlns:a16="http://schemas.microsoft.com/office/drawing/2014/main" id="{10AEFDDD-5FEE-3E20-81B7-34658ED780B8}"/>
+              </a:ext>
+            </a:extLst>
+          </p:cNvPr>
+          <p:cNvSpPr/>
+          <p:nvPr/>
+        </p:nvSpPr>
+        <p:spPr>
+          <a:xfrm>
+            <a:off x="7239000" y="1252538"/>
+            <a:ext cx="2085975" cy="709612"/>
+          </a:xfrm>
+          <a:prstGeom prst="roundRect">
+            <a:avLst/>
+          </a:prstGeom>
+          <a:solidFill>
+            <a:schemeClr val="tx2">
+              <a:lumMod val="50000"/>
+              <a:lumOff val="50000"/>
+            </a:schemeClr>
+          </a:solidFill>
+          <a:ln>
+            <a:solidFill>
+              <a:schemeClr val="tx1"/>
+            </a:solidFill>
+          </a:ln>
+        </p:spPr>
+        <p:style>
+          <a:lnRef idx="2">
+            <a:schemeClr val="accent1">
+              <a:shade val="15000"/>
+            </a:schemeClr>
+          </a:lnRef>
+          <a:fillRef idx="1">
+            <a:schemeClr val="accent1"/>
+          </a:fillRef>
+          <a:effectRef idx="0">
+            <a:schemeClr val="accent1"/>
+          </a:effectRef>
+          <a:fontRef idx="minor">
+            <a:schemeClr val="lt1"/>
+          </a:fontRef>
+        </p:style>
+        <p:txBody>
+          <a:bodyPr rtlCol="0" anchor="ctr"/>
+          <a:lstStyle/>
+          <a:p>
+            <a:pPr algn="ctr"/>
+            <a:r>
+              <a:rPr lang="en-US" dirty="0"/>
+              <a:t>PostgreSQL</a:t>
+            </a:r>
+          </a:p>
+        </p:txBody>
+      </p:sp>
+      <p:sp>
+        <p:nvSpPr>
+          <p:cNvPr id="8" name="Rectangle: Rounded Corners 7">
+            <a:extLst>
+              <a:ext uri="{FF2B5EF4-FFF2-40B4-BE49-F238E27FC236}">
+                <a16:creationId xmlns:a16="http://schemas.microsoft.com/office/drawing/2014/main" id="{EF0560ED-5BB5-DF6F-1FE7-792DA22F4387}"/>
+              </a:ext>
+            </a:extLst>
+          </p:cNvPr>
+          <p:cNvSpPr/>
+          <p:nvPr/>
+        </p:nvSpPr>
+        <p:spPr>
+          <a:xfrm>
+            <a:off x="9420225" y="1252538"/>
+            <a:ext cx="2085975" cy="709612"/>
+          </a:xfrm>
+          <a:prstGeom prst="roundRect">
+            <a:avLst/>
+          </a:prstGeom>
+          <a:solidFill>
+            <a:schemeClr val="tx2">
+              <a:lumMod val="50000"/>
+              <a:lumOff val="50000"/>
+            </a:schemeClr>
+          </a:solidFill>
+          <a:ln>
+            <a:solidFill>
+              <a:schemeClr val="tx1"/>
+            </a:solidFill>
+          </a:ln>
+        </p:spPr>
+        <p:style>
+          <a:lnRef idx="2">
+            <a:schemeClr val="accent1">
+              <a:shade val="15000"/>
+            </a:schemeClr>
+          </a:lnRef>
+          <a:fillRef idx="1">
+            <a:schemeClr val="accent1"/>
+          </a:fillRef>
+          <a:effectRef idx="0">
+            <a:schemeClr val="accent1"/>
+          </a:effectRef>
+          <a:fontRef idx="minor">
+            <a:schemeClr val="lt1"/>
+          </a:fontRef>
+        </p:style>
+        <p:txBody>
+          <a:bodyPr rtlCol="0" anchor="ctr"/>
+          <a:lstStyle/>
+          <a:p>
+            <a:pPr algn="ctr"/>
+            <a:r>
+              <a:rPr lang="en-US" dirty="0" err="1"/>
+              <a:t>MinIO</a:t>
+            </a:r>
+            <a:endParaRPr lang="en-US" dirty="0"/>
+          </a:p>
+        </p:txBody>
+      </p:sp>
+      <p:cxnSp>
+        <p:nvCxnSpPr>
+          <p:cNvPr id="10" name="Straight Connector 9">
+            <a:extLst>
+              <a:ext uri="{FF2B5EF4-FFF2-40B4-BE49-F238E27FC236}">
+                <a16:creationId xmlns:a16="http://schemas.microsoft.com/office/drawing/2014/main" id="{0A2F1AD9-C2F7-DD38-45E4-942E646E0E03}"/>
+              </a:ext>
+            </a:extLst>
+          </p:cNvPr>
+          <p:cNvCxnSpPr>
+            <a:cxnSpLocks/>
+            <a:stCxn id="4" idx="2"/>
+          </p:cNvCxnSpPr>
+          <p:nvPr/>
+        </p:nvCxnSpPr>
+        <p:spPr>
+          <a:xfrm>
+            <a:off x="1738313" y="1962150"/>
+            <a:ext cx="0" cy="4781550"/>
+          </a:xfrm>
+          <a:prstGeom prst="line">
+            <a:avLst/>
+          </a:prstGeom>
+          <a:ln w="38100">
+            <a:solidFill>
+              <a:schemeClr val="tx1"/>
+            </a:solidFill>
+          </a:ln>
+        </p:spPr>
+        <p:style>
+          <a:lnRef idx="2">
+            <a:schemeClr val="accent1"/>
+          </a:lnRef>
+          <a:fillRef idx="0">
+            <a:schemeClr val="accent1"/>
+          </a:fillRef>
+          <a:effectRef idx="1">
+            <a:schemeClr val="accent1"/>
+          </a:effectRef>
+          <a:fontRef idx="minor">
+            <a:schemeClr val="tx1"/>
+          </a:fontRef>
+        </p:style>
+      </p:cxnSp>
+      <p:cxnSp>
+        <p:nvCxnSpPr>
+          <p:cNvPr id="11" name="Straight Connector 10">
+            <a:extLst>
+              <a:ext uri="{FF2B5EF4-FFF2-40B4-BE49-F238E27FC236}">
+                <a16:creationId xmlns:a16="http://schemas.microsoft.com/office/drawing/2014/main" id="{5135810E-65BA-A329-E356-CB4706D763EA}"/>
+              </a:ext>
+            </a:extLst>
+          </p:cNvPr>
+          <p:cNvCxnSpPr>
+            <a:cxnSpLocks/>
+          </p:cNvCxnSpPr>
+          <p:nvPr/>
+        </p:nvCxnSpPr>
+        <p:spPr>
+          <a:xfrm>
+            <a:off x="3919537" y="1962150"/>
+            <a:ext cx="0" cy="4781550"/>
+          </a:xfrm>
+          <a:prstGeom prst="line">
+            <a:avLst/>
+          </a:prstGeom>
+          <a:ln w="38100">
+            <a:solidFill>
+              <a:schemeClr val="tx1"/>
+            </a:solidFill>
+          </a:ln>
+        </p:spPr>
+        <p:style>
+          <a:lnRef idx="2">
+            <a:schemeClr val="accent1"/>
+          </a:lnRef>
+          <a:fillRef idx="0">
+            <a:schemeClr val="accent1"/>
+          </a:fillRef>
+          <a:effectRef idx="1">
+            <a:schemeClr val="accent1"/>
+          </a:effectRef>
+          <a:fontRef idx="minor">
+            <a:schemeClr val="tx1"/>
+          </a:fontRef>
+        </p:style>
+      </p:cxnSp>
+      <p:cxnSp>
+        <p:nvCxnSpPr>
+          <p:cNvPr id="12" name="Straight Connector 11">
+            <a:extLst>
+              <a:ext uri="{FF2B5EF4-FFF2-40B4-BE49-F238E27FC236}">
+                <a16:creationId xmlns:a16="http://schemas.microsoft.com/office/drawing/2014/main" id="{D0ACD741-0215-E19C-765C-C879913772E5}"/>
+              </a:ext>
+            </a:extLst>
+          </p:cNvPr>
+          <p:cNvCxnSpPr>
+            <a:cxnSpLocks/>
+          </p:cNvCxnSpPr>
+          <p:nvPr/>
+        </p:nvCxnSpPr>
+        <p:spPr>
+          <a:xfrm>
+            <a:off x="6091238" y="1962150"/>
+            <a:ext cx="0" cy="4781550"/>
+          </a:xfrm>
+          <a:prstGeom prst="line">
+            <a:avLst/>
+          </a:prstGeom>
+          <a:ln w="38100">
+            <a:solidFill>
+              <a:schemeClr val="tx1"/>
+            </a:solidFill>
+          </a:ln>
+        </p:spPr>
+        <p:style>
+          <a:lnRef idx="2">
+            <a:schemeClr val="accent1"/>
+          </a:lnRef>
+          <a:fillRef idx="0">
+            <a:schemeClr val="accent1"/>
+          </a:fillRef>
+          <a:effectRef idx="1">
+            <a:schemeClr val="accent1"/>
+          </a:effectRef>
+          <a:fontRef idx="minor">
+            <a:schemeClr val="tx1"/>
+          </a:fontRef>
+        </p:style>
+      </p:cxnSp>
+      <p:cxnSp>
+        <p:nvCxnSpPr>
+          <p:cNvPr id="13" name="Straight Connector 12">
+            <a:extLst>
+              <a:ext uri="{FF2B5EF4-FFF2-40B4-BE49-F238E27FC236}">
+                <a16:creationId xmlns:a16="http://schemas.microsoft.com/office/drawing/2014/main" id="{3DF5AEF4-E7F6-5823-6597-B7946CBD19F9}"/>
+              </a:ext>
+            </a:extLst>
+          </p:cNvPr>
+          <p:cNvCxnSpPr>
+            <a:cxnSpLocks/>
+          </p:cNvCxnSpPr>
+          <p:nvPr/>
+        </p:nvCxnSpPr>
+        <p:spPr>
+          <a:xfrm>
+            <a:off x="8262939" y="1962150"/>
+            <a:ext cx="0" cy="4781550"/>
+          </a:xfrm>
+          <a:prstGeom prst="line">
+            <a:avLst/>
+          </a:prstGeom>
+          <a:ln w="38100">
+            <a:solidFill>
+              <a:schemeClr val="tx1"/>
+            </a:solidFill>
+          </a:ln>
+        </p:spPr>
+        <p:style>
+          <a:lnRef idx="2">
+            <a:schemeClr val="accent1"/>
+          </a:lnRef>
+          <a:fillRef idx="0">
+            <a:schemeClr val="accent1"/>
+          </a:fillRef>
+          <a:effectRef idx="1">
+            <a:schemeClr val="accent1"/>
+          </a:effectRef>
+          <a:fontRef idx="minor">
+            <a:schemeClr val="tx1"/>
+          </a:fontRef>
+        </p:style>
+      </p:cxnSp>
+      <p:cxnSp>
+        <p:nvCxnSpPr>
+          <p:cNvPr id="14" name="Straight Connector 13">
+            <a:extLst>
+              <a:ext uri="{FF2B5EF4-FFF2-40B4-BE49-F238E27FC236}">
+                <a16:creationId xmlns:a16="http://schemas.microsoft.com/office/drawing/2014/main" id="{C2FEF104-B9A2-25A5-5975-451E0EA6B1EF}"/>
+              </a:ext>
+            </a:extLst>
+          </p:cNvPr>
+          <p:cNvCxnSpPr>
+            <a:cxnSpLocks/>
+          </p:cNvCxnSpPr>
+          <p:nvPr/>
+        </p:nvCxnSpPr>
+        <p:spPr>
+          <a:xfrm>
+            <a:off x="10463212" y="1962150"/>
+            <a:ext cx="0" cy="4781550"/>
+          </a:xfrm>
+          <a:prstGeom prst="line">
+            <a:avLst/>
+          </a:prstGeom>
+          <a:ln w="38100">
+            <a:solidFill>
+              <a:schemeClr val="tx1"/>
+            </a:solidFill>
+          </a:ln>
+        </p:spPr>
+        <p:style>
+          <a:lnRef idx="2">
+            <a:schemeClr val="accent1"/>
+          </a:lnRef>
+          <a:fillRef idx="0">
+            <a:schemeClr val="accent1"/>
+          </a:fillRef>
+          <a:effectRef idx="1">
+            <a:schemeClr val="accent1"/>
+          </a:effectRef>
+          <a:fontRef idx="minor">
+            <a:schemeClr val="tx1"/>
+          </a:fontRef>
+        </p:style>
+      </p:cxnSp>
+      <p:cxnSp>
+        <p:nvCxnSpPr>
+          <p:cNvPr id="16" name="Straight Arrow Connector 15">
+            <a:extLst>
+              <a:ext uri="{FF2B5EF4-FFF2-40B4-BE49-F238E27FC236}">
+                <a16:creationId xmlns:a16="http://schemas.microsoft.com/office/drawing/2014/main" id="{296CA710-5AFD-D334-738A-F901095DBAA4}"/>
+              </a:ext>
+            </a:extLst>
+          </p:cNvPr>
+          <p:cNvCxnSpPr/>
+          <p:nvPr/>
+        </p:nvCxnSpPr>
+        <p:spPr>
+          <a:xfrm>
+            <a:off x="1738311" y="2867025"/>
+            <a:ext cx="2181225" cy="0"/>
+          </a:xfrm>
+          <a:prstGeom prst="straightConnector1">
+            <a:avLst/>
+          </a:prstGeom>
+          <a:ln>
+            <a:solidFill>
+              <a:schemeClr val="tx1">
+                <a:lumMod val="95000"/>
+                <a:lumOff val="5000"/>
+              </a:schemeClr>
+            </a:solidFill>
+            <a:prstDash val="sysDash"/>
+            <a:tailEnd type="triangle"/>
+          </a:ln>
+        </p:spPr>
+        <p:style>
+          <a:lnRef idx="2">
+            <a:schemeClr val="accent1"/>
+          </a:lnRef>
+          <a:fillRef idx="0">
+            <a:schemeClr val="accent1"/>
+          </a:fillRef>
+          <a:effectRef idx="1">
+            <a:schemeClr val="accent1"/>
+          </a:effectRef>
+          <a:fontRef idx="minor">
+            <a:schemeClr val="tx1"/>
+          </a:fontRef>
+        </p:style>
+      </p:cxnSp>
+      <p:cxnSp>
+        <p:nvCxnSpPr>
+          <p:cNvPr id="17" name="Straight Arrow Connector 16">
+            <a:extLst>
+              <a:ext uri="{FF2B5EF4-FFF2-40B4-BE49-F238E27FC236}">
+                <a16:creationId xmlns:a16="http://schemas.microsoft.com/office/drawing/2014/main" id="{7898C9B1-7F20-7A41-B968-35CBFAFAA112}"/>
+              </a:ext>
+            </a:extLst>
+          </p:cNvPr>
+          <p:cNvCxnSpPr>
+            <a:cxnSpLocks/>
+          </p:cNvCxnSpPr>
+          <p:nvPr/>
+        </p:nvCxnSpPr>
+        <p:spPr>
+          <a:xfrm flipH="1">
+            <a:off x="1738311" y="3228975"/>
+            <a:ext cx="2181225" cy="0"/>
+          </a:xfrm>
+          <a:prstGeom prst="straightConnector1">
+            <a:avLst/>
+          </a:prstGeom>
+          <a:ln>
+            <a:solidFill>
+              <a:schemeClr val="tx1">
+                <a:lumMod val="95000"/>
+                <a:lumOff val="5000"/>
+              </a:schemeClr>
+            </a:solidFill>
+            <a:prstDash val="sysDash"/>
+            <a:tailEnd type="triangle"/>
+          </a:ln>
+        </p:spPr>
+        <p:style>
+          <a:lnRef idx="2">
+            <a:schemeClr val="accent1"/>
+          </a:lnRef>
+          <a:fillRef idx="0">
+            <a:schemeClr val="accent1"/>
+          </a:fillRef>
+          <a:effectRef idx="1">
+            <a:schemeClr val="accent1"/>
+          </a:effectRef>
+          <a:fontRef idx="minor">
+            <a:schemeClr val="tx1"/>
+          </a:fontRef>
+        </p:style>
+      </p:cxnSp>
+      <p:sp>
+        <p:nvSpPr>
+          <p:cNvPr id="20" name="Rectangle 19">
+            <a:extLst>
+              <a:ext uri="{FF2B5EF4-FFF2-40B4-BE49-F238E27FC236}">
+                <a16:creationId xmlns:a16="http://schemas.microsoft.com/office/drawing/2014/main" id="{BA31FB9A-5252-D4C3-7E75-50716F464B5A}"/>
+              </a:ext>
+            </a:extLst>
+          </p:cNvPr>
+          <p:cNvSpPr/>
+          <p:nvPr/>
+        </p:nvSpPr>
+        <p:spPr>
+          <a:xfrm>
+            <a:off x="873918" y="2171715"/>
+            <a:ext cx="1728788" cy="333361"/>
+          </a:xfrm>
+          <a:prstGeom prst="rect">
+            <a:avLst/>
+          </a:prstGeom>
+          <a:solidFill>
+            <a:schemeClr val="bg2"/>
+          </a:solidFill>
+          <a:ln w="12700"/>
+        </p:spPr>
+        <p:style>
+          <a:lnRef idx="2">
+            <a:schemeClr val="accent1">
+              <a:shade val="15000"/>
+            </a:schemeClr>
+          </a:lnRef>
+          <a:fillRef idx="1">
+            <a:schemeClr val="accent1"/>
+          </a:fillRef>
+          <a:effectRef idx="0">
+            <a:schemeClr val="accent1"/>
+          </a:effectRef>
+          <a:fontRef idx="minor">
+            <a:schemeClr val="lt1"/>
+          </a:fontRef>
+        </p:style>
+        <p:txBody>
+          <a:bodyPr rtlCol="0" anchor="ctr"/>
+          <a:lstStyle/>
+          <a:p>
+            <a:pPr algn="ctr"/>
+            <a:r>
+              <a:rPr lang="en-US" sz="1200" dirty="0">
+                <a:solidFill>
+                  <a:schemeClr val="tx1"/>
+                </a:solidFill>
+              </a:rPr>
+              <a:t>User visits URL</a:t>
+            </a:r>
+          </a:p>
+        </p:txBody>
+      </p:sp>
+      <p:sp>
+        <p:nvSpPr>
+          <p:cNvPr id="21" name="TextBox 20">
+            <a:extLst>
+              <a:ext uri="{FF2B5EF4-FFF2-40B4-BE49-F238E27FC236}">
+                <a16:creationId xmlns:a16="http://schemas.microsoft.com/office/drawing/2014/main" id="{B13E3234-3A31-48D0-0B9D-6B63CCB3ECF7}"/>
+              </a:ext>
+            </a:extLst>
+          </p:cNvPr>
+          <p:cNvSpPr txBox="1"/>
+          <p:nvPr/>
+        </p:nvSpPr>
+        <p:spPr>
+          <a:xfrm>
+            <a:off x="2079785" y="2605415"/>
+            <a:ext cx="1412567" cy="261610"/>
+          </a:xfrm>
+          <a:prstGeom prst="rect">
+            <a:avLst/>
+          </a:prstGeom>
+          <a:noFill/>
+        </p:spPr>
+        <p:txBody>
+          <a:bodyPr wrap="none" rtlCol="0">
+            <a:spAutoFit/>
+          </a:bodyPr>
+          <a:lstStyle/>
+          <a:p>
+            <a:pPr algn="ctr"/>
+            <a:r>
+              <a:rPr lang="en-US" sz="1100" dirty="0"/>
+              <a:t>Requests static files</a:t>
+            </a:r>
+          </a:p>
+        </p:txBody>
+      </p:sp>
+      <p:sp>
+        <p:nvSpPr>
+          <p:cNvPr id="22" name="TextBox 21">
+            <a:extLst>
+              <a:ext uri="{FF2B5EF4-FFF2-40B4-BE49-F238E27FC236}">
+                <a16:creationId xmlns:a16="http://schemas.microsoft.com/office/drawing/2014/main" id="{A0C3A4A0-B571-C0E4-BB02-4611C63359F2}"/>
+              </a:ext>
+            </a:extLst>
+          </p:cNvPr>
+          <p:cNvSpPr txBox="1"/>
+          <p:nvPr/>
+        </p:nvSpPr>
+        <p:spPr>
+          <a:xfrm>
+            <a:off x="1948029" y="2963720"/>
+            <a:ext cx="1737976" cy="261610"/>
+          </a:xfrm>
+          <a:prstGeom prst="rect">
+            <a:avLst/>
+          </a:prstGeom>
+          <a:noFill/>
+        </p:spPr>
+        <p:txBody>
+          <a:bodyPr wrap="none" rtlCol="0">
+            <a:spAutoFit/>
+          </a:bodyPr>
+          <a:lstStyle/>
+          <a:p>
+            <a:pPr algn="ctr"/>
+            <a:r>
+              <a:rPr lang="en-US" sz="1100" dirty="0"/>
+              <a:t>Responds with static files</a:t>
+            </a:r>
+          </a:p>
+        </p:txBody>
+      </p:sp>
+      <p:cxnSp>
+        <p:nvCxnSpPr>
+          <p:cNvPr id="27" name="Straight Arrow Connector 26">
+            <a:extLst>
+              <a:ext uri="{FF2B5EF4-FFF2-40B4-BE49-F238E27FC236}">
+                <a16:creationId xmlns:a16="http://schemas.microsoft.com/office/drawing/2014/main" id="{FD9EFF10-E4BC-3B81-516D-154E056D35F3}"/>
+              </a:ext>
+            </a:extLst>
+          </p:cNvPr>
+          <p:cNvCxnSpPr/>
+          <p:nvPr/>
+        </p:nvCxnSpPr>
+        <p:spPr>
+          <a:xfrm>
+            <a:off x="1747835" y="4101614"/>
+            <a:ext cx="2181225" cy="0"/>
+          </a:xfrm>
+          <a:prstGeom prst="straightConnector1">
+            <a:avLst/>
+          </a:prstGeom>
+          <a:ln>
+            <a:solidFill>
+              <a:schemeClr val="tx1">
+                <a:lumMod val="95000"/>
+                <a:lumOff val="5000"/>
+              </a:schemeClr>
+            </a:solidFill>
+            <a:prstDash val="sysDash"/>
+            <a:tailEnd type="triangle"/>
+          </a:ln>
+        </p:spPr>
+        <p:style>
+          <a:lnRef idx="2">
+            <a:schemeClr val="accent1"/>
+          </a:lnRef>
+          <a:fillRef idx="0">
+            <a:schemeClr val="accent1"/>
+          </a:fillRef>
+          <a:effectRef idx="1">
+            <a:schemeClr val="accent1"/>
+          </a:effectRef>
+          <a:fontRef idx="minor">
+            <a:schemeClr val="tx1"/>
+          </a:fontRef>
+        </p:style>
+      </p:cxnSp>
+      <p:sp>
+        <p:nvSpPr>
+          <p:cNvPr id="29" name="Rectangle 28">
+            <a:extLst>
+              <a:ext uri="{FF2B5EF4-FFF2-40B4-BE49-F238E27FC236}">
+                <a16:creationId xmlns:a16="http://schemas.microsoft.com/office/drawing/2014/main" id="{E7B62936-C7A2-A3E9-AA09-3CEE63B574BA}"/>
+              </a:ext>
+            </a:extLst>
+          </p:cNvPr>
+          <p:cNvSpPr/>
+          <p:nvPr/>
+        </p:nvSpPr>
+        <p:spPr>
+          <a:xfrm>
+            <a:off x="883442" y="3406304"/>
+            <a:ext cx="1728788" cy="333361"/>
+          </a:xfrm>
+          <a:prstGeom prst="rect">
+            <a:avLst/>
+          </a:prstGeom>
+          <a:solidFill>
+            <a:schemeClr val="bg2"/>
+          </a:solidFill>
+          <a:ln w="12700"/>
+        </p:spPr>
+        <p:style>
+          <a:lnRef idx="2">
+            <a:schemeClr val="accent1">
+              <a:shade val="15000"/>
+            </a:schemeClr>
+          </a:lnRef>
+          <a:fillRef idx="1">
+            <a:schemeClr val="accent1"/>
+          </a:fillRef>
+          <a:effectRef idx="0">
+            <a:schemeClr val="accent1"/>
+          </a:effectRef>
+          <a:fontRef idx="minor">
+            <a:schemeClr val="lt1"/>
+          </a:fontRef>
+        </p:style>
+        <p:txBody>
+          <a:bodyPr rtlCol="0" anchor="ctr"/>
+          <a:lstStyle/>
+          <a:p>
+            <a:pPr algn="ctr"/>
+            <a:r>
+              <a:rPr lang="en-US" sz="1200" dirty="0">
+                <a:solidFill>
+                  <a:schemeClr val="tx1"/>
+                </a:solidFill>
+              </a:rPr>
+              <a:t>User selects/scans instruction set</a:t>
+            </a:r>
+          </a:p>
+        </p:txBody>
+      </p:sp>
+      <p:sp>
+        <p:nvSpPr>
+          <p:cNvPr id="30" name="TextBox 29">
+            <a:extLst>
+              <a:ext uri="{FF2B5EF4-FFF2-40B4-BE49-F238E27FC236}">
+                <a16:creationId xmlns:a16="http://schemas.microsoft.com/office/drawing/2014/main" id="{FCF05055-C6DE-071C-5EB2-E76C911BC2C3}"/>
+              </a:ext>
+            </a:extLst>
+          </p:cNvPr>
+          <p:cNvSpPr txBox="1"/>
+          <p:nvPr/>
+        </p:nvSpPr>
+        <p:spPr>
+          <a:xfrm>
+            <a:off x="2058049" y="3840004"/>
+            <a:ext cx="1475084" cy="261610"/>
+          </a:xfrm>
+          <a:prstGeom prst="rect">
+            <a:avLst/>
+          </a:prstGeom>
+          <a:noFill/>
+        </p:spPr>
+        <p:txBody>
+          <a:bodyPr wrap="none" rtlCol="0">
+            <a:spAutoFit/>
+          </a:bodyPr>
+          <a:lstStyle/>
+          <a:p>
+            <a:pPr algn="ctr"/>
+            <a:r>
+              <a:rPr lang="en-US" sz="1100" dirty="0"/>
+              <a:t>Requests instruction</a:t>
+            </a:r>
+          </a:p>
+        </p:txBody>
+      </p:sp>
+      <p:cxnSp>
+        <p:nvCxnSpPr>
+          <p:cNvPr id="32" name="Straight Arrow Connector 31">
+            <a:extLst>
+              <a:ext uri="{FF2B5EF4-FFF2-40B4-BE49-F238E27FC236}">
+                <a16:creationId xmlns:a16="http://schemas.microsoft.com/office/drawing/2014/main" id="{D3DD236D-953E-B687-76B9-C1FDC29A4461}"/>
+              </a:ext>
+            </a:extLst>
+          </p:cNvPr>
+          <p:cNvCxnSpPr/>
+          <p:nvPr/>
+        </p:nvCxnSpPr>
+        <p:spPr>
+          <a:xfrm>
+            <a:off x="3945724" y="4369088"/>
+            <a:ext cx="2181225" cy="0"/>
+          </a:xfrm>
+          <a:prstGeom prst="straightConnector1">
+            <a:avLst/>
+          </a:prstGeom>
+          <a:ln>
+            <a:solidFill>
+              <a:schemeClr val="tx1">
+                <a:lumMod val="95000"/>
+                <a:lumOff val="5000"/>
+              </a:schemeClr>
+            </a:solidFill>
+            <a:prstDash val="sysDash"/>
+            <a:tailEnd type="triangle"/>
+          </a:ln>
+        </p:spPr>
+        <p:style>
+          <a:lnRef idx="2">
+            <a:schemeClr val="accent1"/>
+          </a:lnRef>
+          <a:fillRef idx="0">
+            <a:schemeClr val="accent1"/>
+          </a:fillRef>
+          <a:effectRef idx="1">
+            <a:schemeClr val="accent1"/>
+          </a:effectRef>
+          <a:fontRef idx="minor">
+            <a:schemeClr val="tx1"/>
+          </a:fontRef>
+        </p:style>
+      </p:cxnSp>
+      <p:sp>
+        <p:nvSpPr>
+          <p:cNvPr id="33" name="TextBox 32">
+            <a:extLst>
+              <a:ext uri="{FF2B5EF4-FFF2-40B4-BE49-F238E27FC236}">
+                <a16:creationId xmlns:a16="http://schemas.microsoft.com/office/drawing/2014/main" id="{FDB1F57B-0052-1BB4-E914-1A80B45D8AFC}"/>
+              </a:ext>
+            </a:extLst>
+          </p:cNvPr>
+          <p:cNvSpPr txBox="1"/>
+          <p:nvPr/>
+        </p:nvSpPr>
+        <p:spPr>
+          <a:xfrm>
+            <a:off x="4122894" y="4107478"/>
+            <a:ext cx="1741182" cy="261610"/>
+          </a:xfrm>
+          <a:prstGeom prst="rect">
+            <a:avLst/>
+          </a:prstGeom>
+          <a:noFill/>
+        </p:spPr>
+        <p:txBody>
+          <a:bodyPr wrap="none" rtlCol="0">
+            <a:spAutoFit/>
+          </a:bodyPr>
+          <a:lstStyle/>
+          <a:p>
+            <a:pPr algn="ctr"/>
+            <a:r>
+              <a:rPr lang="en-US" sz="1100" dirty="0"/>
+              <a:t>Requests instruction step</a:t>
+            </a:r>
+          </a:p>
+        </p:txBody>
+      </p:sp>
+      <p:cxnSp>
+        <p:nvCxnSpPr>
+          <p:cNvPr id="34" name="Straight Arrow Connector 33">
+            <a:extLst>
+              <a:ext uri="{FF2B5EF4-FFF2-40B4-BE49-F238E27FC236}">
+                <a16:creationId xmlns:a16="http://schemas.microsoft.com/office/drawing/2014/main" id="{C01FE537-31FF-1C9E-5061-C1B9EADEA552}"/>
+              </a:ext>
+            </a:extLst>
+          </p:cNvPr>
+          <p:cNvCxnSpPr/>
+          <p:nvPr/>
+        </p:nvCxnSpPr>
+        <p:spPr>
+          <a:xfrm>
+            <a:off x="6081704" y="4630698"/>
+            <a:ext cx="2181225" cy="0"/>
+          </a:xfrm>
+          <a:prstGeom prst="straightConnector1">
+            <a:avLst/>
+          </a:prstGeom>
+          <a:ln>
+            <a:solidFill>
+              <a:schemeClr val="tx1">
+                <a:lumMod val="95000"/>
+                <a:lumOff val="5000"/>
+              </a:schemeClr>
+            </a:solidFill>
+            <a:prstDash val="sysDash"/>
+            <a:tailEnd type="triangle"/>
+          </a:ln>
+        </p:spPr>
+        <p:style>
+          <a:lnRef idx="2">
+            <a:schemeClr val="accent1"/>
+          </a:lnRef>
+          <a:fillRef idx="0">
+            <a:schemeClr val="accent1"/>
+          </a:fillRef>
+          <a:effectRef idx="1">
+            <a:schemeClr val="accent1"/>
+          </a:effectRef>
+          <a:fontRef idx="minor">
+            <a:schemeClr val="tx1"/>
+          </a:fontRef>
+        </p:style>
+      </p:cxnSp>
+      <p:sp>
+        <p:nvSpPr>
+          <p:cNvPr id="35" name="TextBox 34">
+            <a:extLst>
+              <a:ext uri="{FF2B5EF4-FFF2-40B4-BE49-F238E27FC236}">
+                <a16:creationId xmlns:a16="http://schemas.microsoft.com/office/drawing/2014/main" id="{2C3AAB9A-0A5F-08E8-B5F5-8438D87ADC1B}"/>
+              </a:ext>
+            </a:extLst>
+          </p:cNvPr>
+          <p:cNvSpPr txBox="1"/>
+          <p:nvPr/>
+        </p:nvSpPr>
+        <p:spPr>
+          <a:xfrm>
+            <a:off x="6258874" y="4369088"/>
+            <a:ext cx="1741182" cy="261610"/>
+          </a:xfrm>
+          <a:prstGeom prst="rect">
+            <a:avLst/>
+          </a:prstGeom>
+          <a:noFill/>
+        </p:spPr>
+        <p:txBody>
+          <a:bodyPr wrap="none" rtlCol="0">
+            <a:spAutoFit/>
+          </a:bodyPr>
+          <a:lstStyle/>
+          <a:p>
+            <a:pPr algn="ctr"/>
+            <a:r>
+              <a:rPr lang="en-US" sz="1100" dirty="0"/>
+              <a:t>Requests instruction step</a:t>
+            </a:r>
+          </a:p>
+        </p:txBody>
+      </p:sp>
+      <p:cxnSp>
+        <p:nvCxnSpPr>
+          <p:cNvPr id="38" name="Straight Arrow Connector 37">
+            <a:extLst>
+              <a:ext uri="{FF2B5EF4-FFF2-40B4-BE49-F238E27FC236}">
+                <a16:creationId xmlns:a16="http://schemas.microsoft.com/office/drawing/2014/main" id="{E15EFC20-E86A-04B1-25D5-68EADD9220ED}"/>
+              </a:ext>
+            </a:extLst>
+          </p:cNvPr>
+          <p:cNvCxnSpPr>
+            <a:cxnSpLocks/>
+          </p:cNvCxnSpPr>
+          <p:nvPr/>
+        </p:nvCxnSpPr>
+        <p:spPr>
+          <a:xfrm flipH="1">
+            <a:off x="6115250" y="4913575"/>
+            <a:ext cx="2181225" cy="0"/>
+          </a:xfrm>
+          <a:prstGeom prst="straightConnector1">
+            <a:avLst/>
+          </a:prstGeom>
+          <a:ln>
+            <a:solidFill>
+              <a:schemeClr val="tx1">
+                <a:lumMod val="95000"/>
+                <a:lumOff val="5000"/>
+              </a:schemeClr>
+            </a:solidFill>
+            <a:prstDash val="sysDash"/>
+            <a:tailEnd type="triangle"/>
+          </a:ln>
+        </p:spPr>
+        <p:style>
+          <a:lnRef idx="2">
+            <a:schemeClr val="accent1"/>
+          </a:lnRef>
+          <a:fillRef idx="0">
+            <a:schemeClr val="accent1"/>
+          </a:fillRef>
+          <a:effectRef idx="1">
+            <a:schemeClr val="accent1"/>
+          </a:effectRef>
+          <a:fontRef idx="minor">
+            <a:schemeClr val="tx1"/>
+          </a:fontRef>
+        </p:style>
+      </p:cxnSp>
+      <p:sp>
+        <p:nvSpPr>
+          <p:cNvPr id="39" name="TextBox 38">
+            <a:extLst>
+              <a:ext uri="{FF2B5EF4-FFF2-40B4-BE49-F238E27FC236}">
+                <a16:creationId xmlns:a16="http://schemas.microsoft.com/office/drawing/2014/main" id="{95EBBBE8-0596-3944-8251-91629932CBA3}"/>
+              </a:ext>
+            </a:extLst>
+          </p:cNvPr>
+          <p:cNvSpPr txBox="1"/>
+          <p:nvPr/>
+        </p:nvSpPr>
+        <p:spPr>
+          <a:xfrm>
+            <a:off x="6177132" y="4639553"/>
+            <a:ext cx="2066591" cy="261610"/>
+          </a:xfrm>
+          <a:prstGeom prst="rect">
+            <a:avLst/>
+          </a:prstGeom>
+          <a:noFill/>
+        </p:spPr>
+        <p:txBody>
+          <a:bodyPr wrap="none" rtlCol="0">
+            <a:spAutoFit/>
+          </a:bodyPr>
+          <a:lstStyle/>
+          <a:p>
+            <a:r>
+              <a:rPr lang="en-US" sz="1100" dirty="0"/>
+              <a:t>Responds with instruction step</a:t>
+            </a:r>
+          </a:p>
+        </p:txBody>
+      </p:sp>
+      <p:cxnSp>
+        <p:nvCxnSpPr>
+          <p:cNvPr id="40" name="Straight Arrow Connector 39">
+            <a:extLst>
+              <a:ext uri="{FF2B5EF4-FFF2-40B4-BE49-F238E27FC236}">
+                <a16:creationId xmlns:a16="http://schemas.microsoft.com/office/drawing/2014/main" id="{C2B1F006-16A4-F687-A30D-C52B03837A11}"/>
+              </a:ext>
+            </a:extLst>
+          </p:cNvPr>
+          <p:cNvCxnSpPr>
+            <a:cxnSpLocks/>
+          </p:cNvCxnSpPr>
+          <p:nvPr/>
+        </p:nvCxnSpPr>
+        <p:spPr>
+          <a:xfrm>
+            <a:off x="6091228" y="5211067"/>
+            <a:ext cx="4371984" cy="0"/>
+          </a:xfrm>
+          <a:prstGeom prst="straightConnector1">
+            <a:avLst/>
+          </a:prstGeom>
+          <a:ln>
+            <a:solidFill>
+              <a:schemeClr val="tx1">
+                <a:lumMod val="95000"/>
+                <a:lumOff val="5000"/>
+              </a:schemeClr>
+            </a:solidFill>
+            <a:prstDash val="sysDash"/>
+            <a:tailEnd type="triangle"/>
+          </a:ln>
+        </p:spPr>
+        <p:style>
+          <a:lnRef idx="2">
+            <a:schemeClr val="accent1"/>
+          </a:lnRef>
+          <a:fillRef idx="0">
+            <a:schemeClr val="accent1"/>
+          </a:fillRef>
+          <a:effectRef idx="1">
+            <a:schemeClr val="accent1"/>
+          </a:effectRef>
+          <a:fontRef idx="minor">
+            <a:schemeClr val="tx1"/>
+          </a:fontRef>
+        </p:style>
+      </p:cxnSp>
+      <p:sp>
+        <p:nvSpPr>
+          <p:cNvPr id="41" name="TextBox 40">
+            <a:extLst>
+              <a:ext uri="{FF2B5EF4-FFF2-40B4-BE49-F238E27FC236}">
+                <a16:creationId xmlns:a16="http://schemas.microsoft.com/office/drawing/2014/main" id="{E67604AD-E236-697E-969F-87CFE0CCA46F}"/>
+              </a:ext>
+            </a:extLst>
+          </p:cNvPr>
+          <p:cNvSpPr txBox="1"/>
+          <p:nvPr/>
+        </p:nvSpPr>
+        <p:spPr>
+          <a:xfrm>
+            <a:off x="8642341" y="4913575"/>
+            <a:ext cx="1446230" cy="261610"/>
+          </a:xfrm>
+          <a:prstGeom prst="rect">
+            <a:avLst/>
+          </a:prstGeom>
+          <a:noFill/>
+        </p:spPr>
+        <p:txBody>
+          <a:bodyPr wrap="square" rtlCol="0">
+            <a:spAutoFit/>
+          </a:bodyPr>
+          <a:lstStyle/>
+          <a:p>
+            <a:pPr algn="ctr"/>
+            <a:r>
+              <a:rPr lang="en-US" sz="1100" dirty="0"/>
+              <a:t>Requests part model</a:t>
+            </a:r>
+          </a:p>
+        </p:txBody>
+      </p:sp>
+      <p:cxnSp>
+        <p:nvCxnSpPr>
+          <p:cNvPr id="43" name="Straight Arrow Connector 42">
+            <a:extLst>
+              <a:ext uri="{FF2B5EF4-FFF2-40B4-BE49-F238E27FC236}">
+                <a16:creationId xmlns:a16="http://schemas.microsoft.com/office/drawing/2014/main" id="{5DEEFA96-C135-F1C3-AFE5-5C34E7B25FD6}"/>
+              </a:ext>
+            </a:extLst>
+          </p:cNvPr>
+          <p:cNvCxnSpPr>
+            <a:cxnSpLocks/>
+          </p:cNvCxnSpPr>
+          <p:nvPr/>
+        </p:nvCxnSpPr>
+        <p:spPr>
+          <a:xfrm flipH="1">
+            <a:off x="6126949" y="5475892"/>
+            <a:ext cx="4336263" cy="0"/>
+          </a:xfrm>
+          <a:prstGeom prst="straightConnector1">
+            <a:avLst/>
+          </a:prstGeom>
+          <a:ln>
+            <a:solidFill>
+              <a:schemeClr val="tx1">
+                <a:lumMod val="95000"/>
+                <a:lumOff val="5000"/>
+              </a:schemeClr>
+            </a:solidFill>
+            <a:prstDash val="sysDash"/>
+            <a:tailEnd type="triangle"/>
+          </a:ln>
+        </p:spPr>
+        <p:style>
+          <a:lnRef idx="2">
+            <a:schemeClr val="accent1"/>
+          </a:lnRef>
+          <a:fillRef idx="0">
+            <a:schemeClr val="accent1"/>
+          </a:fillRef>
+          <a:effectRef idx="1">
+            <a:schemeClr val="accent1"/>
+          </a:effectRef>
+          <a:fontRef idx="minor">
+            <a:schemeClr val="tx1"/>
+          </a:fontRef>
+        </p:style>
+      </p:cxnSp>
+      <p:sp>
+        <p:nvSpPr>
+          <p:cNvPr id="44" name="TextBox 43">
+            <a:extLst>
+              <a:ext uri="{FF2B5EF4-FFF2-40B4-BE49-F238E27FC236}">
+                <a16:creationId xmlns:a16="http://schemas.microsoft.com/office/drawing/2014/main" id="{54A30AB8-1EC8-399D-2545-B76585DCAE82}"/>
+              </a:ext>
+            </a:extLst>
+          </p:cNvPr>
+          <p:cNvSpPr txBox="1"/>
+          <p:nvPr/>
+        </p:nvSpPr>
+        <p:spPr>
+          <a:xfrm>
+            <a:off x="6300103" y="5211066"/>
+            <a:ext cx="1771638" cy="261610"/>
+          </a:xfrm>
+          <a:prstGeom prst="rect">
+            <a:avLst/>
+          </a:prstGeom>
+          <a:noFill/>
+        </p:spPr>
+        <p:txBody>
+          <a:bodyPr wrap="square" rtlCol="0">
+            <a:spAutoFit/>
+          </a:bodyPr>
+          <a:lstStyle/>
+          <a:p>
+            <a:r>
+              <a:rPr lang="en-US" sz="1100" dirty="0"/>
+              <a:t>Responds with part model</a:t>
+            </a:r>
+          </a:p>
+        </p:txBody>
+      </p:sp>
+      <p:cxnSp>
+        <p:nvCxnSpPr>
+          <p:cNvPr id="46" name="Straight Arrow Connector 45">
+            <a:extLst>
+              <a:ext uri="{FF2B5EF4-FFF2-40B4-BE49-F238E27FC236}">
+                <a16:creationId xmlns:a16="http://schemas.microsoft.com/office/drawing/2014/main" id="{F3F7D332-EE7F-366A-D1C5-E0A79E548DC7}"/>
+              </a:ext>
+            </a:extLst>
+          </p:cNvPr>
+          <p:cNvCxnSpPr>
+            <a:cxnSpLocks/>
+          </p:cNvCxnSpPr>
+          <p:nvPr/>
+        </p:nvCxnSpPr>
+        <p:spPr>
+          <a:xfrm flipH="1">
+            <a:off x="3931438" y="5879378"/>
+            <a:ext cx="2146401" cy="0"/>
+          </a:xfrm>
+          <a:prstGeom prst="straightConnector1">
+            <a:avLst/>
+          </a:prstGeom>
+          <a:ln>
+            <a:solidFill>
+              <a:schemeClr val="tx1">
+                <a:lumMod val="95000"/>
+                <a:lumOff val="5000"/>
+              </a:schemeClr>
+            </a:solidFill>
+            <a:prstDash val="sysDash"/>
+            <a:tailEnd type="triangle"/>
+          </a:ln>
+        </p:spPr>
+        <p:style>
+          <a:lnRef idx="2">
+            <a:schemeClr val="accent1"/>
+          </a:lnRef>
+          <a:fillRef idx="0">
+            <a:schemeClr val="accent1"/>
+          </a:fillRef>
+          <a:effectRef idx="1">
+            <a:schemeClr val="accent1"/>
+          </a:effectRef>
+          <a:fontRef idx="minor">
+            <a:schemeClr val="tx1"/>
+          </a:fontRef>
+        </p:style>
+      </p:cxnSp>
+      <p:sp>
+        <p:nvSpPr>
+          <p:cNvPr id="47" name="TextBox 46">
+            <a:extLst>
+              <a:ext uri="{FF2B5EF4-FFF2-40B4-BE49-F238E27FC236}">
+                <a16:creationId xmlns:a16="http://schemas.microsoft.com/office/drawing/2014/main" id="{EC502132-C5BC-3DBF-14B8-121B16B7C9B1}"/>
+              </a:ext>
+            </a:extLst>
+          </p:cNvPr>
+          <p:cNvSpPr txBox="1"/>
+          <p:nvPr/>
+        </p:nvSpPr>
+        <p:spPr>
+          <a:xfrm>
+            <a:off x="3972798" y="5448490"/>
+            <a:ext cx="2105041" cy="430887"/>
+          </a:xfrm>
+          <a:prstGeom prst="rect">
+            <a:avLst/>
+          </a:prstGeom>
+          <a:noFill/>
+        </p:spPr>
+        <p:txBody>
+          <a:bodyPr wrap="square" rtlCol="0">
+            <a:spAutoFit/>
+          </a:bodyPr>
+          <a:lstStyle/>
+          <a:p>
+            <a:pPr algn="ctr"/>
+            <a:r>
+              <a:rPr lang="en-US" sz="1100" dirty="0"/>
+              <a:t>Responds with part model and instruction step</a:t>
+            </a:r>
+          </a:p>
+        </p:txBody>
+      </p:sp>
+      <p:cxnSp>
+        <p:nvCxnSpPr>
+          <p:cNvPr id="49" name="Straight Arrow Connector 48">
+            <a:extLst>
+              <a:ext uri="{FF2B5EF4-FFF2-40B4-BE49-F238E27FC236}">
+                <a16:creationId xmlns:a16="http://schemas.microsoft.com/office/drawing/2014/main" id="{9CC4AEEF-603D-C8ED-D443-6733D947ABE2}"/>
+              </a:ext>
+            </a:extLst>
+          </p:cNvPr>
+          <p:cNvCxnSpPr>
+            <a:cxnSpLocks/>
+          </p:cNvCxnSpPr>
+          <p:nvPr/>
+        </p:nvCxnSpPr>
+        <p:spPr>
+          <a:xfrm flipH="1">
+            <a:off x="1758844" y="6098204"/>
+            <a:ext cx="2146401" cy="0"/>
+          </a:xfrm>
+          <a:prstGeom prst="straightConnector1">
+            <a:avLst/>
+          </a:prstGeom>
+          <a:ln>
+            <a:solidFill>
+              <a:schemeClr val="tx1">
+                <a:lumMod val="95000"/>
+                <a:lumOff val="5000"/>
+              </a:schemeClr>
+            </a:solidFill>
+            <a:prstDash val="sysDash"/>
+            <a:tailEnd type="triangle"/>
+          </a:ln>
+        </p:spPr>
+        <p:style>
+          <a:lnRef idx="2">
+            <a:schemeClr val="accent1"/>
+          </a:lnRef>
+          <a:fillRef idx="0">
+            <a:schemeClr val="accent1"/>
+          </a:fillRef>
+          <a:effectRef idx="1">
+            <a:schemeClr val="accent1"/>
+          </a:effectRef>
+          <a:fontRef idx="minor">
+            <a:schemeClr val="tx1"/>
+          </a:fontRef>
+        </p:style>
+      </p:cxnSp>
+      <p:sp>
+        <p:nvSpPr>
+          <p:cNvPr id="50" name="TextBox 49">
+            <a:extLst>
+              <a:ext uri="{FF2B5EF4-FFF2-40B4-BE49-F238E27FC236}">
+                <a16:creationId xmlns:a16="http://schemas.microsoft.com/office/drawing/2014/main" id="{682B1CCB-7F1D-0631-A840-13A0D5F375BE}"/>
+              </a:ext>
+            </a:extLst>
+          </p:cNvPr>
+          <p:cNvSpPr txBox="1"/>
+          <p:nvPr/>
+        </p:nvSpPr>
+        <p:spPr>
+          <a:xfrm>
+            <a:off x="1781154" y="5810191"/>
+            <a:ext cx="2105041" cy="261610"/>
+          </a:xfrm>
+          <a:prstGeom prst="rect">
+            <a:avLst/>
+          </a:prstGeom>
+          <a:noFill/>
+        </p:spPr>
+        <p:txBody>
+          <a:bodyPr wrap="square" rtlCol="0">
+            <a:spAutoFit/>
+          </a:bodyPr>
+          <a:lstStyle/>
+          <a:p>
+            <a:pPr algn="ctr"/>
+            <a:r>
+              <a:rPr lang="en-US" sz="1100" dirty="0"/>
+              <a:t>Displays instruction</a:t>
+            </a:r>
+          </a:p>
+        </p:txBody>
+      </p:sp>
+      <p:sp>
+        <p:nvSpPr>
+          <p:cNvPr id="60" name="Rectangle 59">
+            <a:extLst>
+              <a:ext uri="{FF2B5EF4-FFF2-40B4-BE49-F238E27FC236}">
+                <a16:creationId xmlns:a16="http://schemas.microsoft.com/office/drawing/2014/main" id="{389A20C2-782B-5203-7B61-D74D43E84917}"/>
+              </a:ext>
+            </a:extLst>
+          </p:cNvPr>
+          <p:cNvSpPr/>
+          <p:nvPr/>
+        </p:nvSpPr>
+        <p:spPr>
+          <a:xfrm>
+            <a:off x="873917" y="6185794"/>
+            <a:ext cx="1728788" cy="333361"/>
+          </a:xfrm>
+          <a:prstGeom prst="rect">
+            <a:avLst/>
+          </a:prstGeom>
+          <a:solidFill>
+            <a:schemeClr val="bg2"/>
+          </a:solidFill>
+          <a:ln w="12700"/>
+        </p:spPr>
+        <p:style>
+          <a:lnRef idx="2">
+            <a:schemeClr val="accent1">
+              <a:shade val="15000"/>
+            </a:schemeClr>
+          </a:lnRef>
+          <a:fillRef idx="1">
+            <a:schemeClr val="accent1"/>
+          </a:fillRef>
+          <a:effectRef idx="0">
+            <a:schemeClr val="accent1"/>
+          </a:effectRef>
+          <a:fontRef idx="minor">
+            <a:schemeClr val="lt1"/>
+          </a:fontRef>
+        </p:style>
+        <p:txBody>
+          <a:bodyPr rtlCol="0" anchor="ctr"/>
+          <a:lstStyle/>
+          <a:p>
+            <a:pPr algn="ctr"/>
+            <a:r>
+              <a:rPr lang="en-US" sz="1200" dirty="0">
+                <a:solidFill>
+                  <a:schemeClr val="tx1"/>
+                </a:solidFill>
+              </a:rPr>
+              <a:t>User completes instruction step</a:t>
+            </a:r>
+          </a:p>
+        </p:txBody>
+      </p:sp>
+      <p:cxnSp>
+        <p:nvCxnSpPr>
+          <p:cNvPr id="67" name="Connector: Elbow 66">
+            <a:extLst>
+              <a:ext uri="{FF2B5EF4-FFF2-40B4-BE49-F238E27FC236}">
+                <a16:creationId xmlns:a16="http://schemas.microsoft.com/office/drawing/2014/main" id="{E3D0A25D-E390-0B25-36FD-60B5D2237C9F}"/>
+              </a:ext>
+            </a:extLst>
+          </p:cNvPr>
+          <p:cNvCxnSpPr>
+            <a:cxnSpLocks/>
+            <a:stCxn id="60" idx="1"/>
+          </p:cNvCxnSpPr>
+          <p:nvPr/>
+        </p:nvCxnSpPr>
+        <p:spPr>
+          <a:xfrm rot="10800000" flipH="1">
+            <a:off x="873917" y="4101615"/>
+            <a:ext cx="864394" cy="2250861"/>
+          </a:xfrm>
+          <a:prstGeom prst="bentConnector4">
+            <a:avLst>
+              <a:gd name="adj1" fmla="val -26446"/>
+              <a:gd name="adj2" fmla="val 99829"/>
+            </a:avLst>
+          </a:prstGeom>
+          <a:ln>
+            <a:solidFill>
+              <a:schemeClr val="tx1"/>
+            </a:solidFill>
+            <a:prstDash val="sysDash"/>
+            <a:tailEnd type="triangle"/>
+          </a:ln>
+        </p:spPr>
+        <p:style>
+          <a:lnRef idx="2">
+            <a:schemeClr val="accent1"/>
+          </a:lnRef>
+          <a:fillRef idx="0">
+            <a:schemeClr val="accent1"/>
+          </a:fillRef>
+          <a:effectRef idx="1">
+            <a:schemeClr val="accent1"/>
+          </a:effectRef>
+          <a:fontRef idx="minor">
+            <a:schemeClr val="tx1"/>
+          </a:fontRef>
+        </p:style>
+      </p:cxnSp>
+      <p:sp>
+        <p:nvSpPr>
+          <p:cNvPr id="69" name="TextBox 68">
+            <a:extLst>
+              <a:ext uri="{FF2B5EF4-FFF2-40B4-BE49-F238E27FC236}">
+                <a16:creationId xmlns:a16="http://schemas.microsoft.com/office/drawing/2014/main" id="{6FFB018C-848D-9BC6-E6BC-266B27A5C93A}"/>
+              </a:ext>
+            </a:extLst>
+          </p:cNvPr>
+          <p:cNvSpPr txBox="1"/>
+          <p:nvPr/>
+        </p:nvSpPr>
+        <p:spPr>
+          <a:xfrm>
+            <a:off x="-9517" y="4910486"/>
+            <a:ext cx="1330329" cy="600164"/>
+          </a:xfrm>
+          <a:prstGeom prst="rect">
+            <a:avLst/>
+          </a:prstGeom>
+          <a:solidFill>
+            <a:schemeClr val="bg1"/>
+          </a:solidFill>
+        </p:spPr>
+        <p:txBody>
+          <a:bodyPr wrap="square" rtlCol="0">
+            <a:spAutoFit/>
+          </a:bodyPr>
+          <a:lstStyle/>
+          <a:p>
+            <a:pPr algn="ctr"/>
+            <a:r>
+              <a:rPr lang="en-US" sz="1100" dirty="0"/>
+              <a:t>Repeat until instruction set</a:t>
+            </a:r>
+          </a:p>
+          <a:p>
+            <a:pPr algn="ctr"/>
+            <a:r>
+              <a:rPr lang="en-US" sz="1100" dirty="0"/>
+              <a:t>is complete</a:t>
+            </a:r>
+          </a:p>
+        </p:txBody>
+      </p:sp>
+      <p:cxnSp>
+        <p:nvCxnSpPr>
+          <p:cNvPr id="70" name="Straight Arrow Connector 69">
+            <a:extLst>
+              <a:ext uri="{FF2B5EF4-FFF2-40B4-BE49-F238E27FC236}">
+                <a16:creationId xmlns:a16="http://schemas.microsoft.com/office/drawing/2014/main" id="{318B218A-7D6A-588F-2D4B-111E6007EF44}"/>
+              </a:ext>
+            </a:extLst>
+          </p:cNvPr>
+          <p:cNvCxnSpPr>
+            <a:cxnSpLocks/>
+          </p:cNvCxnSpPr>
+          <p:nvPr/>
+        </p:nvCxnSpPr>
+        <p:spPr>
+          <a:xfrm>
+            <a:off x="2620698" y="6359813"/>
+            <a:ext cx="3456247" cy="0"/>
+          </a:xfrm>
+          <a:prstGeom prst="straightConnector1">
+            <a:avLst/>
+          </a:prstGeom>
+          <a:ln>
+            <a:solidFill>
+              <a:schemeClr val="tx1">
+                <a:lumMod val="95000"/>
+                <a:lumOff val="5000"/>
+              </a:schemeClr>
+            </a:solidFill>
+            <a:prstDash val="sysDash"/>
+            <a:tailEnd type="triangle"/>
+          </a:ln>
+        </p:spPr>
+        <p:style>
+          <a:lnRef idx="2">
+            <a:schemeClr val="accent1"/>
+          </a:lnRef>
+          <a:fillRef idx="0">
+            <a:schemeClr val="accent1"/>
+          </a:fillRef>
+          <a:effectRef idx="1">
+            <a:schemeClr val="accent1"/>
+          </a:effectRef>
+          <a:fontRef idx="minor">
+            <a:schemeClr val="tx1"/>
+          </a:fontRef>
+        </p:style>
+      </p:cxnSp>
+      <p:sp>
+        <p:nvSpPr>
+          <p:cNvPr id="71" name="TextBox 70">
+            <a:extLst>
+              <a:ext uri="{FF2B5EF4-FFF2-40B4-BE49-F238E27FC236}">
+                <a16:creationId xmlns:a16="http://schemas.microsoft.com/office/drawing/2014/main" id="{40B005B2-ACA6-8079-B12D-94590A74AD16}"/>
+              </a:ext>
+            </a:extLst>
+          </p:cNvPr>
+          <p:cNvSpPr txBox="1"/>
+          <p:nvPr/>
+        </p:nvSpPr>
+        <p:spPr>
+          <a:xfrm>
+            <a:off x="3952880" y="6085715"/>
+            <a:ext cx="2058911" cy="261610"/>
+          </a:xfrm>
+          <a:prstGeom prst="rect">
+            <a:avLst/>
+          </a:prstGeom>
+          <a:noFill/>
+        </p:spPr>
+        <p:txBody>
+          <a:bodyPr wrap="square" rtlCol="0">
+            <a:spAutoFit/>
+          </a:bodyPr>
+          <a:lstStyle/>
+          <a:p>
+            <a:pPr algn="ctr"/>
+            <a:r>
+              <a:rPr lang="en-US" sz="1100" dirty="0"/>
+              <a:t>POST instruction metric</a:t>
+            </a:r>
+          </a:p>
+        </p:txBody>
+      </p:sp>
+      <p:cxnSp>
+        <p:nvCxnSpPr>
+          <p:cNvPr id="73" name="Straight Arrow Connector 72">
+            <a:extLst>
+              <a:ext uri="{FF2B5EF4-FFF2-40B4-BE49-F238E27FC236}">
+                <a16:creationId xmlns:a16="http://schemas.microsoft.com/office/drawing/2014/main" id="{BFA6335D-C8E8-42F3-812C-130E4C8DA798}"/>
+              </a:ext>
+            </a:extLst>
+          </p:cNvPr>
+          <p:cNvCxnSpPr/>
+          <p:nvPr/>
+        </p:nvCxnSpPr>
+        <p:spPr>
+          <a:xfrm>
+            <a:off x="6081704" y="6519155"/>
+            <a:ext cx="2181225" cy="0"/>
+          </a:xfrm>
+          <a:prstGeom prst="straightConnector1">
+            <a:avLst/>
+          </a:prstGeom>
+          <a:ln>
+            <a:solidFill>
+              <a:schemeClr val="tx1">
+                <a:lumMod val="95000"/>
+                <a:lumOff val="5000"/>
+              </a:schemeClr>
+            </a:solidFill>
+            <a:prstDash val="sysDash"/>
+            <a:tailEnd type="triangle"/>
+          </a:ln>
+        </p:spPr>
+        <p:style>
+          <a:lnRef idx="2">
+            <a:schemeClr val="accent1"/>
+          </a:lnRef>
+          <a:fillRef idx="0">
+            <a:schemeClr val="accent1"/>
+          </a:fillRef>
+          <a:effectRef idx="1">
+            <a:schemeClr val="accent1"/>
+          </a:effectRef>
+          <a:fontRef idx="minor">
+            <a:schemeClr val="tx1"/>
+          </a:fontRef>
+        </p:style>
+      </p:cxnSp>
+      <p:sp>
+        <p:nvSpPr>
+          <p:cNvPr id="74" name="TextBox 73">
+            <a:extLst>
+              <a:ext uri="{FF2B5EF4-FFF2-40B4-BE49-F238E27FC236}">
+                <a16:creationId xmlns:a16="http://schemas.microsoft.com/office/drawing/2014/main" id="{2067ED2A-232F-2ADB-B9B0-29F2712C84A4}"/>
+              </a:ext>
+            </a:extLst>
+          </p:cNvPr>
+          <p:cNvSpPr txBox="1"/>
+          <p:nvPr/>
+        </p:nvSpPr>
+        <p:spPr>
+          <a:xfrm>
+            <a:off x="6283782" y="6257545"/>
+            <a:ext cx="1843774" cy="261610"/>
+          </a:xfrm>
+          <a:prstGeom prst="rect">
+            <a:avLst/>
+          </a:prstGeom>
+          <a:noFill/>
+        </p:spPr>
+        <p:txBody>
+          <a:bodyPr wrap="none" rtlCol="0">
+            <a:spAutoFit/>
+          </a:bodyPr>
+          <a:lstStyle/>
+          <a:p>
+            <a:pPr algn="ctr"/>
+            <a:r>
+              <a:rPr lang="en-US" sz="1100" dirty="0"/>
+              <a:t>POST instruction set metric</a:t>
+            </a:r>
+          </a:p>
+        </p:txBody>
+      </p:sp>
+    </p:spTree>
+    <p:extLst>
+      <p:ext uri="{BB962C8B-B14F-4D97-AF65-F5344CB8AC3E}">
+        <p14:creationId xmlns:p14="http://schemas.microsoft.com/office/powerpoint/2010/main" val="2654388101"/>
+      </p:ext>
+    </p:extLst>
+  </p:cSld>
+  <p:clrMapOvr>
+    <a:masterClrMapping/>
+  </p:clrMapOvr>
+</p:sld>
+</file>
+
+<file path=ppt/slides/slide11.xml><?xml version="1.0" encoding="utf-8"?>
+<p:sld xmlns:a="http://schemas.openxmlformats.org/drawingml/2006/main" xmlns:r="http://schemas.openxmlformats.org/officeDocument/2006/relationships" xmlns:p="http://schemas.openxmlformats.org/presentationml/2006/main">
+  <p:cSld>
+    <p:spTree>
+      <p:nvGrpSpPr>
+        <p:cNvPr id="1" name=""/>
+        <p:cNvGrpSpPr/>
+        <p:nvPr/>
+      </p:nvGrpSpPr>
+      <p:grpSpPr>
+        <a:xfrm>
+          <a:off x="0" y="0"/>
+          <a:ext cx="0" cy="0"/>
+          <a:chOff x="0" y="0"/>
+          <a:chExt cx="0" cy="0"/>
+        </a:xfrm>
+      </p:grpSpPr>
+      <p:sp>
+        <p:nvSpPr>
+          <p:cNvPr id="2" name="Title 1">
+            <a:extLst>
+              <a:ext uri="{FF2B5EF4-FFF2-40B4-BE49-F238E27FC236}">
+                <a16:creationId xmlns:a16="http://schemas.microsoft.com/office/drawing/2014/main" id="{B9368858-2BB1-9B27-4504-089480E26FA3}"/>
+              </a:ext>
+            </a:extLst>
+          </p:cNvPr>
+          <p:cNvSpPr>
+            <a:spLocks noGrp="1"/>
+          </p:cNvSpPr>
+          <p:nvPr>
+            <p:ph type="title"/>
+          </p:nvPr>
+        </p:nvSpPr>
+        <p:spPr/>
+        <p:txBody>
+          <a:bodyPr/>
+          <a:lstStyle/>
+          <a:p>
+            <a:r>
+              <a:rPr lang="en-US" dirty="0"/>
+              <a:t>Questions?</a:t>
+            </a:r>
+          </a:p>
+        </p:txBody>
+      </p:sp>
+    </p:spTree>
+    <p:extLst>
+      <p:ext uri="{BB962C8B-B14F-4D97-AF65-F5344CB8AC3E}">
+        <p14:creationId xmlns:p14="http://schemas.microsoft.com/office/powerpoint/2010/main" val="709840896"/>
+      </p:ext>
+    </p:extLst>
+  </p:cSld>
+  <p:clrMapOvr>
+    <a:masterClrMapping/>
+  </p:clrMapOvr>
+</p:sld>
+</file>
+
 <file path=ppt/slides/slide2.xml><?xml version="1.0" encoding="utf-8"?>
 <p:sld xmlns:a="http://schemas.openxmlformats.org/drawingml/2006/main" xmlns:r="http://schemas.openxmlformats.org/officeDocument/2006/relationships" xmlns:p="http://schemas.openxmlformats.org/presentationml/2006/main">
   <p:cSld>
@@ -3438,7 +5375,7 @@
           <p:cNvPr id="2" name="Title 1">
             <a:extLst>
               <a:ext uri="{FF2B5EF4-FFF2-40B4-BE49-F238E27FC236}">
-                <a16:creationId xmlns:a16="http://schemas.microsoft.com/office/drawing/2014/main" id="{DC488405-061F-2E30-3794-97048F0E541E}"/>
+                <a16:creationId xmlns:a16="http://schemas.microsoft.com/office/drawing/2014/main" id="{F6FA9E17-3B47-8AA7-919E-03AF932901D2}"/>
               </a:ext>
             </a:extLst>
           </p:cNvPr>
@@ -3456,590 +5393,121 @@
           <a:p>
             <a:r>
               <a:rPr lang="en-US" dirty="0"/>
+              <a:t>Overview</a:t>
+            </a:r>
+          </a:p>
+        </p:txBody>
+      </p:sp>
+      <p:sp>
+        <p:nvSpPr>
+          <p:cNvPr id="3" name="Content Placeholder 2">
+            <a:extLst>
+              <a:ext uri="{FF2B5EF4-FFF2-40B4-BE49-F238E27FC236}">
+                <a16:creationId xmlns:a16="http://schemas.microsoft.com/office/drawing/2014/main" id="{753E6209-4224-8D7D-D5D1-F24CE07100AE}"/>
+              </a:ext>
+            </a:extLst>
+          </p:cNvPr>
+          <p:cNvSpPr>
+            <a:spLocks noGrp="1"/>
+          </p:cNvSpPr>
+          <p:nvPr>
+            <p:ph idx="1"/>
+          </p:nvPr>
+        </p:nvSpPr>
+        <p:spPr/>
+        <p:txBody>
+          <a:bodyPr>
+            <a:normAutofit lnSpcReduction="10000"/>
+          </a:bodyPr>
+          <a:lstStyle/>
+          <a:p>
+            <a:r>
+              <a:rPr lang="en-US" dirty="0"/>
+              <a:t>Proposal Refresher</a:t>
+            </a:r>
+          </a:p>
+          <a:p>
+            <a:r>
+              <a:rPr lang="en-US" dirty="0"/>
               <a:t>System Architecture</a:t>
             </a:r>
           </a:p>
-        </p:txBody>
-      </p:sp>
-      <p:sp>
-        <p:nvSpPr>
-          <p:cNvPr id="6" name="Rectangle: Rounded Corners 5">
-            <a:extLst>
-              <a:ext uri="{FF2B5EF4-FFF2-40B4-BE49-F238E27FC236}">
-                <a16:creationId xmlns:a16="http://schemas.microsoft.com/office/drawing/2014/main" id="{D7698E76-2AE4-36CA-925A-573AD4FBEA30}"/>
-              </a:ext>
-            </a:extLst>
-          </p:cNvPr>
-          <p:cNvSpPr/>
-          <p:nvPr/>
-        </p:nvSpPr>
-        <p:spPr>
-          <a:xfrm>
-            <a:off x="566596" y="3275209"/>
-            <a:ext cx="2209046" cy="1109473"/>
-          </a:xfrm>
-          <a:prstGeom prst="roundRect">
-            <a:avLst/>
-          </a:prstGeom>
-        </p:spPr>
-        <p:style>
-          <a:lnRef idx="2">
-            <a:schemeClr val="accent2">
-              <a:shade val="15000"/>
-            </a:schemeClr>
-          </a:lnRef>
-          <a:fillRef idx="1">
-            <a:schemeClr val="accent2"/>
-          </a:fillRef>
-          <a:effectRef idx="0">
-            <a:schemeClr val="accent2"/>
-          </a:effectRef>
-          <a:fontRef idx="minor">
-            <a:schemeClr val="lt1"/>
-          </a:fontRef>
-        </p:style>
-        <p:txBody>
-          <a:bodyPr rtlCol="0" anchor="ctr"/>
-          <a:lstStyle/>
-          <a:p>
-            <a:pPr algn="ctr"/>
+          <a:p>
+            <a:r>
+              <a:rPr lang="en-US" dirty="0"/>
+              <a:t>Software Components</a:t>
+            </a:r>
+          </a:p>
+          <a:p>
+            <a:pPr lvl="1"/>
             <a:r>
               <a:rPr lang="en-US" dirty="0" err="1"/>
               <a:t>AssemblAR</a:t>
             </a:r>
             <a:r>
               <a:rPr lang="en-US" dirty="0"/>
-              <a:t> Client</a:t>
-            </a:r>
-          </a:p>
-        </p:txBody>
-      </p:sp>
-      <p:sp>
-        <p:nvSpPr>
-          <p:cNvPr id="7" name="Rectangle: Rounded Corners 6">
-            <a:extLst>
-              <a:ext uri="{FF2B5EF4-FFF2-40B4-BE49-F238E27FC236}">
-                <a16:creationId xmlns:a16="http://schemas.microsoft.com/office/drawing/2014/main" id="{AD4055AE-D60C-481B-2BAD-7CE266927F49}"/>
-              </a:ext>
-            </a:extLst>
-          </p:cNvPr>
-          <p:cNvSpPr/>
-          <p:nvPr/>
-        </p:nvSpPr>
-        <p:spPr>
-          <a:xfrm>
-            <a:off x="4423374" y="3275209"/>
-            <a:ext cx="2209046" cy="1109473"/>
-          </a:xfrm>
-          <a:prstGeom prst="roundRect">
-            <a:avLst/>
-          </a:prstGeom>
-        </p:spPr>
-        <p:style>
-          <a:lnRef idx="2">
-            <a:schemeClr val="accent4">
-              <a:shade val="15000"/>
-            </a:schemeClr>
-          </a:lnRef>
-          <a:fillRef idx="1">
-            <a:schemeClr val="accent4"/>
-          </a:fillRef>
-          <a:effectRef idx="0">
-            <a:schemeClr val="accent4"/>
-          </a:effectRef>
-          <a:fontRef idx="minor">
-            <a:schemeClr val="lt1"/>
-          </a:fontRef>
-        </p:style>
-        <p:txBody>
-          <a:bodyPr rtlCol="0" anchor="ctr"/>
-          <a:lstStyle/>
-          <a:p>
-            <a:pPr algn="ctr"/>
+              <a:t> Server (</a:t>
+            </a:r>
+            <a:r>
+              <a:rPr lang="en-US" dirty="0" err="1"/>
+              <a:t>PlayCanvas</a:t>
+            </a:r>
+            <a:r>
+              <a:rPr lang="en-US" dirty="0"/>
+              <a:t>)</a:t>
+            </a:r>
+          </a:p>
+          <a:p>
+            <a:pPr lvl="1"/>
             <a:r>
               <a:rPr lang="en-US" dirty="0" err="1"/>
               <a:t>AssemblAR</a:t>
             </a:r>
             <a:r>
               <a:rPr lang="en-US" dirty="0"/>
-              <a:t> Server</a:t>
-            </a:r>
-          </a:p>
-        </p:txBody>
-      </p:sp>
-      <p:sp>
-        <p:nvSpPr>
-          <p:cNvPr id="8" name="Rectangle: Rounded Corners 7">
-            <a:extLst>
-              <a:ext uri="{FF2B5EF4-FFF2-40B4-BE49-F238E27FC236}">
-                <a16:creationId xmlns:a16="http://schemas.microsoft.com/office/drawing/2014/main" id="{32C1AA41-1F08-8F77-FB32-88D5BD314423}"/>
-              </a:ext>
-            </a:extLst>
-          </p:cNvPr>
-          <p:cNvSpPr/>
-          <p:nvPr/>
-        </p:nvSpPr>
-        <p:spPr>
-          <a:xfrm>
-            <a:off x="7768627" y="2319527"/>
-            <a:ext cx="2209046" cy="1109473"/>
-          </a:xfrm>
-          <a:prstGeom prst="roundRect">
-            <a:avLst/>
-          </a:prstGeom>
-        </p:spPr>
-        <p:style>
-          <a:lnRef idx="2">
-            <a:schemeClr val="accent4">
-              <a:shade val="15000"/>
-            </a:schemeClr>
-          </a:lnRef>
-          <a:fillRef idx="1">
-            <a:schemeClr val="accent4"/>
-          </a:fillRef>
-          <a:effectRef idx="0">
-            <a:schemeClr val="accent4"/>
-          </a:effectRef>
-          <a:fontRef idx="minor">
-            <a:schemeClr val="lt1"/>
-          </a:fontRef>
-        </p:style>
-        <p:txBody>
-          <a:bodyPr rtlCol="0" anchor="ctr"/>
-          <a:lstStyle/>
-          <a:p>
-            <a:pPr algn="ctr"/>
+              <a:t> Server (Django)</a:t>
+            </a:r>
+          </a:p>
+          <a:p>
+            <a:pPr lvl="1"/>
             <a:r>
               <a:rPr lang="en-US" dirty="0"/>
               <a:t>PostgreSQL</a:t>
             </a:r>
           </a:p>
-        </p:txBody>
-      </p:sp>
-      <p:sp>
-        <p:nvSpPr>
-          <p:cNvPr id="9" name="Rectangle: Rounded Corners 8">
-            <a:extLst>
-              <a:ext uri="{FF2B5EF4-FFF2-40B4-BE49-F238E27FC236}">
-                <a16:creationId xmlns:a16="http://schemas.microsoft.com/office/drawing/2014/main" id="{F425BAF2-3655-3395-387E-4B7EC720864A}"/>
-              </a:ext>
-            </a:extLst>
-          </p:cNvPr>
-          <p:cNvSpPr/>
-          <p:nvPr/>
-        </p:nvSpPr>
-        <p:spPr>
-          <a:xfrm>
-            <a:off x="7768627" y="4230892"/>
-            <a:ext cx="2209046" cy="1109473"/>
-          </a:xfrm>
-          <a:prstGeom prst="roundRect">
-            <a:avLst/>
-          </a:prstGeom>
-        </p:spPr>
-        <p:style>
-          <a:lnRef idx="2">
-            <a:schemeClr val="accent4">
-              <a:shade val="15000"/>
-            </a:schemeClr>
-          </a:lnRef>
-          <a:fillRef idx="1">
-            <a:schemeClr val="accent4"/>
-          </a:fillRef>
-          <a:effectRef idx="0">
-            <a:schemeClr val="accent4"/>
-          </a:effectRef>
-          <a:fontRef idx="minor">
-            <a:schemeClr val="lt1"/>
-          </a:fontRef>
-        </p:style>
-        <p:txBody>
-          <a:bodyPr rtlCol="0" anchor="ctr"/>
-          <a:lstStyle/>
-          <a:p>
-            <a:pPr algn="ctr"/>
+          <a:p>
+            <a:pPr lvl="1"/>
+            <a:r>
+              <a:rPr lang="en-US" dirty="0"/>
+              <a:t>PostgreSQL (ERD)</a:t>
+            </a:r>
+          </a:p>
+          <a:p>
+            <a:pPr lvl="1"/>
             <a:r>
               <a:rPr lang="en-US" dirty="0" err="1"/>
               <a:t>MinIO</a:t>
             </a:r>
             <a:endParaRPr lang="en-US" dirty="0"/>
           </a:p>
-        </p:txBody>
-      </p:sp>
-      <p:sp>
-        <p:nvSpPr>
-          <p:cNvPr id="10" name="Cylinder 9">
-            <a:extLst>
-              <a:ext uri="{FF2B5EF4-FFF2-40B4-BE49-F238E27FC236}">
-                <a16:creationId xmlns:a16="http://schemas.microsoft.com/office/drawing/2014/main" id="{3C6DB29A-5728-20C2-0860-45996ED9AEF2}"/>
-              </a:ext>
-            </a:extLst>
-          </p:cNvPr>
-          <p:cNvSpPr/>
-          <p:nvPr/>
-        </p:nvSpPr>
-        <p:spPr>
-          <a:xfrm>
-            <a:off x="10583501" y="2319527"/>
-            <a:ext cx="1131683" cy="1109473"/>
-          </a:xfrm>
-          <a:prstGeom prst="can">
-            <a:avLst/>
-          </a:prstGeom>
-        </p:spPr>
-        <p:style>
-          <a:lnRef idx="2">
-            <a:schemeClr val="accent1">
-              <a:shade val="15000"/>
-            </a:schemeClr>
-          </a:lnRef>
-          <a:fillRef idx="1">
-            <a:schemeClr val="accent1"/>
-          </a:fillRef>
-          <a:effectRef idx="0">
-            <a:schemeClr val="accent1"/>
-          </a:effectRef>
-          <a:fontRef idx="minor">
-            <a:schemeClr val="lt1"/>
-          </a:fontRef>
-        </p:style>
-        <p:txBody>
-          <a:bodyPr rtlCol="0" anchor="ctr"/>
-          <a:lstStyle/>
-          <a:p>
-            <a:pPr algn="ctr"/>
-            <a:endParaRPr lang="en-US"/>
-          </a:p>
-        </p:txBody>
-      </p:sp>
-      <p:sp>
-        <p:nvSpPr>
-          <p:cNvPr id="11" name="Cylinder 10">
-            <a:extLst>
-              <a:ext uri="{FF2B5EF4-FFF2-40B4-BE49-F238E27FC236}">
-                <a16:creationId xmlns:a16="http://schemas.microsoft.com/office/drawing/2014/main" id="{4E464BDF-BEF9-1B01-EFDE-33353EA30BAD}"/>
-              </a:ext>
-            </a:extLst>
-          </p:cNvPr>
-          <p:cNvSpPr/>
-          <p:nvPr/>
-        </p:nvSpPr>
-        <p:spPr>
-          <a:xfrm>
-            <a:off x="10583500" y="4230892"/>
-            <a:ext cx="1131683" cy="1109473"/>
-          </a:xfrm>
-          <a:prstGeom prst="can">
-            <a:avLst/>
-          </a:prstGeom>
-        </p:spPr>
-        <p:style>
-          <a:lnRef idx="2">
-            <a:schemeClr val="accent1">
-              <a:shade val="15000"/>
-            </a:schemeClr>
-          </a:lnRef>
-          <a:fillRef idx="1">
-            <a:schemeClr val="accent1"/>
-          </a:fillRef>
-          <a:effectRef idx="0">
-            <a:schemeClr val="accent1"/>
-          </a:effectRef>
-          <a:fontRef idx="minor">
-            <a:schemeClr val="lt1"/>
-          </a:fontRef>
-        </p:style>
-        <p:txBody>
-          <a:bodyPr rtlCol="0" anchor="ctr"/>
-          <a:lstStyle/>
-          <a:p>
-            <a:pPr algn="ctr"/>
-            <a:endParaRPr lang="en-US"/>
-          </a:p>
-        </p:txBody>
-      </p:sp>
-      <p:cxnSp>
-        <p:nvCxnSpPr>
-          <p:cNvPr id="14" name="Connector: Elbow 13">
-            <a:extLst>
-              <a:ext uri="{FF2B5EF4-FFF2-40B4-BE49-F238E27FC236}">
-                <a16:creationId xmlns:a16="http://schemas.microsoft.com/office/drawing/2014/main" id="{0F41638C-C762-DE15-4B52-5B91BB7CFEFB}"/>
-              </a:ext>
-            </a:extLst>
-          </p:cNvPr>
-          <p:cNvCxnSpPr>
-            <a:cxnSpLocks/>
-            <a:stCxn id="7" idx="3"/>
-            <a:endCxn id="8" idx="1"/>
-          </p:cNvCxnSpPr>
-          <p:nvPr/>
-        </p:nvCxnSpPr>
-        <p:spPr>
-          <a:xfrm flipV="1">
-            <a:off x="6632420" y="2874264"/>
-            <a:ext cx="1136207" cy="955682"/>
-          </a:xfrm>
-          <a:prstGeom prst="bentConnector3">
-            <a:avLst/>
-          </a:prstGeom>
-          <a:ln w="28575">
-            <a:solidFill>
-              <a:schemeClr val="tx1"/>
-            </a:solidFill>
-            <a:prstDash val="solid"/>
-          </a:ln>
-        </p:spPr>
-        <p:style>
-          <a:lnRef idx="2">
-            <a:schemeClr val="accent1"/>
-          </a:lnRef>
-          <a:fillRef idx="0">
-            <a:schemeClr val="accent1"/>
-          </a:fillRef>
-          <a:effectRef idx="1">
-            <a:schemeClr val="accent1"/>
-          </a:effectRef>
-          <a:fontRef idx="minor">
-            <a:schemeClr val="tx1"/>
-          </a:fontRef>
-        </p:style>
-      </p:cxnSp>
-      <p:cxnSp>
-        <p:nvCxnSpPr>
-          <p:cNvPr id="15" name="Connector: Elbow 14">
-            <a:extLst>
-              <a:ext uri="{FF2B5EF4-FFF2-40B4-BE49-F238E27FC236}">
-                <a16:creationId xmlns:a16="http://schemas.microsoft.com/office/drawing/2014/main" id="{5B52A419-FCB3-A039-D62A-E240724467E1}"/>
-              </a:ext>
-            </a:extLst>
-          </p:cNvPr>
-          <p:cNvCxnSpPr>
-            <a:cxnSpLocks/>
-            <a:stCxn id="7" idx="3"/>
-            <a:endCxn id="9" idx="1"/>
-          </p:cNvCxnSpPr>
-          <p:nvPr/>
-        </p:nvCxnSpPr>
-        <p:spPr>
-          <a:xfrm>
-            <a:off x="6632420" y="3829946"/>
-            <a:ext cx="1136207" cy="955683"/>
-          </a:xfrm>
-          <a:prstGeom prst="bentConnector3">
-            <a:avLst/>
-          </a:prstGeom>
-          <a:ln w="28575">
-            <a:solidFill>
-              <a:schemeClr val="tx1"/>
-            </a:solidFill>
-            <a:prstDash val="solid"/>
-          </a:ln>
-        </p:spPr>
-        <p:style>
-          <a:lnRef idx="2">
-            <a:schemeClr val="accent1"/>
-          </a:lnRef>
-          <a:fillRef idx="0">
-            <a:schemeClr val="accent1"/>
-          </a:fillRef>
-          <a:effectRef idx="1">
-            <a:schemeClr val="accent1"/>
-          </a:effectRef>
-          <a:fontRef idx="minor">
-            <a:schemeClr val="tx1"/>
-          </a:fontRef>
-        </p:style>
-      </p:cxnSp>
-      <p:cxnSp>
-        <p:nvCxnSpPr>
-          <p:cNvPr id="21" name="Straight Connector 20">
-            <a:extLst>
-              <a:ext uri="{FF2B5EF4-FFF2-40B4-BE49-F238E27FC236}">
-                <a16:creationId xmlns:a16="http://schemas.microsoft.com/office/drawing/2014/main" id="{66C46E33-896B-9C69-EA37-8D4325EBB733}"/>
-              </a:ext>
-            </a:extLst>
-          </p:cNvPr>
-          <p:cNvCxnSpPr>
-            <a:cxnSpLocks/>
-            <a:stCxn id="6" idx="3"/>
-            <a:endCxn id="7" idx="1"/>
-          </p:cNvCxnSpPr>
-          <p:nvPr/>
-        </p:nvCxnSpPr>
-        <p:spPr>
-          <a:xfrm>
-            <a:off x="2775642" y="3829946"/>
-            <a:ext cx="1647732" cy="0"/>
-          </a:xfrm>
-          <a:prstGeom prst="line">
-            <a:avLst/>
-          </a:prstGeom>
-          <a:ln w="28575">
-            <a:solidFill>
-              <a:schemeClr val="tx1"/>
-            </a:solidFill>
-            <a:prstDash val="solid"/>
-          </a:ln>
-        </p:spPr>
-        <p:style>
-          <a:lnRef idx="2">
-            <a:schemeClr val="accent1"/>
-          </a:lnRef>
-          <a:fillRef idx="0">
-            <a:schemeClr val="accent1"/>
-          </a:fillRef>
-          <a:effectRef idx="1">
-            <a:schemeClr val="accent1"/>
-          </a:effectRef>
-          <a:fontRef idx="minor">
-            <a:schemeClr val="tx1"/>
-          </a:fontRef>
-        </p:style>
-      </p:cxnSp>
-      <p:cxnSp>
-        <p:nvCxnSpPr>
-          <p:cNvPr id="23" name="Straight Connector 22">
-            <a:extLst>
-              <a:ext uri="{FF2B5EF4-FFF2-40B4-BE49-F238E27FC236}">
-                <a16:creationId xmlns:a16="http://schemas.microsoft.com/office/drawing/2014/main" id="{7AEB1DF1-6DF0-B7E0-5912-B70AB2D59244}"/>
-              </a:ext>
-            </a:extLst>
-          </p:cNvPr>
-          <p:cNvCxnSpPr>
-            <a:stCxn id="9" idx="3"/>
-            <a:endCxn id="11" idx="2"/>
-          </p:cNvCxnSpPr>
-          <p:nvPr/>
-        </p:nvCxnSpPr>
-        <p:spPr>
-          <a:xfrm>
-            <a:off x="9977673" y="4785629"/>
-            <a:ext cx="605827" cy="0"/>
-          </a:xfrm>
-          <a:prstGeom prst="line">
-            <a:avLst/>
-          </a:prstGeom>
-          <a:ln w="28575">
-            <a:solidFill>
-              <a:schemeClr val="tx1"/>
-            </a:solidFill>
-            <a:prstDash val="solid"/>
-          </a:ln>
-        </p:spPr>
-        <p:style>
-          <a:lnRef idx="2">
-            <a:schemeClr val="accent1"/>
-          </a:lnRef>
-          <a:fillRef idx="0">
-            <a:schemeClr val="accent1"/>
-          </a:fillRef>
-          <a:effectRef idx="1">
-            <a:schemeClr val="accent1"/>
-          </a:effectRef>
-          <a:fontRef idx="minor">
-            <a:schemeClr val="tx1"/>
-          </a:fontRef>
-        </p:style>
-      </p:cxnSp>
-      <p:cxnSp>
-        <p:nvCxnSpPr>
-          <p:cNvPr id="25" name="Straight Connector 24">
-            <a:extLst>
-              <a:ext uri="{FF2B5EF4-FFF2-40B4-BE49-F238E27FC236}">
-                <a16:creationId xmlns:a16="http://schemas.microsoft.com/office/drawing/2014/main" id="{5B5CB57D-A26A-471A-ADA1-DF3D087EC157}"/>
-              </a:ext>
-            </a:extLst>
-          </p:cNvPr>
-          <p:cNvCxnSpPr>
-            <a:stCxn id="8" idx="3"/>
-            <a:endCxn id="10" idx="2"/>
-          </p:cNvCxnSpPr>
-          <p:nvPr/>
-        </p:nvCxnSpPr>
-        <p:spPr>
-          <a:xfrm>
-            <a:off x="9977673" y="2874264"/>
-            <a:ext cx="605828" cy="0"/>
-          </a:xfrm>
-          <a:prstGeom prst="line">
-            <a:avLst/>
-          </a:prstGeom>
-          <a:ln w="28575">
-            <a:solidFill>
-              <a:schemeClr val="tx1"/>
-            </a:solidFill>
-            <a:prstDash val="solid"/>
-          </a:ln>
-        </p:spPr>
-        <p:style>
-          <a:lnRef idx="2">
-            <a:schemeClr val="accent1"/>
-          </a:lnRef>
-          <a:fillRef idx="0">
-            <a:schemeClr val="accent1"/>
-          </a:fillRef>
-          <a:effectRef idx="1">
-            <a:schemeClr val="accent1"/>
-          </a:effectRef>
-          <a:fontRef idx="minor">
-            <a:schemeClr val="tx1"/>
-          </a:fontRef>
-        </p:style>
-      </p:cxnSp>
-      <p:sp>
-        <p:nvSpPr>
-          <p:cNvPr id="43" name="Rectangle 42">
-            <a:extLst>
-              <a:ext uri="{FF2B5EF4-FFF2-40B4-BE49-F238E27FC236}">
-                <a16:creationId xmlns:a16="http://schemas.microsoft.com/office/drawing/2014/main" id="{7E53BE36-47CD-5656-AE54-6CEDC73861AF}"/>
-              </a:ext>
-            </a:extLst>
-          </p:cNvPr>
-          <p:cNvSpPr/>
-          <p:nvPr/>
-        </p:nvSpPr>
-        <p:spPr>
-          <a:xfrm>
-            <a:off x="4327556" y="1548145"/>
-            <a:ext cx="7505323" cy="4590107"/>
-          </a:xfrm>
-          <a:prstGeom prst="rect">
-            <a:avLst/>
-          </a:prstGeom>
-          <a:noFill/>
-          <a:ln w="38100">
-            <a:prstDash val="dash"/>
-          </a:ln>
-        </p:spPr>
-        <p:style>
-          <a:lnRef idx="2">
-            <a:schemeClr val="accent1">
-              <a:shade val="15000"/>
-            </a:schemeClr>
-          </a:lnRef>
-          <a:fillRef idx="1">
-            <a:schemeClr val="accent1"/>
-          </a:fillRef>
-          <a:effectRef idx="0">
-            <a:schemeClr val="accent1"/>
-          </a:effectRef>
-          <a:fontRef idx="minor">
-            <a:schemeClr val="lt1"/>
-          </a:fontRef>
-        </p:style>
-        <p:txBody>
-          <a:bodyPr rtlCol="0" anchor="ctr"/>
-          <a:lstStyle/>
-          <a:p>
-            <a:pPr algn="ctr"/>
-            <a:endParaRPr lang="en-US"/>
+          <a:p>
+            <a:r>
+              <a:rPr lang="en-US" dirty="0"/>
+              <a:t>Workflow</a:t>
+            </a:r>
+          </a:p>
+          <a:p>
+            <a:r>
+              <a:rPr lang="en-US" dirty="0"/>
+              <a:t>Questions</a:t>
+            </a:r>
           </a:p>
         </p:txBody>
       </p:sp>
     </p:spTree>
     <p:extLst>
       <p:ext uri="{BB962C8B-B14F-4D97-AF65-F5344CB8AC3E}">
-        <p14:creationId xmlns:p14="http://schemas.microsoft.com/office/powerpoint/2010/main" val="1895595524"/>
+        <p14:creationId xmlns:p14="http://schemas.microsoft.com/office/powerpoint/2010/main" val="1098277521"/>
       </p:ext>
     </p:extLst>
   </p:cSld>
@@ -4071,7 +5539,7 @@
           <p:cNvPr id="2" name="Title 1">
             <a:extLst>
               <a:ext uri="{FF2B5EF4-FFF2-40B4-BE49-F238E27FC236}">
-                <a16:creationId xmlns:a16="http://schemas.microsoft.com/office/drawing/2014/main" id="{B9368858-2BB1-9B27-4504-089480E26FA3}"/>
+                <a16:creationId xmlns:a16="http://schemas.microsoft.com/office/drawing/2014/main" id="{3391C86A-05B9-E912-6459-1CF03894F543}"/>
               </a:ext>
             </a:extLst>
           </p:cNvPr>
@@ -4089,7 +5557,86 @@
           <a:p>
             <a:r>
               <a:rPr lang="en-US" dirty="0"/>
-              <a:t>Questions?</a:t>
+              <a:t>Proposal Refresher</a:t>
+            </a:r>
+          </a:p>
+        </p:txBody>
+      </p:sp>
+      <p:sp>
+        <p:nvSpPr>
+          <p:cNvPr id="3" name="Content Placeholder 2">
+            <a:extLst>
+              <a:ext uri="{FF2B5EF4-FFF2-40B4-BE49-F238E27FC236}">
+                <a16:creationId xmlns:a16="http://schemas.microsoft.com/office/drawing/2014/main" id="{DBC58DAF-DE4E-805F-A07F-C4518E0038CD}"/>
+              </a:ext>
+            </a:extLst>
+          </p:cNvPr>
+          <p:cNvSpPr>
+            <a:spLocks noGrp="1"/>
+          </p:cNvSpPr>
+          <p:nvPr>
+            <p:ph idx="1"/>
+          </p:nvPr>
+        </p:nvSpPr>
+        <p:spPr/>
+        <p:txBody>
+          <a:bodyPr/>
+          <a:lstStyle/>
+          <a:p>
+            <a:r>
+              <a:rPr lang="en-US" b="1" dirty="0"/>
+              <a:t>Problem</a:t>
+            </a:r>
+            <a:r>
+              <a:rPr lang="en-US" dirty="0"/>
+              <a:t>: Product assembly instructions are often hard to comprehend on a 2D page, leading to increased assembly time and time-wasting mistakes.</a:t>
+            </a:r>
+          </a:p>
+          <a:p>
+            <a:r>
+              <a:rPr lang="en-US" b="1" dirty="0"/>
+              <a:t>Solution: </a:t>
+            </a:r>
+          </a:p>
+          <a:p>
+            <a:pPr lvl="1"/>
+            <a:r>
+              <a:rPr lang="en-US" dirty="0"/>
+              <a:t>Provide step-by-step assembly instructions in an AR environment.</a:t>
+            </a:r>
+          </a:p>
+          <a:p>
+            <a:pPr lvl="1"/>
+            <a:r>
+              <a:rPr lang="en-US" dirty="0"/>
+              <a:t>No need for expensive VR headsets.</a:t>
+            </a:r>
+          </a:p>
+          <a:p>
+            <a:pPr lvl="1"/>
+            <a:r>
+              <a:rPr lang="en-US" dirty="0"/>
+              <a:t>Vendors can collect assembly data to identify difficulties.</a:t>
+            </a:r>
+          </a:p>
+          <a:p>
+            <a:pPr lvl="1"/>
+            <a:r>
+              <a:rPr lang="en-US" dirty="0"/>
+              <a:t>Use distributed cloud services to host scalable and reliable service.</a:t>
+            </a:r>
+          </a:p>
+          <a:p>
+            <a:r>
+              <a:rPr lang="en-US" b="1" dirty="0"/>
+              <a:t>Business Model:</a:t>
+            </a:r>
+          </a:p>
+          <a:p>
+            <a:pPr lvl="1"/>
+            <a:r>
+              <a:rPr lang="en-US" dirty="0"/>
+              <a:t>Licensed to vendors to improve customer satisfaction</a:t>
             </a:r>
           </a:p>
         </p:txBody>
@@ -4097,7 +5644,3559 @@
     </p:spTree>
     <p:extLst>
       <p:ext uri="{BB962C8B-B14F-4D97-AF65-F5344CB8AC3E}">
-        <p14:creationId xmlns:p14="http://schemas.microsoft.com/office/powerpoint/2010/main" val="709840896"/>
+        <p14:creationId xmlns:p14="http://schemas.microsoft.com/office/powerpoint/2010/main" val="2941974029"/>
+      </p:ext>
+    </p:extLst>
+  </p:cSld>
+  <p:clrMapOvr>
+    <a:masterClrMapping/>
+  </p:clrMapOvr>
+</p:sld>
+</file>
+
+<file path=ppt/slides/slide4.xml><?xml version="1.0" encoding="utf-8"?>
+<p:sld xmlns:a="http://schemas.openxmlformats.org/drawingml/2006/main" xmlns:r="http://schemas.openxmlformats.org/officeDocument/2006/relationships" xmlns:p="http://schemas.openxmlformats.org/presentationml/2006/main">
+  <p:cSld>
+    <p:spTree>
+      <p:nvGrpSpPr>
+        <p:cNvPr id="1" name=""/>
+        <p:cNvGrpSpPr/>
+        <p:nvPr/>
+      </p:nvGrpSpPr>
+      <p:grpSpPr>
+        <a:xfrm>
+          <a:off x="0" y="0"/>
+          <a:ext cx="0" cy="0"/>
+          <a:chOff x="0" y="0"/>
+          <a:chExt cx="0" cy="0"/>
+        </a:xfrm>
+      </p:grpSpPr>
+      <p:cxnSp>
+        <p:nvCxnSpPr>
+          <p:cNvPr id="14" name="Connector: Elbow 13">
+            <a:extLst>
+              <a:ext uri="{FF2B5EF4-FFF2-40B4-BE49-F238E27FC236}">
+                <a16:creationId xmlns:a16="http://schemas.microsoft.com/office/drawing/2014/main" id="{0F41638C-C762-DE15-4B52-5B91BB7CFEFB}"/>
+              </a:ext>
+            </a:extLst>
+          </p:cNvPr>
+          <p:cNvCxnSpPr>
+            <a:cxnSpLocks/>
+            <a:stCxn id="7" idx="3"/>
+          </p:cNvCxnSpPr>
+          <p:nvPr/>
+        </p:nvCxnSpPr>
+        <p:spPr>
+          <a:xfrm flipV="1">
+            <a:off x="6632420" y="2874264"/>
+            <a:ext cx="1136207" cy="955682"/>
+          </a:xfrm>
+          <a:prstGeom prst="bentConnector3">
+            <a:avLst/>
+          </a:prstGeom>
+          <a:ln w="28575">
+            <a:solidFill>
+              <a:schemeClr val="tx1"/>
+            </a:solidFill>
+            <a:prstDash val="solid"/>
+          </a:ln>
+        </p:spPr>
+        <p:style>
+          <a:lnRef idx="2">
+            <a:schemeClr val="accent1"/>
+          </a:lnRef>
+          <a:fillRef idx="0">
+            <a:schemeClr val="accent1"/>
+          </a:fillRef>
+          <a:effectRef idx="1">
+            <a:schemeClr val="accent1"/>
+          </a:effectRef>
+          <a:fontRef idx="minor">
+            <a:schemeClr val="tx1"/>
+          </a:fontRef>
+        </p:style>
+      </p:cxnSp>
+      <p:cxnSp>
+        <p:nvCxnSpPr>
+          <p:cNvPr id="15" name="Connector: Elbow 14">
+            <a:extLst>
+              <a:ext uri="{FF2B5EF4-FFF2-40B4-BE49-F238E27FC236}">
+                <a16:creationId xmlns:a16="http://schemas.microsoft.com/office/drawing/2014/main" id="{5B52A419-FCB3-A039-D62A-E240724467E1}"/>
+              </a:ext>
+            </a:extLst>
+          </p:cNvPr>
+          <p:cNvCxnSpPr>
+            <a:cxnSpLocks/>
+            <a:stCxn id="7" idx="3"/>
+            <a:endCxn id="9" idx="1"/>
+          </p:cNvCxnSpPr>
+          <p:nvPr/>
+        </p:nvCxnSpPr>
+        <p:spPr>
+          <a:xfrm>
+            <a:off x="6632420" y="3829946"/>
+            <a:ext cx="1136207" cy="955683"/>
+          </a:xfrm>
+          <a:prstGeom prst="bentConnector3">
+            <a:avLst/>
+          </a:prstGeom>
+          <a:ln w="28575">
+            <a:solidFill>
+              <a:schemeClr val="tx1"/>
+            </a:solidFill>
+            <a:prstDash val="solid"/>
+          </a:ln>
+        </p:spPr>
+        <p:style>
+          <a:lnRef idx="2">
+            <a:schemeClr val="accent1"/>
+          </a:lnRef>
+          <a:fillRef idx="0">
+            <a:schemeClr val="accent1"/>
+          </a:fillRef>
+          <a:effectRef idx="1">
+            <a:schemeClr val="accent1"/>
+          </a:effectRef>
+          <a:fontRef idx="minor">
+            <a:schemeClr val="tx1"/>
+          </a:fontRef>
+        </p:style>
+      </p:cxnSp>
+      <p:sp>
+        <p:nvSpPr>
+          <p:cNvPr id="18" name="TextBox 17">
+            <a:extLst>
+              <a:ext uri="{FF2B5EF4-FFF2-40B4-BE49-F238E27FC236}">
+                <a16:creationId xmlns:a16="http://schemas.microsoft.com/office/drawing/2014/main" id="{C08950EE-0588-F37D-141C-34D66171AA08}"/>
+              </a:ext>
+            </a:extLst>
+          </p:cNvPr>
+          <p:cNvSpPr txBox="1"/>
+          <p:nvPr/>
+        </p:nvSpPr>
+        <p:spPr>
+          <a:xfrm>
+            <a:off x="6718713" y="3167808"/>
+            <a:ext cx="966446" cy="307777"/>
+          </a:xfrm>
+          <a:prstGeom prst="rect">
+            <a:avLst/>
+          </a:prstGeom>
+          <a:solidFill>
+            <a:schemeClr val="bg1"/>
+          </a:solidFill>
+        </p:spPr>
+        <p:txBody>
+          <a:bodyPr wrap="square" rtlCol="0">
+            <a:spAutoFit/>
+          </a:bodyPr>
+          <a:lstStyle/>
+          <a:p>
+            <a:pPr algn="ctr"/>
+            <a:r>
+              <a:rPr lang="en-US" sz="1400" dirty="0"/>
+              <a:t>psycopg2</a:t>
+            </a:r>
+          </a:p>
+        </p:txBody>
+      </p:sp>
+      <p:sp>
+        <p:nvSpPr>
+          <p:cNvPr id="17" name="TextBox 16">
+            <a:extLst>
+              <a:ext uri="{FF2B5EF4-FFF2-40B4-BE49-F238E27FC236}">
+                <a16:creationId xmlns:a16="http://schemas.microsoft.com/office/drawing/2014/main" id="{EAC9034A-DE57-9FBE-43DE-B94E8D6E52C2}"/>
+              </a:ext>
+            </a:extLst>
+          </p:cNvPr>
+          <p:cNvSpPr txBox="1"/>
+          <p:nvPr/>
+        </p:nvSpPr>
+        <p:spPr>
+          <a:xfrm>
+            <a:off x="6706362" y="4153898"/>
+            <a:ext cx="988322" cy="307777"/>
+          </a:xfrm>
+          <a:prstGeom prst="rect">
+            <a:avLst/>
+          </a:prstGeom>
+          <a:solidFill>
+            <a:schemeClr val="bg1"/>
+          </a:solidFill>
+        </p:spPr>
+        <p:txBody>
+          <a:bodyPr wrap="square" rtlCol="0">
+            <a:spAutoFit/>
+          </a:bodyPr>
+          <a:lstStyle/>
+          <a:p>
+            <a:pPr algn="ctr"/>
+            <a:r>
+              <a:rPr lang="en-US" sz="1400" dirty="0" err="1"/>
+              <a:t>MinIO</a:t>
+            </a:r>
+            <a:r>
+              <a:rPr lang="en-US" sz="1400" dirty="0"/>
+              <a:t> API</a:t>
+            </a:r>
+          </a:p>
+        </p:txBody>
+      </p:sp>
+      <p:sp>
+        <p:nvSpPr>
+          <p:cNvPr id="26" name="Rectangle: Rounded Corners 25">
+            <a:extLst>
+              <a:ext uri="{FF2B5EF4-FFF2-40B4-BE49-F238E27FC236}">
+                <a16:creationId xmlns:a16="http://schemas.microsoft.com/office/drawing/2014/main" id="{99F035B0-E505-9C44-E0AF-9EBD54CEF29A}"/>
+              </a:ext>
+            </a:extLst>
+          </p:cNvPr>
+          <p:cNvSpPr/>
+          <p:nvPr/>
+        </p:nvSpPr>
+        <p:spPr>
+          <a:xfrm>
+            <a:off x="7921027" y="4383292"/>
+            <a:ext cx="2209046" cy="1109473"/>
+          </a:xfrm>
+          <a:prstGeom prst="roundRect">
+            <a:avLst/>
+          </a:prstGeom>
+        </p:spPr>
+        <p:style>
+          <a:lnRef idx="2">
+            <a:schemeClr val="accent4">
+              <a:shade val="15000"/>
+            </a:schemeClr>
+          </a:lnRef>
+          <a:fillRef idx="1">
+            <a:schemeClr val="accent4"/>
+          </a:fillRef>
+          <a:effectRef idx="0">
+            <a:schemeClr val="accent4"/>
+          </a:effectRef>
+          <a:fontRef idx="minor">
+            <a:schemeClr val="lt1"/>
+          </a:fontRef>
+        </p:style>
+        <p:txBody>
+          <a:bodyPr rtlCol="0" anchor="ctr"/>
+          <a:lstStyle/>
+          <a:p>
+            <a:pPr algn="ctr"/>
+            <a:r>
+              <a:rPr lang="en-US" dirty="0" err="1"/>
+              <a:t>MinIO</a:t>
+            </a:r>
+            <a:endParaRPr lang="en-US" dirty="0"/>
+          </a:p>
+        </p:txBody>
+      </p:sp>
+      <p:sp>
+        <p:nvSpPr>
+          <p:cNvPr id="24" name="Rectangle: Rounded Corners 23">
+            <a:extLst>
+              <a:ext uri="{FF2B5EF4-FFF2-40B4-BE49-F238E27FC236}">
+                <a16:creationId xmlns:a16="http://schemas.microsoft.com/office/drawing/2014/main" id="{7D635940-45DE-10CB-DA8F-C8F3965CD44A}"/>
+              </a:ext>
+            </a:extLst>
+          </p:cNvPr>
+          <p:cNvSpPr/>
+          <p:nvPr/>
+        </p:nvSpPr>
+        <p:spPr>
+          <a:xfrm>
+            <a:off x="7844827" y="4307092"/>
+            <a:ext cx="2209046" cy="1109473"/>
+          </a:xfrm>
+          <a:prstGeom prst="roundRect">
+            <a:avLst/>
+          </a:prstGeom>
+        </p:spPr>
+        <p:style>
+          <a:lnRef idx="2">
+            <a:schemeClr val="accent4">
+              <a:shade val="15000"/>
+            </a:schemeClr>
+          </a:lnRef>
+          <a:fillRef idx="1">
+            <a:schemeClr val="accent4"/>
+          </a:fillRef>
+          <a:effectRef idx="0">
+            <a:schemeClr val="accent4"/>
+          </a:effectRef>
+          <a:fontRef idx="minor">
+            <a:schemeClr val="lt1"/>
+          </a:fontRef>
+        </p:style>
+        <p:txBody>
+          <a:bodyPr rtlCol="0" anchor="ctr"/>
+          <a:lstStyle/>
+          <a:p>
+            <a:pPr algn="ctr"/>
+            <a:r>
+              <a:rPr lang="en-US" dirty="0" err="1"/>
+              <a:t>MinIO</a:t>
+            </a:r>
+            <a:endParaRPr lang="en-US" dirty="0"/>
+          </a:p>
+        </p:txBody>
+      </p:sp>
+      <p:sp>
+        <p:nvSpPr>
+          <p:cNvPr id="28" name="Rectangle: Rounded Corners 27">
+            <a:extLst>
+              <a:ext uri="{FF2B5EF4-FFF2-40B4-BE49-F238E27FC236}">
+                <a16:creationId xmlns:a16="http://schemas.microsoft.com/office/drawing/2014/main" id="{A8AF1DAA-35CE-3D29-4EDA-31453FCB2595}"/>
+              </a:ext>
+            </a:extLst>
+          </p:cNvPr>
+          <p:cNvSpPr/>
+          <p:nvPr/>
+        </p:nvSpPr>
+        <p:spPr>
+          <a:xfrm>
+            <a:off x="4575774" y="2471927"/>
+            <a:ext cx="2209046" cy="3020838"/>
+          </a:xfrm>
+          <a:prstGeom prst="roundRect">
+            <a:avLst/>
+          </a:prstGeom>
+        </p:spPr>
+        <p:style>
+          <a:lnRef idx="2">
+            <a:schemeClr val="accent4">
+              <a:shade val="15000"/>
+            </a:schemeClr>
+          </a:lnRef>
+          <a:fillRef idx="1">
+            <a:schemeClr val="accent4"/>
+          </a:fillRef>
+          <a:effectRef idx="0">
+            <a:schemeClr val="accent4"/>
+          </a:effectRef>
+          <a:fontRef idx="minor">
+            <a:schemeClr val="lt1"/>
+          </a:fontRef>
+        </p:style>
+        <p:txBody>
+          <a:bodyPr rtlCol="0" anchor="ctr"/>
+          <a:lstStyle/>
+          <a:p>
+            <a:pPr algn="ctr"/>
+            <a:r>
+              <a:rPr lang="en-US" dirty="0" err="1"/>
+              <a:t>AssemblAR</a:t>
+            </a:r>
+            <a:r>
+              <a:rPr lang="en-US" dirty="0"/>
+              <a:t> Server</a:t>
+            </a:r>
+          </a:p>
+        </p:txBody>
+      </p:sp>
+      <p:sp>
+        <p:nvSpPr>
+          <p:cNvPr id="27" name="Rectangle: Rounded Corners 26">
+            <a:extLst>
+              <a:ext uri="{FF2B5EF4-FFF2-40B4-BE49-F238E27FC236}">
+                <a16:creationId xmlns:a16="http://schemas.microsoft.com/office/drawing/2014/main" id="{D2168D3E-6AD4-21B7-8EF1-5C81F97440FD}"/>
+              </a:ext>
+            </a:extLst>
+          </p:cNvPr>
+          <p:cNvSpPr/>
+          <p:nvPr/>
+        </p:nvSpPr>
+        <p:spPr>
+          <a:xfrm>
+            <a:off x="4499574" y="2395727"/>
+            <a:ext cx="2209046" cy="3020838"/>
+          </a:xfrm>
+          <a:prstGeom prst="roundRect">
+            <a:avLst/>
+          </a:prstGeom>
+        </p:spPr>
+        <p:style>
+          <a:lnRef idx="2">
+            <a:schemeClr val="accent4">
+              <a:shade val="15000"/>
+            </a:schemeClr>
+          </a:lnRef>
+          <a:fillRef idx="1">
+            <a:schemeClr val="accent4"/>
+          </a:fillRef>
+          <a:effectRef idx="0">
+            <a:schemeClr val="accent4"/>
+          </a:effectRef>
+          <a:fontRef idx="minor">
+            <a:schemeClr val="lt1"/>
+          </a:fontRef>
+        </p:style>
+        <p:txBody>
+          <a:bodyPr rtlCol="0" anchor="ctr"/>
+          <a:lstStyle/>
+          <a:p>
+            <a:pPr algn="ctr"/>
+            <a:r>
+              <a:rPr lang="en-US" dirty="0" err="1"/>
+              <a:t>AssemblAR</a:t>
+            </a:r>
+            <a:r>
+              <a:rPr lang="en-US" dirty="0"/>
+              <a:t> Server</a:t>
+            </a:r>
+          </a:p>
+        </p:txBody>
+      </p:sp>
+      <p:sp>
+        <p:nvSpPr>
+          <p:cNvPr id="2" name="Title 1">
+            <a:extLst>
+              <a:ext uri="{FF2B5EF4-FFF2-40B4-BE49-F238E27FC236}">
+                <a16:creationId xmlns:a16="http://schemas.microsoft.com/office/drawing/2014/main" id="{DC488405-061F-2E30-3794-97048F0E541E}"/>
+              </a:ext>
+            </a:extLst>
+          </p:cNvPr>
+          <p:cNvSpPr>
+            <a:spLocks noGrp="1"/>
+          </p:cNvSpPr>
+          <p:nvPr>
+            <p:ph type="title"/>
+          </p:nvPr>
+        </p:nvSpPr>
+        <p:spPr/>
+        <p:txBody>
+          <a:bodyPr/>
+          <a:lstStyle/>
+          <a:p>
+            <a:r>
+              <a:rPr lang="en-US" dirty="0"/>
+              <a:t>System Architecture</a:t>
+            </a:r>
+          </a:p>
+        </p:txBody>
+      </p:sp>
+      <p:sp>
+        <p:nvSpPr>
+          <p:cNvPr id="6" name="Rectangle: Rounded Corners 5">
+            <a:extLst>
+              <a:ext uri="{FF2B5EF4-FFF2-40B4-BE49-F238E27FC236}">
+                <a16:creationId xmlns:a16="http://schemas.microsoft.com/office/drawing/2014/main" id="{D7698E76-2AE4-36CA-925A-573AD4FBEA30}"/>
+              </a:ext>
+            </a:extLst>
+          </p:cNvPr>
+          <p:cNvSpPr/>
+          <p:nvPr/>
+        </p:nvSpPr>
+        <p:spPr>
+          <a:xfrm>
+            <a:off x="566596" y="3275209"/>
+            <a:ext cx="2209046" cy="1109473"/>
+          </a:xfrm>
+          <a:prstGeom prst="roundRect">
+            <a:avLst/>
+          </a:prstGeom>
+        </p:spPr>
+        <p:style>
+          <a:lnRef idx="2">
+            <a:schemeClr val="accent2">
+              <a:shade val="15000"/>
+            </a:schemeClr>
+          </a:lnRef>
+          <a:fillRef idx="1">
+            <a:schemeClr val="accent2"/>
+          </a:fillRef>
+          <a:effectRef idx="0">
+            <a:schemeClr val="accent2"/>
+          </a:effectRef>
+          <a:fontRef idx="minor">
+            <a:schemeClr val="lt1"/>
+          </a:fontRef>
+        </p:style>
+        <p:txBody>
+          <a:bodyPr rtlCol="0" anchor="ctr"/>
+          <a:lstStyle/>
+          <a:p>
+            <a:pPr algn="ctr"/>
+            <a:r>
+              <a:rPr lang="en-US" dirty="0" err="1"/>
+              <a:t>AssemblAR</a:t>
+            </a:r>
+            <a:r>
+              <a:rPr lang="en-US" dirty="0"/>
+              <a:t> Client</a:t>
+            </a:r>
+          </a:p>
+        </p:txBody>
+      </p:sp>
+      <p:sp>
+        <p:nvSpPr>
+          <p:cNvPr id="7" name="Rectangle: Rounded Corners 6">
+            <a:extLst>
+              <a:ext uri="{FF2B5EF4-FFF2-40B4-BE49-F238E27FC236}">
+                <a16:creationId xmlns:a16="http://schemas.microsoft.com/office/drawing/2014/main" id="{AD4055AE-D60C-481B-2BAD-7CE266927F49}"/>
+              </a:ext>
+            </a:extLst>
+          </p:cNvPr>
+          <p:cNvSpPr/>
+          <p:nvPr/>
+        </p:nvSpPr>
+        <p:spPr>
+          <a:xfrm>
+            <a:off x="4423374" y="2319527"/>
+            <a:ext cx="2209046" cy="3020838"/>
+          </a:xfrm>
+          <a:prstGeom prst="roundRect">
+            <a:avLst/>
+          </a:prstGeom>
+        </p:spPr>
+        <p:style>
+          <a:lnRef idx="2">
+            <a:schemeClr val="accent4">
+              <a:shade val="15000"/>
+            </a:schemeClr>
+          </a:lnRef>
+          <a:fillRef idx="1">
+            <a:schemeClr val="accent4"/>
+          </a:fillRef>
+          <a:effectRef idx="0">
+            <a:schemeClr val="accent4"/>
+          </a:effectRef>
+          <a:fontRef idx="minor">
+            <a:schemeClr val="lt1"/>
+          </a:fontRef>
+        </p:style>
+        <p:txBody>
+          <a:bodyPr rtlCol="0" anchor="ctr"/>
+          <a:lstStyle/>
+          <a:p>
+            <a:pPr algn="ctr"/>
+            <a:r>
+              <a:rPr lang="en-US" dirty="0" err="1"/>
+              <a:t>AssemblAR</a:t>
+            </a:r>
+            <a:r>
+              <a:rPr lang="en-US" dirty="0"/>
+              <a:t> Server</a:t>
+            </a:r>
+          </a:p>
+        </p:txBody>
+      </p:sp>
+      <p:sp>
+        <p:nvSpPr>
+          <p:cNvPr id="9" name="Rectangle: Rounded Corners 8">
+            <a:extLst>
+              <a:ext uri="{FF2B5EF4-FFF2-40B4-BE49-F238E27FC236}">
+                <a16:creationId xmlns:a16="http://schemas.microsoft.com/office/drawing/2014/main" id="{F425BAF2-3655-3395-387E-4B7EC720864A}"/>
+              </a:ext>
+            </a:extLst>
+          </p:cNvPr>
+          <p:cNvSpPr/>
+          <p:nvPr/>
+        </p:nvSpPr>
+        <p:spPr>
+          <a:xfrm>
+            <a:off x="7768627" y="4230892"/>
+            <a:ext cx="2209046" cy="1109473"/>
+          </a:xfrm>
+          <a:prstGeom prst="roundRect">
+            <a:avLst/>
+          </a:prstGeom>
+        </p:spPr>
+        <p:style>
+          <a:lnRef idx="2">
+            <a:schemeClr val="accent4">
+              <a:shade val="15000"/>
+            </a:schemeClr>
+          </a:lnRef>
+          <a:fillRef idx="1">
+            <a:schemeClr val="accent4"/>
+          </a:fillRef>
+          <a:effectRef idx="0">
+            <a:schemeClr val="accent4"/>
+          </a:effectRef>
+          <a:fontRef idx="minor">
+            <a:schemeClr val="lt1"/>
+          </a:fontRef>
+        </p:style>
+        <p:txBody>
+          <a:bodyPr rtlCol="0" anchor="ctr"/>
+          <a:lstStyle/>
+          <a:p>
+            <a:pPr algn="ctr"/>
+            <a:r>
+              <a:rPr lang="en-US" dirty="0" err="1"/>
+              <a:t>MinIO</a:t>
+            </a:r>
+            <a:endParaRPr lang="en-US" dirty="0"/>
+          </a:p>
+        </p:txBody>
+      </p:sp>
+      <p:sp>
+        <p:nvSpPr>
+          <p:cNvPr id="10" name="Cylinder 9">
+            <a:extLst>
+              <a:ext uri="{FF2B5EF4-FFF2-40B4-BE49-F238E27FC236}">
+                <a16:creationId xmlns:a16="http://schemas.microsoft.com/office/drawing/2014/main" id="{3C6DB29A-5728-20C2-0860-45996ED9AEF2}"/>
+              </a:ext>
+            </a:extLst>
+          </p:cNvPr>
+          <p:cNvSpPr/>
+          <p:nvPr/>
+        </p:nvSpPr>
+        <p:spPr>
+          <a:xfrm>
+            <a:off x="10583501" y="2319527"/>
+            <a:ext cx="1131683" cy="1109473"/>
+          </a:xfrm>
+          <a:prstGeom prst="can">
+            <a:avLst/>
+          </a:prstGeom>
+        </p:spPr>
+        <p:style>
+          <a:lnRef idx="2">
+            <a:schemeClr val="accent1">
+              <a:shade val="15000"/>
+            </a:schemeClr>
+          </a:lnRef>
+          <a:fillRef idx="1">
+            <a:schemeClr val="accent1"/>
+          </a:fillRef>
+          <a:effectRef idx="0">
+            <a:schemeClr val="accent1"/>
+          </a:effectRef>
+          <a:fontRef idx="minor">
+            <a:schemeClr val="lt1"/>
+          </a:fontRef>
+        </p:style>
+        <p:txBody>
+          <a:bodyPr rtlCol="0" anchor="ctr"/>
+          <a:lstStyle/>
+          <a:p>
+            <a:pPr algn="ctr"/>
+            <a:endParaRPr lang="en-US"/>
+          </a:p>
+        </p:txBody>
+      </p:sp>
+      <p:sp>
+        <p:nvSpPr>
+          <p:cNvPr id="11" name="Cylinder 10">
+            <a:extLst>
+              <a:ext uri="{FF2B5EF4-FFF2-40B4-BE49-F238E27FC236}">
+                <a16:creationId xmlns:a16="http://schemas.microsoft.com/office/drawing/2014/main" id="{4E464BDF-BEF9-1B01-EFDE-33353EA30BAD}"/>
+              </a:ext>
+            </a:extLst>
+          </p:cNvPr>
+          <p:cNvSpPr/>
+          <p:nvPr/>
+        </p:nvSpPr>
+        <p:spPr>
+          <a:xfrm>
+            <a:off x="10583500" y="4230892"/>
+            <a:ext cx="1131683" cy="1109473"/>
+          </a:xfrm>
+          <a:prstGeom prst="can">
+            <a:avLst/>
+          </a:prstGeom>
+        </p:spPr>
+        <p:style>
+          <a:lnRef idx="2">
+            <a:schemeClr val="accent1">
+              <a:shade val="15000"/>
+            </a:schemeClr>
+          </a:lnRef>
+          <a:fillRef idx="1">
+            <a:schemeClr val="accent1"/>
+          </a:fillRef>
+          <a:effectRef idx="0">
+            <a:schemeClr val="accent1"/>
+          </a:effectRef>
+          <a:fontRef idx="minor">
+            <a:schemeClr val="lt1"/>
+          </a:fontRef>
+        </p:style>
+        <p:txBody>
+          <a:bodyPr rtlCol="0" anchor="ctr"/>
+          <a:lstStyle/>
+          <a:p>
+            <a:pPr algn="ctr"/>
+            <a:endParaRPr lang="en-US"/>
+          </a:p>
+        </p:txBody>
+      </p:sp>
+      <p:cxnSp>
+        <p:nvCxnSpPr>
+          <p:cNvPr id="21" name="Straight Connector 20">
+            <a:extLst>
+              <a:ext uri="{FF2B5EF4-FFF2-40B4-BE49-F238E27FC236}">
+                <a16:creationId xmlns:a16="http://schemas.microsoft.com/office/drawing/2014/main" id="{66C46E33-896B-9C69-EA37-8D4325EBB733}"/>
+              </a:ext>
+            </a:extLst>
+          </p:cNvPr>
+          <p:cNvCxnSpPr>
+            <a:cxnSpLocks/>
+            <a:stCxn id="6" idx="3"/>
+            <a:endCxn id="7" idx="1"/>
+          </p:cNvCxnSpPr>
+          <p:nvPr/>
+        </p:nvCxnSpPr>
+        <p:spPr>
+          <a:xfrm>
+            <a:off x="2775642" y="3829946"/>
+            <a:ext cx="1647732" cy="0"/>
+          </a:xfrm>
+          <a:prstGeom prst="line">
+            <a:avLst/>
+          </a:prstGeom>
+          <a:ln w="28575">
+            <a:solidFill>
+              <a:schemeClr val="tx1"/>
+            </a:solidFill>
+            <a:prstDash val="solid"/>
+          </a:ln>
+        </p:spPr>
+        <p:style>
+          <a:lnRef idx="2">
+            <a:schemeClr val="accent1"/>
+          </a:lnRef>
+          <a:fillRef idx="0">
+            <a:schemeClr val="accent1"/>
+          </a:fillRef>
+          <a:effectRef idx="1">
+            <a:schemeClr val="accent1"/>
+          </a:effectRef>
+          <a:fontRef idx="minor">
+            <a:schemeClr val="tx1"/>
+          </a:fontRef>
+        </p:style>
+      </p:cxnSp>
+      <p:cxnSp>
+        <p:nvCxnSpPr>
+          <p:cNvPr id="23" name="Straight Connector 22">
+            <a:extLst>
+              <a:ext uri="{FF2B5EF4-FFF2-40B4-BE49-F238E27FC236}">
+                <a16:creationId xmlns:a16="http://schemas.microsoft.com/office/drawing/2014/main" id="{7AEB1DF1-6DF0-B7E0-5912-B70AB2D59244}"/>
+              </a:ext>
+            </a:extLst>
+          </p:cNvPr>
+          <p:cNvCxnSpPr>
+            <a:stCxn id="9" idx="3"/>
+            <a:endCxn id="11" idx="2"/>
+          </p:cNvCxnSpPr>
+          <p:nvPr/>
+        </p:nvCxnSpPr>
+        <p:spPr>
+          <a:xfrm>
+            <a:off x="9977673" y="4785629"/>
+            <a:ext cx="605827" cy="0"/>
+          </a:xfrm>
+          <a:prstGeom prst="line">
+            <a:avLst/>
+          </a:prstGeom>
+          <a:ln w="28575">
+            <a:solidFill>
+              <a:schemeClr val="tx1"/>
+            </a:solidFill>
+            <a:prstDash val="solid"/>
+          </a:ln>
+        </p:spPr>
+        <p:style>
+          <a:lnRef idx="2">
+            <a:schemeClr val="accent1"/>
+          </a:lnRef>
+          <a:fillRef idx="0">
+            <a:schemeClr val="accent1"/>
+          </a:fillRef>
+          <a:effectRef idx="1">
+            <a:schemeClr val="accent1"/>
+          </a:effectRef>
+          <a:fontRef idx="minor">
+            <a:schemeClr val="tx1"/>
+          </a:fontRef>
+        </p:style>
+      </p:cxnSp>
+      <p:cxnSp>
+        <p:nvCxnSpPr>
+          <p:cNvPr id="25" name="Straight Connector 24">
+            <a:extLst>
+              <a:ext uri="{FF2B5EF4-FFF2-40B4-BE49-F238E27FC236}">
+                <a16:creationId xmlns:a16="http://schemas.microsoft.com/office/drawing/2014/main" id="{5B5CB57D-A26A-471A-ADA1-DF3D087EC157}"/>
+              </a:ext>
+            </a:extLst>
+          </p:cNvPr>
+          <p:cNvCxnSpPr>
+            <a:cxnSpLocks/>
+            <a:endCxn id="10" idx="2"/>
+          </p:cNvCxnSpPr>
+          <p:nvPr/>
+        </p:nvCxnSpPr>
+        <p:spPr>
+          <a:xfrm>
+            <a:off x="9977673" y="2874264"/>
+            <a:ext cx="605828" cy="0"/>
+          </a:xfrm>
+          <a:prstGeom prst="line">
+            <a:avLst/>
+          </a:prstGeom>
+          <a:ln w="28575">
+            <a:solidFill>
+              <a:schemeClr val="tx1"/>
+            </a:solidFill>
+            <a:prstDash val="solid"/>
+          </a:ln>
+        </p:spPr>
+        <p:style>
+          <a:lnRef idx="2">
+            <a:schemeClr val="accent1"/>
+          </a:lnRef>
+          <a:fillRef idx="0">
+            <a:schemeClr val="accent1"/>
+          </a:fillRef>
+          <a:effectRef idx="1">
+            <a:schemeClr val="accent1"/>
+          </a:effectRef>
+          <a:fontRef idx="minor">
+            <a:schemeClr val="tx1"/>
+          </a:fontRef>
+        </p:style>
+      </p:cxnSp>
+      <p:sp>
+        <p:nvSpPr>
+          <p:cNvPr id="43" name="Rectangle 42">
+            <a:extLst>
+              <a:ext uri="{FF2B5EF4-FFF2-40B4-BE49-F238E27FC236}">
+                <a16:creationId xmlns:a16="http://schemas.microsoft.com/office/drawing/2014/main" id="{7E53BE36-47CD-5656-AE54-6CEDC73861AF}"/>
+              </a:ext>
+            </a:extLst>
+          </p:cNvPr>
+          <p:cNvSpPr/>
+          <p:nvPr/>
+        </p:nvSpPr>
+        <p:spPr>
+          <a:xfrm>
+            <a:off x="4327556" y="1548145"/>
+            <a:ext cx="7505323" cy="4590107"/>
+          </a:xfrm>
+          <a:prstGeom prst="rect">
+            <a:avLst/>
+          </a:prstGeom>
+          <a:noFill/>
+          <a:ln w="38100">
+            <a:prstDash val="dash"/>
+          </a:ln>
+        </p:spPr>
+        <p:style>
+          <a:lnRef idx="2">
+            <a:schemeClr val="accent1">
+              <a:shade val="15000"/>
+            </a:schemeClr>
+          </a:lnRef>
+          <a:fillRef idx="1">
+            <a:schemeClr val="accent1"/>
+          </a:fillRef>
+          <a:effectRef idx="0">
+            <a:schemeClr val="accent1"/>
+          </a:effectRef>
+          <a:fontRef idx="minor">
+            <a:schemeClr val="lt1"/>
+          </a:fontRef>
+        </p:style>
+        <p:txBody>
+          <a:bodyPr rtlCol="0" anchor="ctr"/>
+          <a:lstStyle/>
+          <a:p>
+            <a:pPr algn="ctr"/>
+            <a:endParaRPr lang="en-US"/>
+          </a:p>
+        </p:txBody>
+      </p:sp>
+      <p:sp>
+        <p:nvSpPr>
+          <p:cNvPr id="19" name="TextBox 18">
+            <a:extLst>
+              <a:ext uri="{FF2B5EF4-FFF2-40B4-BE49-F238E27FC236}">
+                <a16:creationId xmlns:a16="http://schemas.microsoft.com/office/drawing/2014/main" id="{0EE0103D-702D-F43D-75A9-7AB7E1A7A4CD}"/>
+              </a:ext>
+            </a:extLst>
+          </p:cNvPr>
+          <p:cNvSpPr txBox="1"/>
+          <p:nvPr/>
+        </p:nvSpPr>
+        <p:spPr>
+          <a:xfrm>
+            <a:off x="3217384" y="3689309"/>
+            <a:ext cx="600162" cy="307777"/>
+          </a:xfrm>
+          <a:prstGeom prst="rect">
+            <a:avLst/>
+          </a:prstGeom>
+          <a:solidFill>
+            <a:schemeClr val="bg1"/>
+          </a:solidFill>
+        </p:spPr>
+        <p:txBody>
+          <a:bodyPr wrap="square" rtlCol="0">
+            <a:spAutoFit/>
+          </a:bodyPr>
+          <a:lstStyle/>
+          <a:p>
+            <a:pPr algn="ctr"/>
+            <a:r>
+              <a:rPr lang="en-US" sz="1400" dirty="0"/>
+              <a:t>HTTP</a:t>
+            </a:r>
+          </a:p>
+        </p:txBody>
+      </p:sp>
+      <p:sp>
+        <p:nvSpPr>
+          <p:cNvPr id="29" name="Rectangle: Rounded Corners 28">
+            <a:extLst>
+              <a:ext uri="{FF2B5EF4-FFF2-40B4-BE49-F238E27FC236}">
+                <a16:creationId xmlns:a16="http://schemas.microsoft.com/office/drawing/2014/main" id="{76BE5848-F563-F03F-E750-2DE7DA413F1F}"/>
+              </a:ext>
+            </a:extLst>
+          </p:cNvPr>
+          <p:cNvSpPr/>
+          <p:nvPr/>
+        </p:nvSpPr>
+        <p:spPr>
+          <a:xfrm>
+            <a:off x="7921027" y="2441714"/>
+            <a:ext cx="2209046" cy="1109473"/>
+          </a:xfrm>
+          <a:prstGeom prst="roundRect">
+            <a:avLst/>
+          </a:prstGeom>
+        </p:spPr>
+        <p:style>
+          <a:lnRef idx="2">
+            <a:schemeClr val="accent4">
+              <a:shade val="15000"/>
+            </a:schemeClr>
+          </a:lnRef>
+          <a:fillRef idx="1">
+            <a:schemeClr val="accent4"/>
+          </a:fillRef>
+          <a:effectRef idx="0">
+            <a:schemeClr val="accent4"/>
+          </a:effectRef>
+          <a:fontRef idx="minor">
+            <a:schemeClr val="lt1"/>
+          </a:fontRef>
+        </p:style>
+        <p:txBody>
+          <a:bodyPr rtlCol="0" anchor="ctr"/>
+          <a:lstStyle/>
+          <a:p>
+            <a:pPr algn="ctr"/>
+            <a:r>
+              <a:rPr lang="en-US" dirty="0" err="1"/>
+              <a:t>MinIO</a:t>
+            </a:r>
+            <a:endParaRPr lang="en-US" dirty="0"/>
+          </a:p>
+        </p:txBody>
+      </p:sp>
+      <p:sp>
+        <p:nvSpPr>
+          <p:cNvPr id="30" name="Rectangle: Rounded Corners 29">
+            <a:extLst>
+              <a:ext uri="{FF2B5EF4-FFF2-40B4-BE49-F238E27FC236}">
+                <a16:creationId xmlns:a16="http://schemas.microsoft.com/office/drawing/2014/main" id="{B59A9870-5273-735D-C413-13222572102F}"/>
+              </a:ext>
+            </a:extLst>
+          </p:cNvPr>
+          <p:cNvSpPr/>
+          <p:nvPr/>
+        </p:nvSpPr>
+        <p:spPr>
+          <a:xfrm>
+            <a:off x="7844827" y="2365514"/>
+            <a:ext cx="2209046" cy="1109473"/>
+          </a:xfrm>
+          <a:prstGeom prst="roundRect">
+            <a:avLst/>
+          </a:prstGeom>
+        </p:spPr>
+        <p:style>
+          <a:lnRef idx="2">
+            <a:schemeClr val="accent4">
+              <a:shade val="15000"/>
+            </a:schemeClr>
+          </a:lnRef>
+          <a:fillRef idx="1">
+            <a:schemeClr val="accent4"/>
+          </a:fillRef>
+          <a:effectRef idx="0">
+            <a:schemeClr val="accent4"/>
+          </a:effectRef>
+          <a:fontRef idx="minor">
+            <a:schemeClr val="lt1"/>
+          </a:fontRef>
+        </p:style>
+        <p:txBody>
+          <a:bodyPr rtlCol="0" anchor="ctr"/>
+          <a:lstStyle/>
+          <a:p>
+            <a:pPr algn="ctr"/>
+            <a:r>
+              <a:rPr lang="en-US" dirty="0" err="1"/>
+              <a:t>MinIO</a:t>
+            </a:r>
+            <a:endParaRPr lang="en-US" dirty="0"/>
+          </a:p>
+        </p:txBody>
+      </p:sp>
+      <p:sp>
+        <p:nvSpPr>
+          <p:cNvPr id="31" name="Rectangle: Rounded Corners 30">
+            <a:extLst>
+              <a:ext uri="{FF2B5EF4-FFF2-40B4-BE49-F238E27FC236}">
+                <a16:creationId xmlns:a16="http://schemas.microsoft.com/office/drawing/2014/main" id="{DADE291F-2C8F-ED12-886D-559547F890B8}"/>
+              </a:ext>
+            </a:extLst>
+          </p:cNvPr>
+          <p:cNvSpPr/>
+          <p:nvPr/>
+        </p:nvSpPr>
+        <p:spPr>
+          <a:xfrm>
+            <a:off x="7768627" y="2289314"/>
+            <a:ext cx="2209046" cy="1109473"/>
+          </a:xfrm>
+          <a:prstGeom prst="roundRect">
+            <a:avLst/>
+          </a:prstGeom>
+        </p:spPr>
+        <p:style>
+          <a:lnRef idx="2">
+            <a:schemeClr val="accent4">
+              <a:shade val="15000"/>
+            </a:schemeClr>
+          </a:lnRef>
+          <a:fillRef idx="1">
+            <a:schemeClr val="accent4"/>
+          </a:fillRef>
+          <a:effectRef idx="0">
+            <a:schemeClr val="accent4"/>
+          </a:effectRef>
+          <a:fontRef idx="minor">
+            <a:schemeClr val="lt1"/>
+          </a:fontRef>
+        </p:style>
+        <p:txBody>
+          <a:bodyPr rtlCol="0" anchor="ctr"/>
+          <a:lstStyle/>
+          <a:p>
+            <a:pPr algn="ctr"/>
+            <a:r>
+              <a:rPr lang="en-US" dirty="0"/>
+              <a:t>PostgreSQL</a:t>
+            </a:r>
+          </a:p>
+        </p:txBody>
+      </p:sp>
+    </p:spTree>
+    <p:extLst>
+      <p:ext uri="{BB962C8B-B14F-4D97-AF65-F5344CB8AC3E}">
+        <p14:creationId xmlns:p14="http://schemas.microsoft.com/office/powerpoint/2010/main" val="1895595524"/>
+      </p:ext>
+    </p:extLst>
+  </p:cSld>
+  <p:clrMapOvr>
+    <a:masterClrMapping/>
+  </p:clrMapOvr>
+</p:sld>
+</file>
+
+<file path=ppt/slides/slide5.xml><?xml version="1.0" encoding="utf-8"?>
+<p:sld xmlns:a="http://schemas.openxmlformats.org/drawingml/2006/main" xmlns:r="http://schemas.openxmlformats.org/officeDocument/2006/relationships" xmlns:p="http://schemas.openxmlformats.org/presentationml/2006/main">
+  <p:cSld>
+    <p:spTree>
+      <p:nvGrpSpPr>
+        <p:cNvPr id="1" name=""/>
+        <p:cNvGrpSpPr/>
+        <p:nvPr/>
+      </p:nvGrpSpPr>
+      <p:grpSpPr>
+        <a:xfrm>
+          <a:off x="0" y="0"/>
+          <a:ext cx="0" cy="0"/>
+          <a:chOff x="0" y="0"/>
+          <a:chExt cx="0" cy="0"/>
+        </a:xfrm>
+      </p:grpSpPr>
+      <p:sp>
+        <p:nvSpPr>
+          <p:cNvPr id="2" name="Title 1">
+            <a:extLst>
+              <a:ext uri="{FF2B5EF4-FFF2-40B4-BE49-F238E27FC236}">
+                <a16:creationId xmlns:a16="http://schemas.microsoft.com/office/drawing/2014/main" id="{DC1ADC28-8378-811E-4876-B5A12C75E686}"/>
+              </a:ext>
+            </a:extLst>
+          </p:cNvPr>
+          <p:cNvSpPr>
+            <a:spLocks noGrp="1"/>
+          </p:cNvSpPr>
+          <p:nvPr>
+            <p:ph type="title"/>
+          </p:nvPr>
+        </p:nvSpPr>
+        <p:spPr/>
+        <p:txBody>
+          <a:bodyPr/>
+          <a:lstStyle/>
+          <a:p>
+            <a:r>
+              <a:rPr lang="en-US" dirty="0" err="1"/>
+              <a:t>AssemblAR</a:t>
+            </a:r>
+            <a:r>
+              <a:rPr lang="en-US" dirty="0"/>
+              <a:t> Server (</a:t>
+            </a:r>
+            <a:r>
+              <a:rPr lang="en-US" dirty="0" err="1"/>
+              <a:t>PlayCanvas</a:t>
+            </a:r>
+            <a:r>
+              <a:rPr lang="en-US" dirty="0"/>
+              <a:t>)</a:t>
+            </a:r>
+          </a:p>
+        </p:txBody>
+      </p:sp>
+      <p:sp>
+        <p:nvSpPr>
+          <p:cNvPr id="3" name="Content Placeholder 2">
+            <a:extLst>
+              <a:ext uri="{FF2B5EF4-FFF2-40B4-BE49-F238E27FC236}">
+                <a16:creationId xmlns:a16="http://schemas.microsoft.com/office/drawing/2014/main" id="{6A9E5771-76C8-B127-8AEE-D7CD83C042F0}"/>
+              </a:ext>
+            </a:extLst>
+          </p:cNvPr>
+          <p:cNvSpPr>
+            <a:spLocks noGrp="1"/>
+          </p:cNvSpPr>
+          <p:nvPr>
+            <p:ph idx="1"/>
+          </p:nvPr>
+        </p:nvSpPr>
+        <p:spPr>
+          <a:xfrm>
+            <a:off x="838200" y="1825625"/>
+            <a:ext cx="6214450" cy="4351338"/>
+          </a:xfrm>
+        </p:spPr>
+        <p:txBody>
+          <a:bodyPr/>
+          <a:lstStyle/>
+          <a:p>
+            <a:r>
+              <a:rPr lang="en-US" dirty="0"/>
+              <a:t>Web app where users view assembly instructions in their augmented reality environment</a:t>
+            </a:r>
+          </a:p>
+          <a:p>
+            <a:r>
+              <a:rPr lang="en-US" dirty="0"/>
+              <a:t>The frontend for the user</a:t>
+            </a:r>
+          </a:p>
+          <a:p>
+            <a:r>
+              <a:rPr lang="en-US" dirty="0"/>
+              <a:t>Built using </a:t>
+            </a:r>
+            <a:r>
+              <a:rPr lang="en-US" dirty="0" err="1"/>
+              <a:t>PlayCanvas</a:t>
+            </a:r>
+            <a:endParaRPr lang="en-US" dirty="0"/>
+          </a:p>
+          <a:p>
+            <a:pPr lvl="1"/>
+            <a:r>
+              <a:rPr lang="en-US" dirty="0"/>
+              <a:t>Open-source 3D game engine</a:t>
+            </a:r>
+          </a:p>
+          <a:p>
+            <a:pPr lvl="1"/>
+            <a:r>
+              <a:rPr lang="en-US" dirty="0"/>
+              <a:t>WebGL support</a:t>
+            </a:r>
+          </a:p>
+          <a:p>
+            <a:pPr lvl="1"/>
+            <a:r>
+              <a:rPr lang="en-US" dirty="0"/>
+              <a:t>Augmented Reality support</a:t>
+            </a:r>
+          </a:p>
+          <a:p>
+            <a:pPr lvl="1"/>
+            <a:r>
+              <a:rPr lang="en-US" dirty="0"/>
+              <a:t>Written in JavaScript</a:t>
+            </a:r>
+          </a:p>
+        </p:txBody>
+      </p:sp>
+      <p:pic>
+        <p:nvPicPr>
+          <p:cNvPr id="1026" name="Picture 2" descr="Amazon now lets you design a whole room of augmented-reality furniture -  CNET">
+            <a:extLst>
+              <a:ext uri="{FF2B5EF4-FFF2-40B4-BE49-F238E27FC236}">
+                <a16:creationId xmlns:a16="http://schemas.microsoft.com/office/drawing/2014/main" id="{5D03B3F9-0690-E58A-60CB-68DED11F68FC}"/>
+              </a:ext>
+            </a:extLst>
+          </p:cNvPr>
+          <p:cNvPicPr>
+            <a:picLocks noChangeAspect="1" noChangeArrowheads="1"/>
+          </p:cNvPicPr>
+          <p:nvPr/>
+        </p:nvPicPr>
+        <p:blipFill rotWithShape="1">
+          <a:blip r:embed="rId2">
+            <a:extLst>
+              <a:ext uri="{28A0092B-C50C-407E-A947-70E740481C1C}">
+                <a14:useLocalDpi xmlns:a14="http://schemas.microsoft.com/office/drawing/2010/main" val="0"/>
+              </a:ext>
+            </a:extLst>
+          </a:blip>
+          <a:srcRect t="22838" b="14447"/>
+          <a:stretch>
+            <a:fillRect/>
+          </a:stretch>
+        </p:blipFill>
+        <p:spPr bwMode="auto">
+          <a:xfrm>
+            <a:off x="7564437" y="1825625"/>
+            <a:ext cx="4351338" cy="2728912"/>
+          </a:xfrm>
+          <a:prstGeom prst="rect">
+            <a:avLst/>
+          </a:prstGeom>
+          <a:noFill/>
+          <a:extLst>
+            <a:ext uri="{909E8E84-426E-40DD-AFC4-6F175D3DCCD1}">
+              <a14:hiddenFill xmlns:a14="http://schemas.microsoft.com/office/drawing/2010/main">
+                <a:solidFill>
+                  <a:srgbClr val="FFFFFF"/>
+                </a:solidFill>
+              </a14:hiddenFill>
+            </a:ext>
+          </a:extLst>
+        </p:spPr>
+      </p:pic>
+      <p:pic>
+        <p:nvPicPr>
+          <p:cNvPr id="1028" name="Picture 4" descr="JavaScript Logo, symbol, meaning, history, PNG, brand">
+            <a:extLst>
+              <a:ext uri="{FF2B5EF4-FFF2-40B4-BE49-F238E27FC236}">
+                <a16:creationId xmlns:a16="http://schemas.microsoft.com/office/drawing/2014/main" id="{481532DC-D542-4FF4-976C-2720BE2531F1}"/>
+              </a:ext>
+            </a:extLst>
+          </p:cNvPr>
+          <p:cNvPicPr>
+            <a:picLocks noChangeAspect="1" noChangeArrowheads="1"/>
+          </p:cNvPicPr>
+          <p:nvPr/>
+        </p:nvPicPr>
+        <p:blipFill>
+          <a:blip r:embed="rId3">
+            <a:extLst>
+              <a:ext uri="{28A0092B-C50C-407E-A947-70E740481C1C}">
+                <a14:useLocalDpi xmlns:a14="http://schemas.microsoft.com/office/drawing/2010/main" val="0"/>
+              </a:ext>
+            </a:extLst>
+          </a:blip>
+          <a:srcRect/>
+          <a:stretch>
+            <a:fillRect/>
+          </a:stretch>
+        </p:blipFill>
+        <p:spPr bwMode="auto">
+          <a:xfrm>
+            <a:off x="9079441" y="4854575"/>
+            <a:ext cx="2912533" cy="1638300"/>
+          </a:xfrm>
+          <a:prstGeom prst="rect">
+            <a:avLst/>
+          </a:prstGeom>
+          <a:noFill/>
+          <a:extLst>
+            <a:ext uri="{909E8E84-426E-40DD-AFC4-6F175D3DCCD1}">
+              <a14:hiddenFill xmlns:a14="http://schemas.microsoft.com/office/drawing/2010/main">
+                <a:solidFill>
+                  <a:srgbClr val="FFFFFF"/>
+                </a:solidFill>
+              </a14:hiddenFill>
+            </a:ext>
+          </a:extLst>
+        </p:spPr>
+      </p:pic>
+      <p:pic>
+        <p:nvPicPr>
+          <p:cNvPr id="1030" name="Picture 6" descr="Universal AR | PlayCanvas">
+            <a:extLst>
+              <a:ext uri="{FF2B5EF4-FFF2-40B4-BE49-F238E27FC236}">
+                <a16:creationId xmlns:a16="http://schemas.microsoft.com/office/drawing/2014/main" id="{BF8FCEBB-D40A-E53C-1FFD-788FFCB5B01C}"/>
+              </a:ext>
+            </a:extLst>
+          </p:cNvPr>
+          <p:cNvPicPr>
+            <a:picLocks noChangeAspect="1" noChangeArrowheads="1"/>
+          </p:cNvPicPr>
+          <p:nvPr/>
+        </p:nvPicPr>
+        <p:blipFill>
+          <a:blip r:embed="rId4">
+            <a:extLst>
+              <a:ext uri="{28A0092B-C50C-407E-A947-70E740481C1C}">
+                <a14:useLocalDpi xmlns:a14="http://schemas.microsoft.com/office/drawing/2010/main" val="0"/>
+              </a:ext>
+            </a:extLst>
+          </a:blip>
+          <a:srcRect/>
+          <a:stretch>
+            <a:fillRect/>
+          </a:stretch>
+        </p:blipFill>
+        <p:spPr bwMode="auto">
+          <a:xfrm>
+            <a:off x="6509766" y="5380909"/>
+            <a:ext cx="3112559" cy="585631"/>
+          </a:xfrm>
+          <a:prstGeom prst="rect">
+            <a:avLst/>
+          </a:prstGeom>
+          <a:noFill/>
+          <a:extLst>
+            <a:ext uri="{909E8E84-426E-40DD-AFC4-6F175D3DCCD1}">
+              <a14:hiddenFill xmlns:a14="http://schemas.microsoft.com/office/drawing/2010/main">
+                <a:solidFill>
+                  <a:srgbClr val="FFFFFF"/>
+                </a:solidFill>
+              </a14:hiddenFill>
+            </a:ext>
+          </a:extLst>
+        </p:spPr>
+      </p:pic>
+    </p:spTree>
+    <p:extLst>
+      <p:ext uri="{BB962C8B-B14F-4D97-AF65-F5344CB8AC3E}">
+        <p14:creationId xmlns:p14="http://schemas.microsoft.com/office/powerpoint/2010/main" val="1705518068"/>
+      </p:ext>
+    </p:extLst>
+  </p:cSld>
+  <p:clrMapOvr>
+    <a:masterClrMapping/>
+  </p:clrMapOvr>
+</p:sld>
+</file>
+
+<file path=ppt/slides/slide6.xml><?xml version="1.0" encoding="utf-8"?>
+<p:sld xmlns:a="http://schemas.openxmlformats.org/drawingml/2006/main" xmlns:r="http://schemas.openxmlformats.org/officeDocument/2006/relationships" xmlns:p="http://schemas.openxmlformats.org/presentationml/2006/main">
+  <p:cSld>
+    <p:spTree>
+      <p:nvGrpSpPr>
+        <p:cNvPr id="1" name=""/>
+        <p:cNvGrpSpPr/>
+        <p:nvPr/>
+      </p:nvGrpSpPr>
+      <p:grpSpPr>
+        <a:xfrm>
+          <a:off x="0" y="0"/>
+          <a:ext cx="0" cy="0"/>
+          <a:chOff x="0" y="0"/>
+          <a:chExt cx="0" cy="0"/>
+        </a:xfrm>
+      </p:grpSpPr>
+      <p:sp>
+        <p:nvSpPr>
+          <p:cNvPr id="2" name="Title 1">
+            <a:extLst>
+              <a:ext uri="{FF2B5EF4-FFF2-40B4-BE49-F238E27FC236}">
+                <a16:creationId xmlns:a16="http://schemas.microsoft.com/office/drawing/2014/main" id="{D2727DEA-8531-94E8-197E-6B329A024FD7}"/>
+              </a:ext>
+            </a:extLst>
+          </p:cNvPr>
+          <p:cNvSpPr>
+            <a:spLocks noGrp="1"/>
+          </p:cNvSpPr>
+          <p:nvPr>
+            <p:ph type="title"/>
+          </p:nvPr>
+        </p:nvSpPr>
+        <p:spPr/>
+        <p:txBody>
+          <a:bodyPr/>
+          <a:lstStyle/>
+          <a:p>
+            <a:r>
+              <a:rPr lang="en-US" dirty="0" err="1"/>
+              <a:t>AssemblAR</a:t>
+            </a:r>
+            <a:r>
+              <a:rPr lang="en-US" dirty="0"/>
+              <a:t> Server (Django)</a:t>
+            </a:r>
+          </a:p>
+        </p:txBody>
+      </p:sp>
+      <p:sp>
+        <p:nvSpPr>
+          <p:cNvPr id="3" name="Content Placeholder 2">
+            <a:extLst>
+              <a:ext uri="{FF2B5EF4-FFF2-40B4-BE49-F238E27FC236}">
+                <a16:creationId xmlns:a16="http://schemas.microsoft.com/office/drawing/2014/main" id="{5501AE18-5F41-6C81-F8D2-CBED592B9707}"/>
+              </a:ext>
+            </a:extLst>
+          </p:cNvPr>
+          <p:cNvSpPr>
+            <a:spLocks noGrp="1"/>
+          </p:cNvSpPr>
+          <p:nvPr>
+            <p:ph idx="1"/>
+          </p:nvPr>
+        </p:nvSpPr>
+        <p:spPr>
+          <a:xfrm>
+            <a:off x="838200" y="1825625"/>
+            <a:ext cx="6531321" cy="4351338"/>
+          </a:xfrm>
+        </p:spPr>
+        <p:txBody>
+          <a:bodyPr>
+            <a:normAutofit lnSpcReduction="10000"/>
+          </a:bodyPr>
+          <a:lstStyle/>
+          <a:p>
+            <a:r>
+              <a:rPr lang="en-US" dirty="0"/>
+              <a:t>Serves as the main backend component</a:t>
+            </a:r>
+          </a:p>
+          <a:p>
+            <a:r>
+              <a:rPr lang="en-US" dirty="0"/>
+              <a:t>Built with Django</a:t>
+            </a:r>
+          </a:p>
+          <a:p>
+            <a:pPr lvl="1"/>
+            <a:r>
+              <a:rPr lang="en-US" dirty="0"/>
+              <a:t>Python web framework</a:t>
+            </a:r>
+          </a:p>
+          <a:p>
+            <a:pPr lvl="1"/>
+            <a:r>
+              <a:rPr lang="en-US" dirty="0"/>
+              <a:t>Interacts with databases through Python instead of raw SQL</a:t>
+            </a:r>
+          </a:p>
+          <a:p>
+            <a:pPr lvl="1"/>
+            <a:r>
+              <a:rPr lang="en-US" dirty="0"/>
+              <a:t>Built-in authentication</a:t>
+            </a:r>
+          </a:p>
+          <a:p>
+            <a:pPr lvl="1"/>
+            <a:r>
+              <a:rPr lang="en-US" dirty="0"/>
+              <a:t>Designed for scalability</a:t>
+            </a:r>
+          </a:p>
+          <a:p>
+            <a:r>
+              <a:rPr lang="en-US" dirty="0"/>
+              <a:t>Django REST Framework</a:t>
+            </a:r>
+          </a:p>
+          <a:p>
+            <a:pPr lvl="1"/>
+            <a:r>
+              <a:rPr lang="en-US" dirty="0"/>
+              <a:t>Extends Django functionality to expose database models as REST API</a:t>
+            </a:r>
+          </a:p>
+        </p:txBody>
+      </p:sp>
+      <p:pic>
+        <p:nvPicPr>
+          <p:cNvPr id="2050" name="Picture 2">
+            <a:extLst>
+              <a:ext uri="{FF2B5EF4-FFF2-40B4-BE49-F238E27FC236}">
+                <a16:creationId xmlns:a16="http://schemas.microsoft.com/office/drawing/2014/main" id="{B69EBBDD-98B2-88C4-C2C3-2A305E7B1C91}"/>
+              </a:ext>
+            </a:extLst>
+          </p:cNvPr>
+          <p:cNvPicPr>
+            <a:picLocks noChangeAspect="1" noChangeArrowheads="1"/>
+          </p:cNvPicPr>
+          <p:nvPr/>
+        </p:nvPicPr>
+        <p:blipFill>
+          <a:blip r:embed="rId2">
+            <a:extLst>
+              <a:ext uri="{28A0092B-C50C-407E-A947-70E740481C1C}">
+                <a14:useLocalDpi xmlns:a14="http://schemas.microsoft.com/office/drawing/2010/main" val="0"/>
+              </a:ext>
+            </a:extLst>
+          </a:blip>
+          <a:srcRect/>
+          <a:stretch>
+            <a:fillRect/>
+          </a:stretch>
+        </p:blipFill>
+        <p:spPr bwMode="auto">
+          <a:xfrm>
+            <a:off x="10048875" y="1265516"/>
+            <a:ext cx="1390650" cy="1525936"/>
+          </a:xfrm>
+          <a:prstGeom prst="rect">
+            <a:avLst/>
+          </a:prstGeom>
+          <a:noFill/>
+          <a:extLst>
+            <a:ext uri="{909E8E84-426E-40DD-AFC4-6F175D3DCCD1}">
+              <a14:hiddenFill xmlns:a14="http://schemas.microsoft.com/office/drawing/2010/main">
+                <a:solidFill>
+                  <a:srgbClr val="FFFFFF"/>
+                </a:solidFill>
+              </a14:hiddenFill>
+            </a:ext>
+          </a:extLst>
+        </p:spPr>
+      </p:pic>
+      <p:pic>
+        <p:nvPicPr>
+          <p:cNvPr id="2052" name="Picture 4" descr="Django Community | Django">
+            <a:extLst>
+              <a:ext uri="{FF2B5EF4-FFF2-40B4-BE49-F238E27FC236}">
+                <a16:creationId xmlns:a16="http://schemas.microsoft.com/office/drawing/2014/main" id="{C63690C3-6B43-2E34-C382-1FFCBB707419}"/>
+              </a:ext>
+            </a:extLst>
+          </p:cNvPr>
+          <p:cNvPicPr>
+            <a:picLocks noChangeAspect="1" noChangeArrowheads="1"/>
+          </p:cNvPicPr>
+          <p:nvPr/>
+        </p:nvPicPr>
+        <p:blipFill>
+          <a:blip r:embed="rId3">
+            <a:extLst>
+              <a:ext uri="{28A0092B-C50C-407E-A947-70E740481C1C}">
+                <a14:useLocalDpi xmlns:a14="http://schemas.microsoft.com/office/drawing/2010/main" val="0"/>
+              </a:ext>
+            </a:extLst>
+          </a:blip>
+          <a:srcRect/>
+          <a:stretch>
+            <a:fillRect/>
+          </a:stretch>
+        </p:blipFill>
+        <p:spPr bwMode="auto">
+          <a:xfrm>
+            <a:off x="7829550" y="3028760"/>
+            <a:ext cx="2914650" cy="1326166"/>
+          </a:xfrm>
+          <a:prstGeom prst="rect">
+            <a:avLst/>
+          </a:prstGeom>
+          <a:noFill/>
+          <a:extLst>
+            <a:ext uri="{909E8E84-426E-40DD-AFC4-6F175D3DCCD1}">
+              <a14:hiddenFill xmlns:a14="http://schemas.microsoft.com/office/drawing/2010/main">
+                <a:solidFill>
+                  <a:srgbClr val="FFFFFF"/>
+                </a:solidFill>
+              </a14:hiddenFill>
+            </a:ext>
+          </a:extLst>
+        </p:spPr>
+      </p:pic>
+      <p:pic>
+        <p:nvPicPr>
+          <p:cNvPr id="2054" name="Picture 6" descr="Rest API icon SVG Vector &amp; PNG Free Download | UXWing">
+            <a:extLst>
+              <a:ext uri="{FF2B5EF4-FFF2-40B4-BE49-F238E27FC236}">
+                <a16:creationId xmlns:a16="http://schemas.microsoft.com/office/drawing/2014/main" id="{6F4871B2-4E67-BBFF-49D4-724CCD722AC9}"/>
+              </a:ext>
+            </a:extLst>
+          </p:cNvPr>
+          <p:cNvPicPr>
+            <a:picLocks noChangeAspect="1" noChangeArrowheads="1"/>
+          </p:cNvPicPr>
+          <p:nvPr/>
+        </p:nvPicPr>
+        <p:blipFill>
+          <a:blip r:embed="rId4">
+            <a:extLst>
+              <a:ext uri="{28A0092B-C50C-407E-A947-70E740481C1C}">
+                <a14:useLocalDpi xmlns:a14="http://schemas.microsoft.com/office/drawing/2010/main" val="0"/>
+              </a:ext>
+            </a:extLst>
+          </a:blip>
+          <a:srcRect/>
+          <a:stretch>
+            <a:fillRect/>
+          </a:stretch>
+        </p:blipFill>
+        <p:spPr bwMode="auto">
+          <a:xfrm>
+            <a:off x="9110663" y="4443413"/>
+            <a:ext cx="2143125" cy="2143125"/>
+          </a:xfrm>
+          <a:prstGeom prst="rect">
+            <a:avLst/>
+          </a:prstGeom>
+          <a:noFill/>
+          <a:extLst>
+            <a:ext uri="{909E8E84-426E-40DD-AFC4-6F175D3DCCD1}">
+              <a14:hiddenFill xmlns:a14="http://schemas.microsoft.com/office/drawing/2010/main">
+                <a:solidFill>
+                  <a:srgbClr val="FFFFFF"/>
+                </a:solidFill>
+              </a14:hiddenFill>
+            </a:ext>
+          </a:extLst>
+        </p:spPr>
+      </p:pic>
+    </p:spTree>
+    <p:extLst>
+      <p:ext uri="{BB962C8B-B14F-4D97-AF65-F5344CB8AC3E}">
+        <p14:creationId xmlns:p14="http://schemas.microsoft.com/office/powerpoint/2010/main" val="58272356"/>
+      </p:ext>
+    </p:extLst>
+  </p:cSld>
+  <p:clrMapOvr>
+    <a:masterClrMapping/>
+  </p:clrMapOvr>
+</p:sld>
+</file>
+
+<file path=ppt/slides/slide7.xml><?xml version="1.0" encoding="utf-8"?>
+<p:sld xmlns:a="http://schemas.openxmlformats.org/drawingml/2006/main" xmlns:r="http://schemas.openxmlformats.org/officeDocument/2006/relationships" xmlns:p="http://schemas.openxmlformats.org/presentationml/2006/main">
+  <p:cSld>
+    <p:spTree>
+      <p:nvGrpSpPr>
+        <p:cNvPr id="1" name=""/>
+        <p:cNvGrpSpPr/>
+        <p:nvPr/>
+      </p:nvGrpSpPr>
+      <p:grpSpPr>
+        <a:xfrm>
+          <a:off x="0" y="0"/>
+          <a:ext cx="0" cy="0"/>
+          <a:chOff x="0" y="0"/>
+          <a:chExt cx="0" cy="0"/>
+        </a:xfrm>
+      </p:grpSpPr>
+      <p:sp>
+        <p:nvSpPr>
+          <p:cNvPr id="2" name="Title 1">
+            <a:extLst>
+              <a:ext uri="{FF2B5EF4-FFF2-40B4-BE49-F238E27FC236}">
+                <a16:creationId xmlns:a16="http://schemas.microsoft.com/office/drawing/2014/main" id="{A264E9B6-A9FF-44FE-D953-F7809B4F7889}"/>
+              </a:ext>
+            </a:extLst>
+          </p:cNvPr>
+          <p:cNvSpPr>
+            <a:spLocks noGrp="1"/>
+          </p:cNvSpPr>
+          <p:nvPr>
+            <p:ph type="title"/>
+          </p:nvPr>
+        </p:nvSpPr>
+        <p:spPr/>
+        <p:txBody>
+          <a:bodyPr/>
+          <a:lstStyle/>
+          <a:p>
+            <a:r>
+              <a:rPr lang="en-US" dirty="0"/>
+              <a:t>PostgreSQL</a:t>
+            </a:r>
+          </a:p>
+        </p:txBody>
+      </p:sp>
+      <p:sp>
+        <p:nvSpPr>
+          <p:cNvPr id="3" name="Content Placeholder 2">
+            <a:extLst>
+              <a:ext uri="{FF2B5EF4-FFF2-40B4-BE49-F238E27FC236}">
+                <a16:creationId xmlns:a16="http://schemas.microsoft.com/office/drawing/2014/main" id="{08F895F1-DF04-75DF-EDC2-60C0AB61F20E}"/>
+              </a:ext>
+            </a:extLst>
+          </p:cNvPr>
+          <p:cNvSpPr>
+            <a:spLocks noGrp="1"/>
+          </p:cNvSpPr>
+          <p:nvPr>
+            <p:ph idx="1"/>
+          </p:nvPr>
+        </p:nvSpPr>
+        <p:spPr>
+          <a:xfrm>
+            <a:off x="838200" y="1825625"/>
+            <a:ext cx="7048500" cy="4351338"/>
+          </a:xfrm>
+        </p:spPr>
+        <p:txBody>
+          <a:bodyPr/>
+          <a:lstStyle/>
+          <a:p>
+            <a:r>
+              <a:rPr lang="en-US" dirty="0"/>
+              <a:t>Open-source relational database</a:t>
+            </a:r>
+          </a:p>
+          <a:p>
+            <a:r>
+              <a:rPr lang="en-US" dirty="0"/>
+              <a:t>Stores all relational data</a:t>
+            </a:r>
+          </a:p>
+          <a:p>
+            <a:r>
+              <a:rPr lang="en-US" dirty="0"/>
+              <a:t>Built-in replication and scalability features</a:t>
+            </a:r>
+          </a:p>
+        </p:txBody>
+      </p:sp>
+      <p:pic>
+        <p:nvPicPr>
+          <p:cNvPr id="3074" name="Picture 2" descr="Getting Started With PostgreSQL. There are numerous different types of… |  by Alex Mitrani | Medium">
+            <a:extLst>
+              <a:ext uri="{FF2B5EF4-FFF2-40B4-BE49-F238E27FC236}">
+                <a16:creationId xmlns:a16="http://schemas.microsoft.com/office/drawing/2014/main" id="{E9F5A64A-03A3-383F-8D0D-18908860C74A}"/>
+              </a:ext>
+            </a:extLst>
+          </p:cNvPr>
+          <p:cNvPicPr>
+            <a:picLocks noChangeAspect="1" noChangeArrowheads="1"/>
+          </p:cNvPicPr>
+          <p:nvPr/>
+        </p:nvPicPr>
+        <p:blipFill>
+          <a:blip r:embed="rId2">
+            <a:extLst>
+              <a:ext uri="{28A0092B-C50C-407E-A947-70E740481C1C}">
+                <a14:useLocalDpi xmlns:a14="http://schemas.microsoft.com/office/drawing/2010/main" val="0"/>
+              </a:ext>
+            </a:extLst>
+          </a:blip>
+          <a:srcRect/>
+          <a:stretch>
+            <a:fillRect/>
+          </a:stretch>
+        </p:blipFill>
+        <p:spPr bwMode="auto">
+          <a:xfrm>
+            <a:off x="8230790" y="1690688"/>
+            <a:ext cx="3123010" cy="1433513"/>
+          </a:xfrm>
+          <a:prstGeom prst="rect">
+            <a:avLst/>
+          </a:prstGeom>
+          <a:noFill/>
+          <a:extLst>
+            <a:ext uri="{909E8E84-426E-40DD-AFC4-6F175D3DCCD1}">
+              <a14:hiddenFill xmlns:a14="http://schemas.microsoft.com/office/drawing/2010/main">
+                <a:solidFill>
+                  <a:srgbClr val="FFFFFF"/>
+                </a:solidFill>
+              </a14:hiddenFill>
+            </a:ext>
+          </a:extLst>
+        </p:spPr>
+      </p:pic>
+    </p:spTree>
+    <p:extLst>
+      <p:ext uri="{BB962C8B-B14F-4D97-AF65-F5344CB8AC3E}">
+        <p14:creationId xmlns:p14="http://schemas.microsoft.com/office/powerpoint/2010/main" val="3863727453"/>
+      </p:ext>
+    </p:extLst>
+  </p:cSld>
+  <p:clrMapOvr>
+    <a:masterClrMapping/>
+  </p:clrMapOvr>
+</p:sld>
+</file>
+
+<file path=ppt/slides/slide8.xml><?xml version="1.0" encoding="utf-8"?>
+<p:sld xmlns:a="http://schemas.openxmlformats.org/drawingml/2006/main" xmlns:r="http://schemas.openxmlformats.org/officeDocument/2006/relationships" xmlns:p="http://schemas.openxmlformats.org/presentationml/2006/main">
+  <p:cSld>
+    <p:spTree>
+      <p:nvGrpSpPr>
+        <p:cNvPr id="1" name=""/>
+        <p:cNvGrpSpPr/>
+        <p:nvPr/>
+      </p:nvGrpSpPr>
+      <p:grpSpPr>
+        <a:xfrm>
+          <a:off x="0" y="0"/>
+          <a:ext cx="0" cy="0"/>
+          <a:chOff x="0" y="0"/>
+          <a:chExt cx="0" cy="0"/>
+        </a:xfrm>
+      </p:grpSpPr>
+      <p:sp>
+        <p:nvSpPr>
+          <p:cNvPr id="2" name="Title 1">
+            <a:extLst>
+              <a:ext uri="{FF2B5EF4-FFF2-40B4-BE49-F238E27FC236}">
+                <a16:creationId xmlns:a16="http://schemas.microsoft.com/office/drawing/2014/main" id="{0F5DBC59-80CF-EF3E-6B85-AB0E613762E9}"/>
+              </a:ext>
+            </a:extLst>
+          </p:cNvPr>
+          <p:cNvSpPr>
+            <a:spLocks noGrp="1"/>
+          </p:cNvSpPr>
+          <p:nvPr>
+            <p:ph type="title"/>
+          </p:nvPr>
+        </p:nvSpPr>
+        <p:spPr/>
+        <p:txBody>
+          <a:bodyPr/>
+          <a:lstStyle/>
+          <a:p>
+            <a:r>
+              <a:rPr lang="en-US" dirty="0"/>
+              <a:t>PostgreSQL Entity Relationship Diagram</a:t>
+            </a:r>
+          </a:p>
+        </p:txBody>
+      </p:sp>
+      <p:graphicFrame>
+        <p:nvGraphicFramePr>
+          <p:cNvPr id="6" name="Table 5">
+            <a:extLst>
+              <a:ext uri="{FF2B5EF4-FFF2-40B4-BE49-F238E27FC236}">
+                <a16:creationId xmlns:a16="http://schemas.microsoft.com/office/drawing/2014/main" id="{22D46771-5D2D-1BEF-8330-983BB7BB5B2A}"/>
+              </a:ext>
+            </a:extLst>
+          </p:cNvPr>
+          <p:cNvGraphicFramePr>
+            <a:graphicFrameLocks noGrp="1"/>
+          </p:cNvGraphicFramePr>
+          <p:nvPr>
+            <p:extLst>
+              <p:ext uri="{D42A27DB-BD31-4B8C-83A1-F6EECF244321}">
+                <p14:modId xmlns:p14="http://schemas.microsoft.com/office/powerpoint/2010/main" val="3329797629"/>
+              </p:ext>
+            </p:extLst>
+          </p:nvPr>
+        </p:nvGraphicFramePr>
+        <p:xfrm>
+          <a:off x="838200" y="1690688"/>
+          <a:ext cx="1506648" cy="1112520"/>
+        </p:xfrm>
+        <a:graphic>
+          <a:graphicData uri="http://schemas.openxmlformats.org/drawingml/2006/table">
+            <a:tbl>
+              <a:tblPr firstRow="1" bandRow="1">
+                <a:tableStyleId>{5C22544A-7EE6-4342-B048-85BDC9FD1C3A}</a:tableStyleId>
+              </a:tblPr>
+              <a:tblGrid>
+                <a:gridCol w="1506648">
+                  <a:extLst>
+                    <a:ext uri="{9D8B030D-6E8A-4147-A177-3AD203B41FA5}">
+                      <a16:colId xmlns:a16="http://schemas.microsoft.com/office/drawing/2014/main" val="4176019327"/>
+                    </a:ext>
+                  </a:extLst>
+                </a:gridCol>
+              </a:tblGrid>
+              <a:tr h="370840">
+                <a:tc>
+                  <a:txBody>
+                    <a:bodyPr/>
+                    <a:lstStyle/>
+                    <a:p>
+                      <a:r>
+                        <a:rPr lang="en-US" dirty="0"/>
+                        <a:t>organization</a:t>
+                      </a:r>
+                    </a:p>
+                  </a:txBody>
+                  <a:tcPr/>
+                </a:tc>
+                <a:extLst>
+                  <a:ext uri="{0D108BD9-81ED-4DB2-BD59-A6C34878D82A}">
+                    <a16:rowId xmlns:a16="http://schemas.microsoft.com/office/drawing/2014/main" val="2343903487"/>
+                  </a:ext>
+                </a:extLst>
+              </a:tr>
+              <a:tr h="370840">
+                <a:tc>
+                  <a:txBody>
+                    <a:bodyPr/>
+                    <a:lstStyle/>
+                    <a:p>
+                      <a:r>
+                        <a:rPr lang="en-US" dirty="0"/>
+                        <a:t>id</a:t>
+                      </a:r>
+                    </a:p>
+                  </a:txBody>
+                  <a:tcPr/>
+                </a:tc>
+                <a:extLst>
+                  <a:ext uri="{0D108BD9-81ED-4DB2-BD59-A6C34878D82A}">
+                    <a16:rowId xmlns:a16="http://schemas.microsoft.com/office/drawing/2014/main" val="3482525898"/>
+                  </a:ext>
+                </a:extLst>
+              </a:tr>
+              <a:tr h="370840">
+                <a:tc>
+                  <a:txBody>
+                    <a:bodyPr/>
+                    <a:lstStyle/>
+                    <a:p>
+                      <a:r>
+                        <a:rPr lang="en-US" dirty="0"/>
+                        <a:t>name</a:t>
+                      </a:r>
+                    </a:p>
+                  </a:txBody>
+                  <a:tcPr/>
+                </a:tc>
+                <a:extLst>
+                  <a:ext uri="{0D108BD9-81ED-4DB2-BD59-A6C34878D82A}">
+                    <a16:rowId xmlns:a16="http://schemas.microsoft.com/office/drawing/2014/main" val="718557021"/>
+                  </a:ext>
+                </a:extLst>
+              </a:tr>
+            </a:tbl>
+          </a:graphicData>
+        </a:graphic>
+      </p:graphicFrame>
+      <p:graphicFrame>
+        <p:nvGraphicFramePr>
+          <p:cNvPr id="7" name="Table 6">
+            <a:extLst>
+              <a:ext uri="{FF2B5EF4-FFF2-40B4-BE49-F238E27FC236}">
+                <a16:creationId xmlns:a16="http://schemas.microsoft.com/office/drawing/2014/main" id="{61F9FC46-F8F4-ED48-EC68-6FC2D31F66B1}"/>
+              </a:ext>
+            </a:extLst>
+          </p:cNvPr>
+          <p:cNvGraphicFramePr>
+            <a:graphicFrameLocks noGrp="1"/>
+          </p:cNvGraphicFramePr>
+          <p:nvPr>
+            <p:extLst>
+              <p:ext uri="{D42A27DB-BD31-4B8C-83A1-F6EECF244321}">
+                <p14:modId xmlns:p14="http://schemas.microsoft.com/office/powerpoint/2010/main" val="313416011"/>
+              </p:ext>
+            </p:extLst>
+          </p:nvPr>
+        </p:nvGraphicFramePr>
+        <p:xfrm>
+          <a:off x="3525571" y="1690688"/>
+          <a:ext cx="1797867" cy="1537605"/>
+        </p:xfrm>
+        <a:graphic>
+          <a:graphicData uri="http://schemas.openxmlformats.org/drawingml/2006/table">
+            <a:tbl>
+              <a:tblPr firstRow="1" bandRow="1">
+                <a:tableStyleId>{5C22544A-7EE6-4342-B048-85BDC9FD1C3A}</a:tableStyleId>
+              </a:tblPr>
+              <a:tblGrid>
+                <a:gridCol w="1797867">
+                  <a:extLst>
+                    <a:ext uri="{9D8B030D-6E8A-4147-A177-3AD203B41FA5}">
+                      <a16:colId xmlns:a16="http://schemas.microsoft.com/office/drawing/2014/main" val="4176019327"/>
+                    </a:ext>
+                  </a:extLst>
+                </a:gridCol>
+              </a:tblGrid>
+              <a:tr h="425085">
+                <a:tc>
+                  <a:txBody>
+                    <a:bodyPr/>
+                    <a:lstStyle/>
+                    <a:p>
+                      <a:r>
+                        <a:rPr lang="en-US" dirty="0" err="1"/>
+                        <a:t>instruction_set</a:t>
+                      </a:r>
+                      <a:endParaRPr lang="en-US" dirty="0"/>
+                    </a:p>
+                  </a:txBody>
+                  <a:tcPr/>
+                </a:tc>
+                <a:extLst>
+                  <a:ext uri="{0D108BD9-81ED-4DB2-BD59-A6C34878D82A}">
+                    <a16:rowId xmlns:a16="http://schemas.microsoft.com/office/drawing/2014/main" val="2343903487"/>
+                  </a:ext>
+                </a:extLst>
+              </a:tr>
+              <a:tr h="370840">
+                <a:tc>
+                  <a:txBody>
+                    <a:bodyPr/>
+                    <a:lstStyle/>
+                    <a:p>
+                      <a:r>
+                        <a:rPr lang="en-US" dirty="0"/>
+                        <a:t>id</a:t>
+                      </a:r>
+                    </a:p>
+                  </a:txBody>
+                  <a:tcPr/>
+                </a:tc>
+                <a:extLst>
+                  <a:ext uri="{0D108BD9-81ED-4DB2-BD59-A6C34878D82A}">
+                    <a16:rowId xmlns:a16="http://schemas.microsoft.com/office/drawing/2014/main" val="3482525898"/>
+                  </a:ext>
+                </a:extLst>
+              </a:tr>
+              <a:tr h="370840">
+                <a:tc>
+                  <a:txBody>
+                    <a:bodyPr/>
+                    <a:lstStyle/>
+                    <a:p>
+                      <a:r>
+                        <a:rPr lang="en-US" dirty="0"/>
+                        <a:t>organization</a:t>
+                      </a:r>
+                    </a:p>
+                  </a:txBody>
+                  <a:tcPr/>
+                </a:tc>
+                <a:extLst>
+                  <a:ext uri="{0D108BD9-81ED-4DB2-BD59-A6C34878D82A}">
+                    <a16:rowId xmlns:a16="http://schemas.microsoft.com/office/drawing/2014/main" val="718557021"/>
+                  </a:ext>
+                </a:extLst>
+              </a:tr>
+              <a:tr h="370840">
+                <a:tc>
+                  <a:txBody>
+                    <a:bodyPr/>
+                    <a:lstStyle/>
+                    <a:p>
+                      <a:r>
+                        <a:rPr lang="en-US" dirty="0"/>
+                        <a:t>name</a:t>
+                      </a:r>
+                    </a:p>
+                  </a:txBody>
+                  <a:tcPr/>
+                </a:tc>
+                <a:extLst>
+                  <a:ext uri="{0D108BD9-81ED-4DB2-BD59-A6C34878D82A}">
+                    <a16:rowId xmlns:a16="http://schemas.microsoft.com/office/drawing/2014/main" val="3940063113"/>
+                  </a:ext>
+                </a:extLst>
+              </a:tr>
+            </a:tbl>
+          </a:graphicData>
+        </a:graphic>
+      </p:graphicFrame>
+      <p:graphicFrame>
+        <p:nvGraphicFramePr>
+          <p:cNvPr id="8" name="Table 7">
+            <a:extLst>
+              <a:ext uri="{FF2B5EF4-FFF2-40B4-BE49-F238E27FC236}">
+                <a16:creationId xmlns:a16="http://schemas.microsoft.com/office/drawing/2014/main" id="{369BB4D5-615D-917E-97C7-EA2EE1C5F0DB}"/>
+              </a:ext>
+            </a:extLst>
+          </p:cNvPr>
+          <p:cNvGraphicFramePr>
+            <a:graphicFrameLocks noGrp="1"/>
+          </p:cNvGraphicFramePr>
+          <p:nvPr>
+            <p:extLst>
+              <p:ext uri="{D42A27DB-BD31-4B8C-83A1-F6EECF244321}">
+                <p14:modId xmlns:p14="http://schemas.microsoft.com/office/powerpoint/2010/main" val="3837660738"/>
+              </p:ext>
+            </p:extLst>
+          </p:nvPr>
+        </p:nvGraphicFramePr>
+        <p:xfrm>
+          <a:off x="6096000" y="1690688"/>
+          <a:ext cx="1961205" cy="4133485"/>
+        </p:xfrm>
+        <a:graphic>
+          <a:graphicData uri="http://schemas.openxmlformats.org/drawingml/2006/table">
+            <a:tbl>
+              <a:tblPr firstRow="1" bandRow="1">
+                <a:tableStyleId>{5C22544A-7EE6-4342-B048-85BDC9FD1C3A}</a:tableStyleId>
+              </a:tblPr>
+              <a:tblGrid>
+                <a:gridCol w="1961205">
+                  <a:extLst>
+                    <a:ext uri="{9D8B030D-6E8A-4147-A177-3AD203B41FA5}">
+                      <a16:colId xmlns:a16="http://schemas.microsoft.com/office/drawing/2014/main" val="4176019327"/>
+                    </a:ext>
+                  </a:extLst>
+                </a:gridCol>
+              </a:tblGrid>
+              <a:tr h="425085">
+                <a:tc>
+                  <a:txBody>
+                    <a:bodyPr/>
+                    <a:lstStyle/>
+                    <a:p>
+                      <a:r>
+                        <a:rPr lang="en-US" dirty="0" err="1"/>
+                        <a:t>instruction_step</a:t>
+                      </a:r>
+                      <a:endParaRPr lang="en-US" dirty="0"/>
+                    </a:p>
+                  </a:txBody>
+                  <a:tcPr/>
+                </a:tc>
+                <a:extLst>
+                  <a:ext uri="{0D108BD9-81ED-4DB2-BD59-A6C34878D82A}">
+                    <a16:rowId xmlns:a16="http://schemas.microsoft.com/office/drawing/2014/main" val="2343903487"/>
+                  </a:ext>
+                </a:extLst>
+              </a:tr>
+              <a:tr h="370840">
+                <a:tc>
+                  <a:txBody>
+                    <a:bodyPr/>
+                    <a:lstStyle/>
+                    <a:p>
+                      <a:r>
+                        <a:rPr lang="en-US" dirty="0"/>
+                        <a:t>id</a:t>
+                      </a:r>
+                    </a:p>
+                  </a:txBody>
+                  <a:tcPr/>
+                </a:tc>
+                <a:extLst>
+                  <a:ext uri="{0D108BD9-81ED-4DB2-BD59-A6C34878D82A}">
+                    <a16:rowId xmlns:a16="http://schemas.microsoft.com/office/drawing/2014/main" val="3482525898"/>
+                  </a:ext>
+                </a:extLst>
+              </a:tr>
+              <a:tr h="370840">
+                <a:tc>
+                  <a:txBody>
+                    <a:bodyPr/>
+                    <a:lstStyle/>
+                    <a:p>
+                      <a:r>
+                        <a:rPr lang="en-US" dirty="0" err="1"/>
+                        <a:t>instruction_step</a:t>
+                      </a:r>
+                      <a:endParaRPr lang="en-US" dirty="0"/>
+                    </a:p>
+                  </a:txBody>
+                  <a:tcPr/>
+                </a:tc>
+                <a:extLst>
+                  <a:ext uri="{0D108BD9-81ED-4DB2-BD59-A6C34878D82A}">
+                    <a16:rowId xmlns:a16="http://schemas.microsoft.com/office/drawing/2014/main" val="718557021"/>
+                  </a:ext>
+                </a:extLst>
+              </a:tr>
+              <a:tr h="370840">
+                <a:tc>
+                  <a:txBody>
+                    <a:bodyPr/>
+                    <a:lstStyle/>
+                    <a:p>
+                      <a:r>
+                        <a:rPr lang="en-US" dirty="0"/>
+                        <a:t>sequence</a:t>
+                      </a:r>
+                    </a:p>
+                  </a:txBody>
+                  <a:tcPr/>
+                </a:tc>
+                <a:extLst>
+                  <a:ext uri="{0D108BD9-81ED-4DB2-BD59-A6C34878D82A}">
+                    <a16:rowId xmlns:a16="http://schemas.microsoft.com/office/drawing/2014/main" val="3940063113"/>
+                  </a:ext>
+                </a:extLst>
+              </a:tr>
+              <a:tr h="370840">
+                <a:tc>
+                  <a:txBody>
+                    <a:bodyPr/>
+                    <a:lstStyle/>
+                    <a:p>
+                      <a:r>
+                        <a:rPr lang="en-US" dirty="0"/>
+                        <a:t>text</a:t>
+                      </a:r>
+                    </a:p>
+                  </a:txBody>
+                  <a:tcPr/>
+                </a:tc>
+                <a:extLst>
+                  <a:ext uri="{0D108BD9-81ED-4DB2-BD59-A6C34878D82A}">
+                    <a16:rowId xmlns:a16="http://schemas.microsoft.com/office/drawing/2014/main" val="1225643948"/>
+                  </a:ext>
+                </a:extLst>
+              </a:tr>
+              <a:tr h="370840">
+                <a:tc>
+                  <a:txBody>
+                    <a:bodyPr/>
+                    <a:lstStyle/>
+                    <a:p>
+                      <a:r>
+                        <a:rPr lang="en-US" dirty="0"/>
+                        <a:t>part</a:t>
+                      </a:r>
+                    </a:p>
+                  </a:txBody>
+                  <a:tcPr/>
+                </a:tc>
+                <a:extLst>
+                  <a:ext uri="{0D108BD9-81ED-4DB2-BD59-A6C34878D82A}">
+                    <a16:rowId xmlns:a16="http://schemas.microsoft.com/office/drawing/2014/main" val="2890397167"/>
+                  </a:ext>
+                </a:extLst>
+              </a:tr>
+              <a:tr h="370840">
+                <a:tc>
+                  <a:txBody>
+                    <a:bodyPr/>
+                    <a:lstStyle/>
+                    <a:p>
+                      <a:r>
+                        <a:rPr lang="en-US" dirty="0" err="1"/>
+                        <a:t>initial_position</a:t>
+                      </a:r>
+                      <a:endParaRPr lang="en-US" dirty="0"/>
+                    </a:p>
+                  </a:txBody>
+                  <a:tcPr/>
+                </a:tc>
+                <a:extLst>
+                  <a:ext uri="{0D108BD9-81ED-4DB2-BD59-A6C34878D82A}">
+                    <a16:rowId xmlns:a16="http://schemas.microsoft.com/office/drawing/2014/main" val="565044946"/>
+                  </a:ext>
+                </a:extLst>
+              </a:tr>
+              <a:tr h="370840">
+                <a:tc>
+                  <a:txBody>
+                    <a:bodyPr/>
+                    <a:lstStyle/>
+                    <a:p>
+                      <a:r>
+                        <a:rPr lang="en-US" dirty="0" err="1"/>
+                        <a:t>end_position</a:t>
+                      </a:r>
+                      <a:endParaRPr lang="en-US" dirty="0"/>
+                    </a:p>
+                  </a:txBody>
+                  <a:tcPr/>
+                </a:tc>
+                <a:extLst>
+                  <a:ext uri="{0D108BD9-81ED-4DB2-BD59-A6C34878D82A}">
+                    <a16:rowId xmlns:a16="http://schemas.microsoft.com/office/drawing/2014/main" val="3802899709"/>
+                  </a:ext>
+                </a:extLst>
+              </a:tr>
+              <a:tr h="370840">
+                <a:tc>
+                  <a:txBody>
+                    <a:bodyPr/>
+                    <a:lstStyle/>
+                    <a:p>
+                      <a:r>
+                        <a:rPr lang="en-US" dirty="0" err="1"/>
+                        <a:t>initial_rotation</a:t>
+                      </a:r>
+                      <a:endParaRPr lang="en-US" dirty="0"/>
+                    </a:p>
+                  </a:txBody>
+                  <a:tcPr/>
+                </a:tc>
+                <a:extLst>
+                  <a:ext uri="{0D108BD9-81ED-4DB2-BD59-A6C34878D82A}">
+                    <a16:rowId xmlns:a16="http://schemas.microsoft.com/office/drawing/2014/main" val="481437463"/>
+                  </a:ext>
+                </a:extLst>
+              </a:tr>
+              <a:tr h="370840">
+                <a:tc>
+                  <a:txBody>
+                    <a:bodyPr/>
+                    <a:lstStyle/>
+                    <a:p>
+                      <a:r>
+                        <a:rPr lang="en-US" dirty="0" err="1"/>
+                        <a:t>end_rotation</a:t>
+                      </a:r>
+                      <a:endParaRPr lang="en-US" dirty="0"/>
+                    </a:p>
+                  </a:txBody>
+                  <a:tcPr/>
+                </a:tc>
+                <a:extLst>
+                  <a:ext uri="{0D108BD9-81ED-4DB2-BD59-A6C34878D82A}">
+                    <a16:rowId xmlns:a16="http://schemas.microsoft.com/office/drawing/2014/main" val="3165146257"/>
+                  </a:ext>
+                </a:extLst>
+              </a:tr>
+              <a:tr h="370840">
+                <a:tc>
+                  <a:txBody>
+                    <a:bodyPr/>
+                    <a:lstStyle/>
+                    <a:p>
+                      <a:r>
+                        <a:rPr lang="en-US" dirty="0"/>
+                        <a:t>scale</a:t>
+                      </a:r>
+                    </a:p>
+                  </a:txBody>
+                  <a:tcPr/>
+                </a:tc>
+                <a:extLst>
+                  <a:ext uri="{0D108BD9-81ED-4DB2-BD59-A6C34878D82A}">
+                    <a16:rowId xmlns:a16="http://schemas.microsoft.com/office/drawing/2014/main" val="3640862392"/>
+                  </a:ext>
+                </a:extLst>
+              </a:tr>
+            </a:tbl>
+          </a:graphicData>
+        </a:graphic>
+      </p:graphicFrame>
+      <p:graphicFrame>
+        <p:nvGraphicFramePr>
+          <p:cNvPr id="9" name="Table 8">
+            <a:extLst>
+              <a:ext uri="{FF2B5EF4-FFF2-40B4-BE49-F238E27FC236}">
+                <a16:creationId xmlns:a16="http://schemas.microsoft.com/office/drawing/2014/main" id="{E8929F03-F46C-AFFC-AB6A-BB6720260770}"/>
+              </a:ext>
+            </a:extLst>
+          </p:cNvPr>
+          <p:cNvGraphicFramePr>
+            <a:graphicFrameLocks noGrp="1"/>
+          </p:cNvGraphicFramePr>
+          <p:nvPr>
+            <p:extLst>
+              <p:ext uri="{D42A27DB-BD31-4B8C-83A1-F6EECF244321}">
+                <p14:modId xmlns:p14="http://schemas.microsoft.com/office/powerpoint/2010/main" val="3625628963"/>
+              </p:ext>
+            </p:extLst>
+          </p:nvPr>
+        </p:nvGraphicFramePr>
+        <p:xfrm>
+          <a:off x="3525570" y="3925385"/>
+          <a:ext cx="1797867" cy="1908445"/>
+        </p:xfrm>
+        <a:graphic>
+          <a:graphicData uri="http://schemas.openxmlformats.org/drawingml/2006/table">
+            <a:tbl>
+              <a:tblPr firstRow="1" bandRow="1">
+                <a:tableStyleId>{5C22544A-7EE6-4342-B048-85BDC9FD1C3A}</a:tableStyleId>
+              </a:tblPr>
+              <a:tblGrid>
+                <a:gridCol w="1797867">
+                  <a:extLst>
+                    <a:ext uri="{9D8B030D-6E8A-4147-A177-3AD203B41FA5}">
+                      <a16:colId xmlns:a16="http://schemas.microsoft.com/office/drawing/2014/main" val="4176019327"/>
+                    </a:ext>
+                  </a:extLst>
+                </a:gridCol>
+              </a:tblGrid>
+              <a:tr h="425085">
+                <a:tc>
+                  <a:txBody>
+                    <a:bodyPr/>
+                    <a:lstStyle/>
+                    <a:p>
+                      <a:r>
+                        <a:rPr lang="en-US" dirty="0"/>
+                        <a:t>part</a:t>
+                      </a:r>
+                    </a:p>
+                  </a:txBody>
+                  <a:tcPr/>
+                </a:tc>
+                <a:extLst>
+                  <a:ext uri="{0D108BD9-81ED-4DB2-BD59-A6C34878D82A}">
+                    <a16:rowId xmlns:a16="http://schemas.microsoft.com/office/drawing/2014/main" val="2343903487"/>
+                  </a:ext>
+                </a:extLst>
+              </a:tr>
+              <a:tr h="370840">
+                <a:tc>
+                  <a:txBody>
+                    <a:bodyPr/>
+                    <a:lstStyle/>
+                    <a:p>
+                      <a:r>
+                        <a:rPr lang="en-US" dirty="0"/>
+                        <a:t>id</a:t>
+                      </a:r>
+                    </a:p>
+                  </a:txBody>
+                  <a:tcPr/>
+                </a:tc>
+                <a:extLst>
+                  <a:ext uri="{0D108BD9-81ED-4DB2-BD59-A6C34878D82A}">
+                    <a16:rowId xmlns:a16="http://schemas.microsoft.com/office/drawing/2014/main" val="3482525898"/>
+                  </a:ext>
+                </a:extLst>
+              </a:tr>
+              <a:tr h="370840">
+                <a:tc>
+                  <a:txBody>
+                    <a:bodyPr/>
+                    <a:lstStyle/>
+                    <a:p>
+                      <a:r>
+                        <a:rPr lang="en-US" dirty="0"/>
+                        <a:t>name</a:t>
+                      </a:r>
+                    </a:p>
+                  </a:txBody>
+                  <a:tcPr/>
+                </a:tc>
+                <a:extLst>
+                  <a:ext uri="{0D108BD9-81ED-4DB2-BD59-A6C34878D82A}">
+                    <a16:rowId xmlns:a16="http://schemas.microsoft.com/office/drawing/2014/main" val="718557021"/>
+                  </a:ext>
+                </a:extLst>
+              </a:tr>
+              <a:tr h="370840">
+                <a:tc>
+                  <a:txBody>
+                    <a:bodyPr/>
+                    <a:lstStyle/>
+                    <a:p>
+                      <a:r>
+                        <a:rPr lang="en-US" dirty="0" err="1"/>
+                        <a:t>file_bucket</a:t>
+                      </a:r>
+                      <a:endParaRPr lang="en-US" dirty="0"/>
+                    </a:p>
+                  </a:txBody>
+                  <a:tcPr/>
+                </a:tc>
+                <a:extLst>
+                  <a:ext uri="{0D108BD9-81ED-4DB2-BD59-A6C34878D82A}">
+                    <a16:rowId xmlns:a16="http://schemas.microsoft.com/office/drawing/2014/main" val="3940063113"/>
+                  </a:ext>
+                </a:extLst>
+              </a:tr>
+              <a:tr h="370840">
+                <a:tc>
+                  <a:txBody>
+                    <a:bodyPr/>
+                    <a:lstStyle/>
+                    <a:p>
+                      <a:r>
+                        <a:rPr lang="en-US" dirty="0" err="1"/>
+                        <a:t>file_path</a:t>
+                      </a:r>
+                      <a:endParaRPr lang="en-US" dirty="0"/>
+                    </a:p>
+                  </a:txBody>
+                  <a:tcPr/>
+                </a:tc>
+                <a:extLst>
+                  <a:ext uri="{0D108BD9-81ED-4DB2-BD59-A6C34878D82A}">
+                    <a16:rowId xmlns:a16="http://schemas.microsoft.com/office/drawing/2014/main" val="4183995193"/>
+                  </a:ext>
+                </a:extLst>
+              </a:tr>
+            </a:tbl>
+          </a:graphicData>
+        </a:graphic>
+      </p:graphicFrame>
+      <p:graphicFrame>
+        <p:nvGraphicFramePr>
+          <p:cNvPr id="10" name="Table 9">
+            <a:extLst>
+              <a:ext uri="{FF2B5EF4-FFF2-40B4-BE49-F238E27FC236}">
+                <a16:creationId xmlns:a16="http://schemas.microsoft.com/office/drawing/2014/main" id="{2325E225-BECC-25CE-7286-3D59340D93B5}"/>
+              </a:ext>
+            </a:extLst>
+          </p:cNvPr>
+          <p:cNvGraphicFramePr>
+            <a:graphicFrameLocks noGrp="1"/>
+          </p:cNvGraphicFramePr>
+          <p:nvPr>
+            <p:extLst>
+              <p:ext uri="{D42A27DB-BD31-4B8C-83A1-F6EECF244321}">
+                <p14:modId xmlns:p14="http://schemas.microsoft.com/office/powerpoint/2010/main" val="3099625332"/>
+              </p:ext>
+            </p:extLst>
+          </p:nvPr>
+        </p:nvGraphicFramePr>
+        <p:xfrm>
+          <a:off x="8640399" y="1690688"/>
+          <a:ext cx="2713401" cy="1908445"/>
+        </p:xfrm>
+        <a:graphic>
+          <a:graphicData uri="http://schemas.openxmlformats.org/drawingml/2006/table">
+            <a:tbl>
+              <a:tblPr firstRow="1" bandRow="1">
+                <a:tableStyleId>{5C22544A-7EE6-4342-B048-85BDC9FD1C3A}</a:tableStyleId>
+              </a:tblPr>
+              <a:tblGrid>
+                <a:gridCol w="2713401">
+                  <a:extLst>
+                    <a:ext uri="{9D8B030D-6E8A-4147-A177-3AD203B41FA5}">
+                      <a16:colId xmlns:a16="http://schemas.microsoft.com/office/drawing/2014/main" val="4176019327"/>
+                    </a:ext>
+                  </a:extLst>
+                </a:gridCol>
+              </a:tblGrid>
+              <a:tr h="425085">
+                <a:tc>
+                  <a:txBody>
+                    <a:bodyPr/>
+                    <a:lstStyle/>
+                    <a:p>
+                      <a:r>
+                        <a:rPr lang="en-US" dirty="0" err="1"/>
+                        <a:t>instruction_step_metric</a:t>
+                      </a:r>
+                      <a:endParaRPr lang="en-US" dirty="0"/>
+                    </a:p>
+                  </a:txBody>
+                  <a:tcPr/>
+                </a:tc>
+                <a:extLst>
+                  <a:ext uri="{0D108BD9-81ED-4DB2-BD59-A6C34878D82A}">
+                    <a16:rowId xmlns:a16="http://schemas.microsoft.com/office/drawing/2014/main" val="2343903487"/>
+                  </a:ext>
+                </a:extLst>
+              </a:tr>
+              <a:tr h="370840">
+                <a:tc>
+                  <a:txBody>
+                    <a:bodyPr/>
+                    <a:lstStyle/>
+                    <a:p>
+                      <a:r>
+                        <a:rPr lang="en-US" dirty="0"/>
+                        <a:t>id</a:t>
+                      </a:r>
+                    </a:p>
+                  </a:txBody>
+                  <a:tcPr/>
+                </a:tc>
+                <a:extLst>
+                  <a:ext uri="{0D108BD9-81ED-4DB2-BD59-A6C34878D82A}">
+                    <a16:rowId xmlns:a16="http://schemas.microsoft.com/office/drawing/2014/main" val="3482525898"/>
+                  </a:ext>
+                </a:extLst>
+              </a:tr>
+              <a:tr h="370840">
+                <a:tc>
+                  <a:txBody>
+                    <a:bodyPr/>
+                    <a:lstStyle/>
+                    <a:p>
+                      <a:r>
+                        <a:rPr lang="en-US" dirty="0"/>
+                        <a:t>user</a:t>
+                      </a:r>
+                    </a:p>
+                  </a:txBody>
+                  <a:tcPr/>
+                </a:tc>
+                <a:extLst>
+                  <a:ext uri="{0D108BD9-81ED-4DB2-BD59-A6C34878D82A}">
+                    <a16:rowId xmlns:a16="http://schemas.microsoft.com/office/drawing/2014/main" val="718557021"/>
+                  </a:ext>
+                </a:extLst>
+              </a:tr>
+              <a:tr h="370840">
+                <a:tc>
+                  <a:txBody>
+                    <a:bodyPr/>
+                    <a:lstStyle/>
+                    <a:p>
+                      <a:r>
+                        <a:rPr lang="en-US" dirty="0" err="1"/>
+                        <a:t>instruction_step</a:t>
+                      </a:r>
+                      <a:endParaRPr lang="en-US" dirty="0"/>
+                    </a:p>
+                  </a:txBody>
+                  <a:tcPr/>
+                </a:tc>
+                <a:extLst>
+                  <a:ext uri="{0D108BD9-81ED-4DB2-BD59-A6C34878D82A}">
+                    <a16:rowId xmlns:a16="http://schemas.microsoft.com/office/drawing/2014/main" val="3940063113"/>
+                  </a:ext>
+                </a:extLst>
+              </a:tr>
+              <a:tr h="370840">
+                <a:tc>
+                  <a:txBody>
+                    <a:bodyPr/>
+                    <a:lstStyle/>
+                    <a:p>
+                      <a:r>
+                        <a:rPr lang="en-US" dirty="0"/>
+                        <a:t>duration</a:t>
+                      </a:r>
+                    </a:p>
+                  </a:txBody>
+                  <a:tcPr/>
+                </a:tc>
+                <a:extLst>
+                  <a:ext uri="{0D108BD9-81ED-4DB2-BD59-A6C34878D82A}">
+                    <a16:rowId xmlns:a16="http://schemas.microsoft.com/office/drawing/2014/main" val="4183995193"/>
+                  </a:ext>
+                </a:extLst>
+              </a:tr>
+            </a:tbl>
+          </a:graphicData>
+        </a:graphic>
+      </p:graphicFrame>
+      <p:graphicFrame>
+        <p:nvGraphicFramePr>
+          <p:cNvPr id="11" name="Table 10">
+            <a:extLst>
+              <a:ext uri="{FF2B5EF4-FFF2-40B4-BE49-F238E27FC236}">
+                <a16:creationId xmlns:a16="http://schemas.microsoft.com/office/drawing/2014/main" id="{FAEF1EFF-A249-0E8C-6BF0-EE2D1025ED94}"/>
+              </a:ext>
+            </a:extLst>
+          </p:cNvPr>
+          <p:cNvGraphicFramePr>
+            <a:graphicFrameLocks noGrp="1"/>
+          </p:cNvGraphicFramePr>
+          <p:nvPr>
+            <p:extLst>
+              <p:ext uri="{D42A27DB-BD31-4B8C-83A1-F6EECF244321}">
+                <p14:modId xmlns:p14="http://schemas.microsoft.com/office/powerpoint/2010/main" val="1752746816"/>
+              </p:ext>
+            </p:extLst>
+          </p:nvPr>
+        </p:nvGraphicFramePr>
+        <p:xfrm>
+          <a:off x="8640399" y="4716733"/>
+          <a:ext cx="2713401" cy="1107440"/>
+        </p:xfrm>
+        <a:graphic>
+          <a:graphicData uri="http://schemas.openxmlformats.org/drawingml/2006/table">
+            <a:tbl>
+              <a:tblPr firstRow="1" bandRow="1">
+                <a:tableStyleId>{5C22544A-7EE6-4342-B048-85BDC9FD1C3A}</a:tableStyleId>
+              </a:tblPr>
+              <a:tblGrid>
+                <a:gridCol w="2713401">
+                  <a:extLst>
+                    <a:ext uri="{9D8B030D-6E8A-4147-A177-3AD203B41FA5}">
+                      <a16:colId xmlns:a16="http://schemas.microsoft.com/office/drawing/2014/main" val="4176019327"/>
+                    </a:ext>
+                  </a:extLst>
+                </a:gridCol>
+              </a:tblGrid>
+              <a:tr h="0">
+                <a:tc>
+                  <a:txBody>
+                    <a:bodyPr/>
+                    <a:lstStyle/>
+                    <a:p>
+                      <a:r>
+                        <a:rPr lang="en-US" dirty="0" err="1"/>
+                        <a:t>user_metric</a:t>
+                      </a:r>
+                      <a:endParaRPr lang="en-US" dirty="0"/>
+                    </a:p>
+                  </a:txBody>
+                  <a:tcPr/>
+                </a:tc>
+                <a:extLst>
+                  <a:ext uri="{0D108BD9-81ED-4DB2-BD59-A6C34878D82A}">
+                    <a16:rowId xmlns:a16="http://schemas.microsoft.com/office/drawing/2014/main" val="2343903487"/>
+                  </a:ext>
+                </a:extLst>
+              </a:tr>
+              <a:tr h="370840">
+                <a:tc>
+                  <a:txBody>
+                    <a:bodyPr/>
+                    <a:lstStyle/>
+                    <a:p>
+                      <a:r>
+                        <a:rPr lang="en-US" dirty="0"/>
+                        <a:t>id</a:t>
+                      </a:r>
+                    </a:p>
+                  </a:txBody>
+                  <a:tcPr/>
+                </a:tc>
+                <a:extLst>
+                  <a:ext uri="{0D108BD9-81ED-4DB2-BD59-A6C34878D82A}">
+                    <a16:rowId xmlns:a16="http://schemas.microsoft.com/office/drawing/2014/main" val="3482525898"/>
+                  </a:ext>
+                </a:extLst>
+              </a:tr>
+              <a:tr h="370840">
+                <a:tc>
+                  <a:txBody>
+                    <a:bodyPr/>
+                    <a:lstStyle/>
+                    <a:p>
+                      <a:r>
+                        <a:rPr lang="en-US" dirty="0"/>
+                        <a:t>age</a:t>
+                      </a:r>
+                    </a:p>
+                  </a:txBody>
+                  <a:tcPr/>
+                </a:tc>
+                <a:extLst>
+                  <a:ext uri="{0D108BD9-81ED-4DB2-BD59-A6C34878D82A}">
+                    <a16:rowId xmlns:a16="http://schemas.microsoft.com/office/drawing/2014/main" val="718557021"/>
+                  </a:ext>
+                </a:extLst>
+              </a:tr>
+            </a:tbl>
+          </a:graphicData>
+        </a:graphic>
+      </p:graphicFrame>
+      <p:cxnSp>
+        <p:nvCxnSpPr>
+          <p:cNvPr id="13" name="Connector: Elbow 12">
+            <a:extLst>
+              <a:ext uri="{FF2B5EF4-FFF2-40B4-BE49-F238E27FC236}">
+                <a16:creationId xmlns:a16="http://schemas.microsoft.com/office/drawing/2014/main" id="{69735B46-8D1D-DB8E-97C8-1154EFADD8BA}"/>
+              </a:ext>
+            </a:extLst>
+          </p:cNvPr>
+          <p:cNvCxnSpPr/>
+          <p:nvPr/>
+        </p:nvCxnSpPr>
+        <p:spPr>
+          <a:xfrm>
+            <a:off x="2344848" y="2246948"/>
+            <a:ext cx="1180722" cy="467599"/>
+          </a:xfrm>
+          <a:prstGeom prst="bentConnector3">
+            <a:avLst/>
+          </a:prstGeom>
+          <a:ln w="28575"/>
+        </p:spPr>
+        <p:style>
+          <a:lnRef idx="2">
+            <a:schemeClr val="dk1"/>
+          </a:lnRef>
+          <a:fillRef idx="0">
+            <a:schemeClr val="dk1"/>
+          </a:fillRef>
+          <a:effectRef idx="1">
+            <a:schemeClr val="dk1"/>
+          </a:effectRef>
+          <a:fontRef idx="minor">
+            <a:schemeClr val="tx1"/>
+          </a:fontRef>
+        </p:style>
+      </p:cxnSp>
+      <p:cxnSp>
+        <p:nvCxnSpPr>
+          <p:cNvPr id="14" name="Connector: Elbow 13">
+            <a:extLst>
+              <a:ext uri="{FF2B5EF4-FFF2-40B4-BE49-F238E27FC236}">
+                <a16:creationId xmlns:a16="http://schemas.microsoft.com/office/drawing/2014/main" id="{81BE48AB-2375-EF7F-A540-CD4C22DB4C3B}"/>
+              </a:ext>
+            </a:extLst>
+          </p:cNvPr>
+          <p:cNvCxnSpPr>
+            <a:cxnSpLocks/>
+            <a:endCxn id="8" idx="1"/>
+          </p:cNvCxnSpPr>
+          <p:nvPr/>
+        </p:nvCxnSpPr>
+        <p:spPr>
+          <a:xfrm flipV="1">
+            <a:off x="5316270" y="3757430"/>
+            <a:ext cx="779730" cy="751337"/>
+          </a:xfrm>
+          <a:prstGeom prst="bentConnector3">
+            <a:avLst/>
+          </a:prstGeom>
+          <a:ln w="28575"/>
+        </p:spPr>
+        <p:style>
+          <a:lnRef idx="2">
+            <a:schemeClr val="dk1"/>
+          </a:lnRef>
+          <a:fillRef idx="0">
+            <a:schemeClr val="dk1"/>
+          </a:fillRef>
+          <a:effectRef idx="1">
+            <a:schemeClr val="dk1"/>
+          </a:effectRef>
+          <a:fontRef idx="minor">
+            <a:schemeClr val="tx1"/>
+          </a:fontRef>
+        </p:style>
+      </p:cxnSp>
+      <p:cxnSp>
+        <p:nvCxnSpPr>
+          <p:cNvPr id="16" name="Connector: Elbow 15">
+            <a:extLst>
+              <a:ext uri="{FF2B5EF4-FFF2-40B4-BE49-F238E27FC236}">
+                <a16:creationId xmlns:a16="http://schemas.microsoft.com/office/drawing/2014/main" id="{8D93273B-4DD6-2A07-A3B1-6786D2A8DCEA}"/>
+              </a:ext>
+            </a:extLst>
+          </p:cNvPr>
+          <p:cNvCxnSpPr>
+            <a:cxnSpLocks/>
+          </p:cNvCxnSpPr>
+          <p:nvPr/>
+        </p:nvCxnSpPr>
+        <p:spPr>
+          <a:xfrm>
+            <a:off x="5323436" y="2318452"/>
+            <a:ext cx="772564" cy="355245"/>
+          </a:xfrm>
+          <a:prstGeom prst="bentConnector3">
+            <a:avLst/>
+          </a:prstGeom>
+          <a:ln w="28575"/>
+        </p:spPr>
+        <p:style>
+          <a:lnRef idx="2">
+            <a:schemeClr val="dk1"/>
+          </a:lnRef>
+          <a:fillRef idx="0">
+            <a:schemeClr val="dk1"/>
+          </a:fillRef>
+          <a:effectRef idx="1">
+            <a:schemeClr val="dk1"/>
+          </a:effectRef>
+          <a:fontRef idx="minor">
+            <a:schemeClr val="tx1"/>
+          </a:fontRef>
+        </p:style>
+      </p:cxnSp>
+      <p:cxnSp>
+        <p:nvCxnSpPr>
+          <p:cNvPr id="19" name="Connector: Elbow 18">
+            <a:extLst>
+              <a:ext uri="{FF2B5EF4-FFF2-40B4-BE49-F238E27FC236}">
+                <a16:creationId xmlns:a16="http://schemas.microsoft.com/office/drawing/2014/main" id="{3AADA3D7-89AF-3D54-C07E-39F894AE7B34}"/>
+              </a:ext>
+            </a:extLst>
+          </p:cNvPr>
+          <p:cNvCxnSpPr>
+            <a:cxnSpLocks/>
+          </p:cNvCxnSpPr>
+          <p:nvPr/>
+        </p:nvCxnSpPr>
+        <p:spPr>
+          <a:xfrm rot="10800000">
+            <a:off x="8057205" y="2673697"/>
+            <a:ext cx="583196" cy="364244"/>
+          </a:xfrm>
+          <a:prstGeom prst="bentConnector3">
+            <a:avLst/>
+          </a:prstGeom>
+          <a:ln w="28575"/>
+        </p:spPr>
+        <p:style>
+          <a:lnRef idx="2">
+            <a:schemeClr val="dk1"/>
+          </a:lnRef>
+          <a:fillRef idx="0">
+            <a:schemeClr val="dk1"/>
+          </a:fillRef>
+          <a:effectRef idx="1">
+            <a:schemeClr val="dk1"/>
+          </a:effectRef>
+          <a:fontRef idx="minor">
+            <a:schemeClr val="tx1"/>
+          </a:fontRef>
+        </p:style>
+      </p:cxnSp>
+      <p:cxnSp>
+        <p:nvCxnSpPr>
+          <p:cNvPr id="22" name="Connector: Elbow 21">
+            <a:extLst>
+              <a:ext uri="{FF2B5EF4-FFF2-40B4-BE49-F238E27FC236}">
+                <a16:creationId xmlns:a16="http://schemas.microsoft.com/office/drawing/2014/main" id="{13269819-D7BB-00A5-802E-EFD759E584B9}"/>
+              </a:ext>
+            </a:extLst>
+          </p:cNvPr>
+          <p:cNvCxnSpPr>
+            <a:cxnSpLocks/>
+            <a:stCxn id="11" idx="3"/>
+            <a:endCxn id="10" idx="3"/>
+          </p:cNvCxnSpPr>
+          <p:nvPr/>
+        </p:nvCxnSpPr>
+        <p:spPr>
+          <a:xfrm flipV="1">
+            <a:off x="11353800" y="2644910"/>
+            <a:ext cx="12700" cy="2625543"/>
+          </a:xfrm>
+          <a:prstGeom prst="bentConnector3">
+            <a:avLst>
+              <a:gd name="adj1" fmla="val 3653465"/>
+            </a:avLst>
+          </a:prstGeom>
+          <a:ln w="28575"/>
+        </p:spPr>
+        <p:style>
+          <a:lnRef idx="2">
+            <a:schemeClr val="dk1"/>
+          </a:lnRef>
+          <a:fillRef idx="0">
+            <a:schemeClr val="dk1"/>
+          </a:fillRef>
+          <a:effectRef idx="1">
+            <a:schemeClr val="dk1"/>
+          </a:effectRef>
+          <a:fontRef idx="minor">
+            <a:schemeClr val="tx1"/>
+          </a:fontRef>
+        </p:style>
+      </p:cxnSp>
+      <p:cxnSp>
+        <p:nvCxnSpPr>
+          <p:cNvPr id="27" name="Straight Connector 26">
+            <a:extLst>
+              <a:ext uri="{FF2B5EF4-FFF2-40B4-BE49-F238E27FC236}">
+                <a16:creationId xmlns:a16="http://schemas.microsoft.com/office/drawing/2014/main" id="{3E443713-E2A6-0A19-E5E2-E1EF5CA7FBE4}"/>
+              </a:ext>
+            </a:extLst>
+          </p:cNvPr>
+          <p:cNvCxnSpPr/>
+          <p:nvPr/>
+        </p:nvCxnSpPr>
+        <p:spPr>
+          <a:xfrm flipV="1">
+            <a:off x="3367889" y="2580238"/>
+            <a:ext cx="157681" cy="134309"/>
+          </a:xfrm>
+          <a:prstGeom prst="line">
+            <a:avLst/>
+          </a:prstGeom>
+          <a:ln w="28575">
+            <a:solidFill>
+              <a:schemeClr val="tx1"/>
+            </a:solidFill>
+          </a:ln>
+        </p:spPr>
+        <p:style>
+          <a:lnRef idx="2">
+            <a:schemeClr val="accent1"/>
+          </a:lnRef>
+          <a:fillRef idx="0">
+            <a:schemeClr val="accent1"/>
+          </a:fillRef>
+          <a:effectRef idx="1">
+            <a:schemeClr val="accent1"/>
+          </a:effectRef>
+          <a:fontRef idx="minor">
+            <a:schemeClr val="tx1"/>
+          </a:fontRef>
+        </p:style>
+      </p:cxnSp>
+      <p:cxnSp>
+        <p:nvCxnSpPr>
+          <p:cNvPr id="28" name="Straight Connector 27">
+            <a:extLst>
+              <a:ext uri="{FF2B5EF4-FFF2-40B4-BE49-F238E27FC236}">
+                <a16:creationId xmlns:a16="http://schemas.microsoft.com/office/drawing/2014/main" id="{950AF929-6D20-4ACB-19E0-EE6B5BD66EAC}"/>
+              </a:ext>
+            </a:extLst>
+          </p:cNvPr>
+          <p:cNvCxnSpPr>
+            <a:cxnSpLocks/>
+          </p:cNvCxnSpPr>
+          <p:nvPr/>
+        </p:nvCxnSpPr>
+        <p:spPr>
+          <a:xfrm>
+            <a:off x="3382601" y="2714547"/>
+            <a:ext cx="142969" cy="141272"/>
+          </a:xfrm>
+          <a:prstGeom prst="line">
+            <a:avLst/>
+          </a:prstGeom>
+          <a:ln w="28575">
+            <a:solidFill>
+              <a:schemeClr val="tx1"/>
+            </a:solidFill>
+          </a:ln>
+        </p:spPr>
+        <p:style>
+          <a:lnRef idx="2">
+            <a:schemeClr val="accent1"/>
+          </a:lnRef>
+          <a:fillRef idx="0">
+            <a:schemeClr val="accent1"/>
+          </a:fillRef>
+          <a:effectRef idx="1">
+            <a:schemeClr val="accent1"/>
+          </a:effectRef>
+          <a:fontRef idx="minor">
+            <a:schemeClr val="tx1"/>
+          </a:fontRef>
+        </p:style>
+      </p:cxnSp>
+      <p:cxnSp>
+        <p:nvCxnSpPr>
+          <p:cNvPr id="31" name="Straight Connector 30">
+            <a:extLst>
+              <a:ext uri="{FF2B5EF4-FFF2-40B4-BE49-F238E27FC236}">
+                <a16:creationId xmlns:a16="http://schemas.microsoft.com/office/drawing/2014/main" id="{82CCAFA3-F28F-9F16-1D21-035FA3A81941}"/>
+              </a:ext>
+            </a:extLst>
+          </p:cNvPr>
+          <p:cNvCxnSpPr/>
+          <p:nvPr/>
+        </p:nvCxnSpPr>
+        <p:spPr>
+          <a:xfrm flipV="1">
+            <a:off x="5945487" y="2543599"/>
+            <a:ext cx="157681" cy="134309"/>
+          </a:xfrm>
+          <a:prstGeom prst="line">
+            <a:avLst/>
+          </a:prstGeom>
+          <a:ln w="28575">
+            <a:solidFill>
+              <a:schemeClr val="tx1"/>
+            </a:solidFill>
+          </a:ln>
+        </p:spPr>
+        <p:style>
+          <a:lnRef idx="2">
+            <a:schemeClr val="accent1"/>
+          </a:lnRef>
+          <a:fillRef idx="0">
+            <a:schemeClr val="accent1"/>
+          </a:fillRef>
+          <a:effectRef idx="1">
+            <a:schemeClr val="accent1"/>
+          </a:effectRef>
+          <a:fontRef idx="minor">
+            <a:schemeClr val="tx1"/>
+          </a:fontRef>
+        </p:style>
+      </p:cxnSp>
+      <p:cxnSp>
+        <p:nvCxnSpPr>
+          <p:cNvPr id="32" name="Straight Connector 31">
+            <a:extLst>
+              <a:ext uri="{FF2B5EF4-FFF2-40B4-BE49-F238E27FC236}">
+                <a16:creationId xmlns:a16="http://schemas.microsoft.com/office/drawing/2014/main" id="{314280A3-5A67-BBA6-014B-4D3E5F3E35F8}"/>
+              </a:ext>
+            </a:extLst>
+          </p:cNvPr>
+          <p:cNvCxnSpPr>
+            <a:cxnSpLocks/>
+          </p:cNvCxnSpPr>
+          <p:nvPr/>
+        </p:nvCxnSpPr>
+        <p:spPr>
+          <a:xfrm>
+            <a:off x="5960199" y="2677908"/>
+            <a:ext cx="142969" cy="141272"/>
+          </a:xfrm>
+          <a:prstGeom prst="line">
+            <a:avLst/>
+          </a:prstGeom>
+          <a:ln w="28575">
+            <a:solidFill>
+              <a:schemeClr val="tx1"/>
+            </a:solidFill>
+          </a:ln>
+        </p:spPr>
+        <p:style>
+          <a:lnRef idx="2">
+            <a:schemeClr val="accent1"/>
+          </a:lnRef>
+          <a:fillRef idx="0">
+            <a:schemeClr val="accent1"/>
+          </a:fillRef>
+          <a:effectRef idx="1">
+            <a:schemeClr val="accent1"/>
+          </a:effectRef>
+          <a:fontRef idx="minor">
+            <a:schemeClr val="tx1"/>
+          </a:fontRef>
+        </p:style>
+      </p:cxnSp>
+      <p:cxnSp>
+        <p:nvCxnSpPr>
+          <p:cNvPr id="33" name="Straight Connector 32">
+            <a:extLst>
+              <a:ext uri="{FF2B5EF4-FFF2-40B4-BE49-F238E27FC236}">
+                <a16:creationId xmlns:a16="http://schemas.microsoft.com/office/drawing/2014/main" id="{BC737671-986E-6F37-E56E-1E831BC0F9E3}"/>
+              </a:ext>
+            </a:extLst>
+          </p:cNvPr>
+          <p:cNvCxnSpPr/>
+          <p:nvPr/>
+        </p:nvCxnSpPr>
+        <p:spPr>
+          <a:xfrm flipV="1">
+            <a:off x="8482718" y="2903632"/>
+            <a:ext cx="157681" cy="134309"/>
+          </a:xfrm>
+          <a:prstGeom prst="line">
+            <a:avLst/>
+          </a:prstGeom>
+          <a:ln w="28575">
+            <a:solidFill>
+              <a:schemeClr val="tx1"/>
+            </a:solidFill>
+          </a:ln>
+        </p:spPr>
+        <p:style>
+          <a:lnRef idx="2">
+            <a:schemeClr val="accent1"/>
+          </a:lnRef>
+          <a:fillRef idx="0">
+            <a:schemeClr val="accent1"/>
+          </a:fillRef>
+          <a:effectRef idx="1">
+            <a:schemeClr val="accent1"/>
+          </a:effectRef>
+          <a:fontRef idx="minor">
+            <a:schemeClr val="tx1"/>
+          </a:fontRef>
+        </p:style>
+      </p:cxnSp>
+      <p:cxnSp>
+        <p:nvCxnSpPr>
+          <p:cNvPr id="34" name="Straight Connector 33">
+            <a:extLst>
+              <a:ext uri="{FF2B5EF4-FFF2-40B4-BE49-F238E27FC236}">
+                <a16:creationId xmlns:a16="http://schemas.microsoft.com/office/drawing/2014/main" id="{0566B2D4-A87D-0849-DCF3-66A6D8C30EC2}"/>
+              </a:ext>
+            </a:extLst>
+          </p:cNvPr>
+          <p:cNvCxnSpPr>
+            <a:cxnSpLocks/>
+          </p:cNvCxnSpPr>
+          <p:nvPr/>
+        </p:nvCxnSpPr>
+        <p:spPr>
+          <a:xfrm>
+            <a:off x="8497430" y="3037941"/>
+            <a:ext cx="142969" cy="141272"/>
+          </a:xfrm>
+          <a:prstGeom prst="line">
+            <a:avLst/>
+          </a:prstGeom>
+          <a:ln w="28575">
+            <a:solidFill>
+              <a:schemeClr val="tx1"/>
+            </a:solidFill>
+          </a:ln>
+        </p:spPr>
+        <p:style>
+          <a:lnRef idx="2">
+            <a:schemeClr val="accent1"/>
+          </a:lnRef>
+          <a:fillRef idx="0">
+            <a:schemeClr val="accent1"/>
+          </a:fillRef>
+          <a:effectRef idx="1">
+            <a:schemeClr val="accent1"/>
+          </a:effectRef>
+          <a:fontRef idx="minor">
+            <a:schemeClr val="tx1"/>
+          </a:fontRef>
+        </p:style>
+      </p:cxnSp>
+      <p:cxnSp>
+        <p:nvCxnSpPr>
+          <p:cNvPr id="35" name="Straight Connector 34">
+            <a:extLst>
+              <a:ext uri="{FF2B5EF4-FFF2-40B4-BE49-F238E27FC236}">
+                <a16:creationId xmlns:a16="http://schemas.microsoft.com/office/drawing/2014/main" id="{C389A07B-754E-F83F-A929-8E86A708D520}"/>
+              </a:ext>
+            </a:extLst>
+          </p:cNvPr>
+          <p:cNvCxnSpPr>
+            <a:cxnSpLocks/>
+          </p:cNvCxnSpPr>
+          <p:nvPr/>
+        </p:nvCxnSpPr>
+        <p:spPr>
+          <a:xfrm flipH="1" flipV="1">
+            <a:off x="11366500" y="5133788"/>
+            <a:ext cx="132377" cy="136665"/>
+          </a:xfrm>
+          <a:prstGeom prst="line">
+            <a:avLst/>
+          </a:prstGeom>
+          <a:ln w="28575">
+            <a:solidFill>
+              <a:schemeClr val="tx1"/>
+            </a:solidFill>
+          </a:ln>
+        </p:spPr>
+        <p:style>
+          <a:lnRef idx="2">
+            <a:schemeClr val="accent1"/>
+          </a:lnRef>
+          <a:fillRef idx="0">
+            <a:schemeClr val="accent1"/>
+          </a:fillRef>
+          <a:effectRef idx="1">
+            <a:schemeClr val="accent1"/>
+          </a:effectRef>
+          <a:fontRef idx="minor">
+            <a:schemeClr val="tx1"/>
+          </a:fontRef>
+        </p:style>
+      </p:cxnSp>
+      <p:cxnSp>
+        <p:nvCxnSpPr>
+          <p:cNvPr id="36" name="Straight Connector 35">
+            <a:extLst>
+              <a:ext uri="{FF2B5EF4-FFF2-40B4-BE49-F238E27FC236}">
+                <a16:creationId xmlns:a16="http://schemas.microsoft.com/office/drawing/2014/main" id="{2D73B35A-4C4E-867B-84D1-98915BF6A0FC}"/>
+              </a:ext>
+            </a:extLst>
+          </p:cNvPr>
+          <p:cNvCxnSpPr>
+            <a:cxnSpLocks/>
+          </p:cNvCxnSpPr>
+          <p:nvPr/>
+        </p:nvCxnSpPr>
+        <p:spPr>
+          <a:xfrm flipH="1">
+            <a:off x="11366500" y="5270453"/>
+            <a:ext cx="147089" cy="137891"/>
+          </a:xfrm>
+          <a:prstGeom prst="line">
+            <a:avLst/>
+          </a:prstGeom>
+          <a:ln w="28575">
+            <a:solidFill>
+              <a:schemeClr val="tx1"/>
+            </a:solidFill>
+          </a:ln>
+        </p:spPr>
+        <p:style>
+          <a:lnRef idx="2">
+            <a:schemeClr val="accent1"/>
+          </a:lnRef>
+          <a:fillRef idx="0">
+            <a:schemeClr val="accent1"/>
+          </a:fillRef>
+          <a:effectRef idx="1">
+            <a:schemeClr val="accent1"/>
+          </a:effectRef>
+          <a:fontRef idx="minor">
+            <a:schemeClr val="tx1"/>
+          </a:fontRef>
+        </p:style>
+      </p:cxnSp>
+      <p:cxnSp>
+        <p:nvCxnSpPr>
+          <p:cNvPr id="43" name="Straight Connector 42">
+            <a:extLst>
+              <a:ext uri="{FF2B5EF4-FFF2-40B4-BE49-F238E27FC236}">
+                <a16:creationId xmlns:a16="http://schemas.microsoft.com/office/drawing/2014/main" id="{CC024DB8-87BA-B2A8-A041-9BE23D6AB481}"/>
+              </a:ext>
+            </a:extLst>
+          </p:cNvPr>
+          <p:cNvCxnSpPr/>
+          <p:nvPr/>
+        </p:nvCxnSpPr>
+        <p:spPr>
+          <a:xfrm flipV="1">
+            <a:off x="5938319" y="3634141"/>
+            <a:ext cx="157681" cy="134309"/>
+          </a:xfrm>
+          <a:prstGeom prst="line">
+            <a:avLst/>
+          </a:prstGeom>
+          <a:ln w="28575">
+            <a:solidFill>
+              <a:schemeClr val="tx1"/>
+            </a:solidFill>
+          </a:ln>
+        </p:spPr>
+        <p:style>
+          <a:lnRef idx="2">
+            <a:schemeClr val="accent1"/>
+          </a:lnRef>
+          <a:fillRef idx="0">
+            <a:schemeClr val="accent1"/>
+          </a:fillRef>
+          <a:effectRef idx="1">
+            <a:schemeClr val="accent1"/>
+          </a:effectRef>
+          <a:fontRef idx="minor">
+            <a:schemeClr val="tx1"/>
+          </a:fontRef>
+        </p:style>
+      </p:cxnSp>
+      <p:cxnSp>
+        <p:nvCxnSpPr>
+          <p:cNvPr id="44" name="Straight Connector 43">
+            <a:extLst>
+              <a:ext uri="{FF2B5EF4-FFF2-40B4-BE49-F238E27FC236}">
+                <a16:creationId xmlns:a16="http://schemas.microsoft.com/office/drawing/2014/main" id="{11909D54-BA2E-0FBC-8992-7CA3ABF08E5C}"/>
+              </a:ext>
+            </a:extLst>
+          </p:cNvPr>
+          <p:cNvCxnSpPr>
+            <a:cxnSpLocks/>
+          </p:cNvCxnSpPr>
+          <p:nvPr/>
+        </p:nvCxnSpPr>
+        <p:spPr>
+          <a:xfrm>
+            <a:off x="5953031" y="3768450"/>
+            <a:ext cx="142969" cy="141272"/>
+          </a:xfrm>
+          <a:prstGeom prst="line">
+            <a:avLst/>
+          </a:prstGeom>
+          <a:ln w="28575">
+            <a:solidFill>
+              <a:schemeClr val="tx1"/>
+            </a:solidFill>
+          </a:ln>
+        </p:spPr>
+        <p:style>
+          <a:lnRef idx="2">
+            <a:schemeClr val="accent1"/>
+          </a:lnRef>
+          <a:fillRef idx="0">
+            <a:schemeClr val="accent1"/>
+          </a:fillRef>
+          <a:effectRef idx="1">
+            <a:schemeClr val="accent1"/>
+          </a:effectRef>
+          <a:fontRef idx="minor">
+            <a:schemeClr val="tx1"/>
+          </a:fontRef>
+        </p:style>
+      </p:cxnSp>
+    </p:spTree>
+    <p:extLst>
+      <p:ext uri="{BB962C8B-B14F-4D97-AF65-F5344CB8AC3E}">
+        <p14:creationId xmlns:p14="http://schemas.microsoft.com/office/powerpoint/2010/main" val="843633456"/>
+      </p:ext>
+    </p:extLst>
+  </p:cSld>
+  <p:clrMapOvr>
+    <a:masterClrMapping/>
+  </p:clrMapOvr>
+</p:sld>
+</file>
+
+<file path=ppt/slides/slide9.xml><?xml version="1.0" encoding="utf-8"?>
+<p:sld xmlns:a="http://schemas.openxmlformats.org/drawingml/2006/main" xmlns:r="http://schemas.openxmlformats.org/officeDocument/2006/relationships" xmlns:p="http://schemas.openxmlformats.org/presentationml/2006/main">
+  <p:cSld>
+    <p:spTree>
+      <p:nvGrpSpPr>
+        <p:cNvPr id="1" name=""/>
+        <p:cNvGrpSpPr/>
+        <p:nvPr/>
+      </p:nvGrpSpPr>
+      <p:grpSpPr>
+        <a:xfrm>
+          <a:off x="0" y="0"/>
+          <a:ext cx="0" cy="0"/>
+          <a:chOff x="0" y="0"/>
+          <a:chExt cx="0" cy="0"/>
+        </a:xfrm>
+      </p:grpSpPr>
+      <p:sp>
+        <p:nvSpPr>
+          <p:cNvPr id="2" name="Title 1">
+            <a:extLst>
+              <a:ext uri="{FF2B5EF4-FFF2-40B4-BE49-F238E27FC236}">
+                <a16:creationId xmlns:a16="http://schemas.microsoft.com/office/drawing/2014/main" id="{FAF133C3-FB46-0E32-0565-2B511BC6C6E3}"/>
+              </a:ext>
+            </a:extLst>
+          </p:cNvPr>
+          <p:cNvSpPr>
+            <a:spLocks noGrp="1"/>
+          </p:cNvSpPr>
+          <p:nvPr>
+            <p:ph type="title"/>
+          </p:nvPr>
+        </p:nvSpPr>
+        <p:spPr/>
+        <p:txBody>
+          <a:bodyPr/>
+          <a:lstStyle/>
+          <a:p>
+            <a:r>
+              <a:rPr lang="en-US" dirty="0" err="1"/>
+              <a:t>MinIO</a:t>
+            </a:r>
+            <a:endParaRPr lang="en-US" dirty="0"/>
+          </a:p>
+        </p:txBody>
+      </p:sp>
+      <p:sp>
+        <p:nvSpPr>
+          <p:cNvPr id="3" name="Content Placeholder 2">
+            <a:extLst>
+              <a:ext uri="{FF2B5EF4-FFF2-40B4-BE49-F238E27FC236}">
+                <a16:creationId xmlns:a16="http://schemas.microsoft.com/office/drawing/2014/main" id="{9BA8DB68-E540-E6F0-7BEB-C6DCE10D1B73}"/>
+              </a:ext>
+            </a:extLst>
+          </p:cNvPr>
+          <p:cNvSpPr>
+            <a:spLocks noGrp="1"/>
+          </p:cNvSpPr>
+          <p:nvPr>
+            <p:ph idx="1"/>
+          </p:nvPr>
+        </p:nvSpPr>
+        <p:spPr>
+          <a:xfrm>
+            <a:off x="838200" y="1825625"/>
+            <a:ext cx="7410450" cy="4351338"/>
+          </a:xfrm>
+        </p:spPr>
+        <p:txBody>
+          <a:bodyPr/>
+          <a:lstStyle/>
+          <a:p>
+            <a:r>
+              <a:rPr lang="en-US" dirty="0"/>
+              <a:t>High performance AWS S3-compatible file storage</a:t>
+            </a:r>
+          </a:p>
+          <a:p>
+            <a:r>
+              <a:rPr lang="en-US" dirty="0"/>
+              <a:t>3D models stored in “buckets”</a:t>
+            </a:r>
+          </a:p>
+          <a:p>
+            <a:r>
+              <a:rPr lang="en-US" dirty="0"/>
+              <a:t>Provides a Python SDK to interact with files</a:t>
+            </a:r>
+          </a:p>
+          <a:p>
+            <a:r>
+              <a:rPr lang="en-US" dirty="0"/>
+              <a:t>Highly scalable and replicable</a:t>
+            </a:r>
+          </a:p>
+        </p:txBody>
+      </p:sp>
+      <p:pic>
+        <p:nvPicPr>
+          <p:cNvPr id="4098" name="Picture 2" descr="Unleashing the Power of MinIO: Your Gateway to Scalable Object Storage | by  Benjamin R. | Medium">
+            <a:extLst>
+              <a:ext uri="{FF2B5EF4-FFF2-40B4-BE49-F238E27FC236}">
+                <a16:creationId xmlns:a16="http://schemas.microsoft.com/office/drawing/2014/main" id="{3FD3A8F6-F012-52A2-E8B8-E7C4F1C72E48}"/>
+              </a:ext>
+            </a:extLst>
+          </p:cNvPr>
+          <p:cNvPicPr>
+            <a:picLocks noChangeAspect="1" noChangeArrowheads="1"/>
+          </p:cNvPicPr>
+          <p:nvPr/>
+        </p:nvPicPr>
+        <p:blipFill>
+          <a:blip r:embed="rId2">
+            <a:extLst>
+              <a:ext uri="{28A0092B-C50C-407E-A947-70E740481C1C}">
+                <a14:useLocalDpi xmlns:a14="http://schemas.microsoft.com/office/drawing/2010/main" val="0"/>
+              </a:ext>
+            </a:extLst>
+          </a:blip>
+          <a:srcRect/>
+          <a:stretch>
+            <a:fillRect/>
+          </a:stretch>
+        </p:blipFill>
+        <p:spPr bwMode="auto">
+          <a:xfrm>
+            <a:off x="8248650" y="1433513"/>
+            <a:ext cx="3333750" cy="1428750"/>
+          </a:xfrm>
+          <a:prstGeom prst="rect">
+            <a:avLst/>
+          </a:prstGeom>
+          <a:noFill/>
+          <a:extLst>
+            <a:ext uri="{909E8E84-426E-40DD-AFC4-6F175D3DCCD1}">
+              <a14:hiddenFill xmlns:a14="http://schemas.microsoft.com/office/drawing/2010/main">
+                <a:solidFill>
+                  <a:srgbClr val="FFFFFF"/>
+                </a:solidFill>
+              </a14:hiddenFill>
+            </a:ext>
+          </a:extLst>
+        </p:spPr>
+      </p:pic>
+      <p:pic>
+        <p:nvPicPr>
+          <p:cNvPr id="4100" name="Picture 4" descr="What is AWS S3: Your Guide to the Amazon S3 Tutorial">
+            <a:extLst>
+              <a:ext uri="{FF2B5EF4-FFF2-40B4-BE49-F238E27FC236}">
+                <a16:creationId xmlns:a16="http://schemas.microsoft.com/office/drawing/2014/main" id="{1D9EF8E2-0F27-262A-6785-1FB4BE7DDCD0}"/>
+              </a:ext>
+            </a:extLst>
+          </p:cNvPr>
+          <p:cNvPicPr>
+            <a:picLocks noChangeAspect="1" noChangeArrowheads="1"/>
+          </p:cNvPicPr>
+          <p:nvPr/>
+        </p:nvPicPr>
+        <p:blipFill>
+          <a:blip r:embed="rId3">
+            <a:extLst>
+              <a:ext uri="{28A0092B-C50C-407E-A947-70E740481C1C}">
+                <a14:useLocalDpi xmlns:a14="http://schemas.microsoft.com/office/drawing/2010/main" val="0"/>
+              </a:ext>
+            </a:extLst>
+          </a:blip>
+          <a:srcRect/>
+          <a:stretch>
+            <a:fillRect/>
+          </a:stretch>
+        </p:blipFill>
+        <p:spPr bwMode="auto">
+          <a:xfrm>
+            <a:off x="8801100" y="3281362"/>
+            <a:ext cx="2857500" cy="2143125"/>
+          </a:xfrm>
+          <a:prstGeom prst="rect">
+            <a:avLst/>
+          </a:prstGeom>
+          <a:noFill/>
+          <a:extLst>
+            <a:ext uri="{909E8E84-426E-40DD-AFC4-6F175D3DCCD1}">
+              <a14:hiddenFill xmlns:a14="http://schemas.microsoft.com/office/drawing/2010/main">
+                <a:solidFill>
+                  <a:srgbClr val="FFFFFF"/>
+                </a:solidFill>
+              </a14:hiddenFill>
+            </a:ext>
+          </a:extLst>
+        </p:spPr>
+      </p:pic>
+    </p:spTree>
+    <p:extLst>
+      <p:ext uri="{BB962C8B-B14F-4D97-AF65-F5344CB8AC3E}">
+        <p14:creationId xmlns:p14="http://schemas.microsoft.com/office/powerpoint/2010/main" val="551823452"/>
       </p:ext>
     </p:extLst>
   </p:cSld>
